--- a/Practice/연습문제 data/R 연습문제.pptx
+++ b/Practice/연습문제 data/R 연습문제.pptx
@@ -5,7 +5,7 @@
     <p:sldMasterId id="2147483648" r:id="rId1"/>
   </p:sldMasterIdLst>
   <p:notesMasterIdLst>
-    <p:notesMasterId r:id="rId11"/>
+    <p:notesMasterId r:id="rId13"/>
   </p:notesMasterIdLst>
   <p:sldIdLst>
     <p:sldId id="259" r:id="rId2"/>
@@ -17,6 +17,8 @@
     <p:sldId id="263" r:id="rId8"/>
     <p:sldId id="265" r:id="rId9"/>
     <p:sldId id="266" r:id="rId10"/>
+    <p:sldId id="267" r:id="rId11"/>
+    <p:sldId id="268" r:id="rId12"/>
   </p:sldIdLst>
   <p:sldSz cx="9144000" cy="6858000" type="screen4x3"/>
   <p:notesSz cx="6858000" cy="9144000"/>
@@ -200,7 +202,7 @@
           <a:p>
             <a:fld id="{F8EE9BE4-BA73-4D39-86BF-4ECBF107F1A2}" type="datetimeFigureOut">
               <a:rPr lang="ko-KR" altLang="en-US" smtClean="0"/>
-              <a:t>2019-06-20</a:t>
+              <a:t>2019-06-25</a:t>
             </a:fld>
             <a:endParaRPr lang="ko-KR" altLang="en-US"/>
           </a:p>
@@ -614,7 +616,7 @@
           <a:p>
             <a:fld id="{21845987-2C55-46C3-B831-AE09533DBD3E}" type="datetime1">
               <a:rPr lang="ko-KR" altLang="en-US" smtClean="0"/>
-              <a:t>2019-06-20</a:t>
+              <a:t>2019-06-25</a:t>
             </a:fld>
             <a:endParaRPr lang="ko-KR" altLang="en-US"/>
           </a:p>
@@ -742,7 +744,7 @@
           <a:p>
             <a:fld id="{BFC15BBE-F44D-4F1F-A330-F82D13529371}" type="datetime1">
               <a:rPr lang="ko-KR" altLang="en-US" smtClean="0"/>
-              <a:t>2019-06-20</a:t>
+              <a:t>2019-06-25</a:t>
             </a:fld>
             <a:endParaRPr lang="ko-KR" altLang="en-US"/>
           </a:p>
@@ -922,7 +924,7 @@
           <a:p>
             <a:fld id="{AF55841B-9C56-4B13-96CD-0F02E1FA3938}" type="datetime1">
               <a:rPr lang="ko-KR" altLang="en-US" smtClean="0"/>
-              <a:t>2019-06-20</a:t>
+              <a:t>2019-06-25</a:t>
             </a:fld>
             <a:endParaRPr lang="ko-KR" altLang="en-US"/>
           </a:p>
@@ -1092,7 +1094,7 @@
           <a:p>
             <a:fld id="{2ABF20A8-D685-4CF2-B639-02FF1506B0EE}" type="datetime1">
               <a:rPr lang="ko-KR" altLang="en-US" smtClean="0"/>
-              <a:t>2019-06-20</a:t>
+              <a:t>2019-06-25</a:t>
             </a:fld>
             <a:endParaRPr lang="ko-KR" altLang="en-US"/>
           </a:p>
@@ -1338,7 +1340,7 @@
           <a:p>
             <a:fld id="{2811EE05-8720-4A70-86E4-81F89E9A0E97}" type="datetime1">
               <a:rPr lang="ko-KR" altLang="en-US" smtClean="0"/>
-              <a:t>2019-06-20</a:t>
+              <a:t>2019-06-25</a:t>
             </a:fld>
             <a:endParaRPr lang="ko-KR" altLang="en-US"/>
           </a:p>
@@ -1626,7 +1628,7 @@
           <a:p>
             <a:fld id="{4A1C758F-DBB4-457E-A726-1AAB5F25B981}" type="datetime1">
               <a:rPr lang="ko-KR" altLang="en-US" smtClean="0"/>
-              <a:t>2019-06-20</a:t>
+              <a:t>2019-06-25</a:t>
             </a:fld>
             <a:endParaRPr lang="ko-KR" altLang="en-US"/>
           </a:p>
@@ -2048,7 +2050,7 @@
           <a:p>
             <a:fld id="{7B601672-9529-4A60-880B-20248A654710}" type="datetime1">
               <a:rPr lang="ko-KR" altLang="en-US" smtClean="0"/>
-              <a:t>2019-06-20</a:t>
+              <a:t>2019-06-25</a:t>
             </a:fld>
             <a:endParaRPr lang="ko-KR" altLang="en-US"/>
           </a:p>
@@ -2166,7 +2168,7 @@
           <a:p>
             <a:fld id="{C95B78CF-F6D9-4B1C-9763-19B11B300263}" type="datetime1">
               <a:rPr lang="ko-KR" altLang="en-US" smtClean="0"/>
-              <a:t>2019-06-20</a:t>
+              <a:t>2019-06-25</a:t>
             </a:fld>
             <a:endParaRPr lang="ko-KR" altLang="en-US"/>
           </a:p>
@@ -2261,7 +2263,7 @@
           <a:p>
             <a:fld id="{5922D0F6-4AA9-49FC-859A-85F46D10708C}" type="datetime1">
               <a:rPr lang="ko-KR" altLang="en-US" smtClean="0"/>
-              <a:t>2019-06-20</a:t>
+              <a:t>2019-06-25</a:t>
             </a:fld>
             <a:endParaRPr lang="ko-KR" altLang="en-US"/>
           </a:p>
@@ -2538,7 +2540,7 @@
           <a:p>
             <a:fld id="{CEDA55FF-F5DC-4391-BDEA-D69D740997F9}" type="datetime1">
               <a:rPr lang="ko-KR" altLang="en-US" smtClean="0"/>
-              <a:t>2019-06-20</a:t>
+              <a:t>2019-06-25</a:t>
             </a:fld>
             <a:endParaRPr lang="ko-KR" altLang="en-US"/>
           </a:p>
@@ -2791,7 +2793,7 @@
           <a:p>
             <a:fld id="{D2D6606D-0E2F-4E15-83D6-FE608293D64D}" type="datetime1">
               <a:rPr lang="ko-KR" altLang="en-US" smtClean="0"/>
-              <a:t>2019-06-20</a:t>
+              <a:t>2019-06-25</a:t>
             </a:fld>
             <a:endParaRPr lang="ko-KR" altLang="en-US"/>
           </a:p>
@@ -3004,7 +3006,7 @@
           <a:p>
             <a:fld id="{7F3773C4-A1CC-40B4-8E1B-E8B2DF0E5786}" type="datetime1">
               <a:rPr lang="ko-KR" altLang="en-US" smtClean="0"/>
-              <a:t>2019-06-20</a:t>
+              <a:t>2019-06-25</a:t>
             </a:fld>
             <a:endParaRPr lang="ko-KR" altLang="en-US"/>
           </a:p>
@@ -3653,6 +3655,1130 @@
     <p:extLst>
       <p:ext uri="{BB962C8B-B14F-4D97-AF65-F5344CB8AC3E}">
         <p14:creationId xmlns:p14="http://schemas.microsoft.com/office/powerpoint/2010/main" val="2422903845"/>
+      </p:ext>
+    </p:extLst>
+  </p:cSld>
+  <p:clrMapOvr>
+    <a:masterClrMapping/>
+  </p:clrMapOvr>
+  <p:timing>
+    <p:tnLst>
+      <p:par>
+        <p:cTn id="1" dur="indefinite" restart="never" nodeType="tmRoot"/>
+      </p:par>
+    </p:tnLst>
+  </p:timing>
+</p:sld>
+</file>
+
+<file path=ppt/slides/slide10.xml><?xml version="1.0" encoding="utf-8"?>
+<p:sld xmlns:a="http://schemas.openxmlformats.org/drawingml/2006/main" xmlns:r="http://schemas.openxmlformats.org/officeDocument/2006/relationships" xmlns:p="http://schemas.openxmlformats.org/presentationml/2006/main">
+  <p:cSld>
+    <p:spTree>
+      <p:nvGrpSpPr>
+        <p:cNvPr id="1" name=""/>
+        <p:cNvGrpSpPr/>
+        <p:nvPr/>
+      </p:nvGrpSpPr>
+      <p:grpSpPr>
+        <a:xfrm>
+          <a:off x="0" y="0"/>
+          <a:ext cx="0" cy="0"/>
+          <a:chOff x="0" y="0"/>
+          <a:chExt cx="0" cy="0"/>
+        </a:xfrm>
+      </p:grpSpPr>
+      <p:sp>
+        <p:nvSpPr>
+          <p:cNvPr id="4" name="TextBox 3"/>
+          <p:cNvSpPr txBox="1"/>
+          <p:nvPr/>
+        </p:nvSpPr>
+        <p:spPr>
+          <a:xfrm>
+            <a:off x="353672" y="620688"/>
+            <a:ext cx="8709436" cy="4893647"/>
+          </a:xfrm>
+          <a:prstGeom prst="rect">
+            <a:avLst/>
+          </a:prstGeom>
+          <a:noFill/>
+        </p:spPr>
+        <p:txBody>
+          <a:bodyPr wrap="none" rtlCol="0">
+            <a:spAutoFit/>
+          </a:bodyPr>
+          <a:lstStyle/>
+          <a:p>
+            <a:pPr marL="342900" indent="-342900">
+              <a:lnSpc>
+                <a:spcPct val="150000"/>
+              </a:lnSpc>
+              <a:buFont typeface="+mj-lt"/>
+              <a:buAutoNum type="arabicPeriod"/>
+            </a:pPr>
+            <a:r>
+              <a:rPr lang="ko-KR" altLang="en-US" sz="1600" b="1" dirty="0" smtClean="0">
+                <a:latin typeface="+mn-ea"/>
+              </a:rPr>
+              <a:t>어느 대학교에서 대중교통을 이용하여 등교하는 학생의 비율을 알아보기 위하여 이 학교</a:t>
+            </a:r>
+            <a:r>
+              <a:rPr lang="en-US" altLang="ko-KR" sz="1600" b="1" dirty="0" smtClean="0">
+                <a:latin typeface="+mn-ea"/>
+              </a:rPr>
+              <a:t/>
+            </a:r>
+            <a:br>
+              <a:rPr lang="en-US" altLang="ko-KR" sz="1600" b="1" dirty="0" smtClean="0">
+                <a:latin typeface="+mn-ea"/>
+              </a:rPr>
+            </a:br>
+            <a:r>
+              <a:rPr lang="ko-KR" altLang="en-US" sz="1600" b="1" dirty="0" smtClean="0">
+                <a:latin typeface="+mn-ea"/>
+              </a:rPr>
+              <a:t>학생 중 </a:t>
+            </a:r>
+            <a:r>
+              <a:rPr lang="en-US" altLang="ko-KR" sz="1600" b="1" dirty="0" smtClean="0">
+                <a:latin typeface="+mn-ea"/>
+              </a:rPr>
+              <a:t>n </a:t>
+            </a:r>
+            <a:r>
+              <a:rPr lang="ko-KR" altLang="en-US" sz="1600" b="1" dirty="0" smtClean="0">
+                <a:latin typeface="+mn-ea"/>
+              </a:rPr>
+              <a:t>명을 임의 추출하여 조사한 결과 </a:t>
+            </a:r>
+            <a:r>
+              <a:rPr lang="en-US" altLang="ko-KR" sz="1600" b="1" dirty="0" smtClean="0">
+                <a:latin typeface="+mn-ea"/>
+              </a:rPr>
+              <a:t>50%</a:t>
+            </a:r>
+            <a:r>
+              <a:rPr lang="ko-KR" altLang="en-US" sz="1600" b="1" dirty="0" smtClean="0">
+                <a:latin typeface="+mn-ea"/>
+              </a:rPr>
+              <a:t>의 학생이 대중교통을 이용하여 등교하는</a:t>
+            </a:r>
+            <a:r>
+              <a:rPr lang="en-US" altLang="ko-KR" sz="1600" b="1" dirty="0" smtClean="0">
+                <a:latin typeface="+mn-ea"/>
+              </a:rPr>
+              <a:t/>
+            </a:r>
+            <a:br>
+              <a:rPr lang="en-US" altLang="ko-KR" sz="1600" b="1" dirty="0" smtClean="0">
+                <a:latin typeface="+mn-ea"/>
+              </a:rPr>
+            </a:br>
+            <a:r>
+              <a:rPr lang="ko-KR" altLang="en-US" sz="1600" b="1" dirty="0" smtClean="0">
+                <a:latin typeface="+mn-ea"/>
+              </a:rPr>
+              <a:t>것으로 나타났다</a:t>
+            </a:r>
+            <a:r>
+              <a:rPr lang="en-US" altLang="ko-KR" sz="1600" b="1" dirty="0" smtClean="0">
+                <a:latin typeface="+mn-ea"/>
+              </a:rPr>
+              <a:t>. </a:t>
+            </a:r>
+            <a:r>
+              <a:rPr lang="ko-KR" altLang="en-US" sz="1600" b="1" dirty="0" smtClean="0">
+                <a:latin typeface="+mn-ea"/>
+              </a:rPr>
+              <a:t>이 결과를 이용하여 이 대학교 전체 학생 중에서 대중교통을 이용하여</a:t>
+            </a:r>
+            <a:r>
+              <a:rPr lang="en-US" altLang="ko-KR" sz="1600" b="1" dirty="0" smtClean="0">
+                <a:latin typeface="+mn-ea"/>
+              </a:rPr>
+              <a:t/>
+            </a:r>
+            <a:br>
+              <a:rPr lang="en-US" altLang="ko-KR" sz="1600" b="1" dirty="0" smtClean="0">
+                <a:latin typeface="+mn-ea"/>
+              </a:rPr>
+            </a:br>
+            <a:r>
+              <a:rPr lang="ko-KR" altLang="en-US" sz="1600" b="1" dirty="0" smtClean="0">
+                <a:latin typeface="+mn-ea"/>
+              </a:rPr>
+              <a:t>등교하는 학생의 비율 </a:t>
+            </a:r>
+            <a:r>
+              <a:rPr lang="en-US" altLang="ko-KR" sz="1600" b="1" dirty="0" smtClean="0">
+                <a:latin typeface="+mn-ea"/>
+              </a:rPr>
+              <a:t>p</a:t>
+            </a:r>
+            <a:r>
+              <a:rPr lang="ko-KR" altLang="en-US" sz="1600" b="1" dirty="0" smtClean="0">
+                <a:latin typeface="+mn-ea"/>
+              </a:rPr>
+              <a:t>에 대한 신뢰도 </a:t>
+            </a:r>
+            <a:r>
+              <a:rPr lang="en-US" altLang="ko-KR" sz="1600" b="1" dirty="0" smtClean="0">
+                <a:latin typeface="+mn-ea"/>
+              </a:rPr>
+              <a:t>95%</a:t>
+            </a:r>
+            <a:r>
+              <a:rPr lang="ko-KR" altLang="en-US" sz="1600" b="1" dirty="0" smtClean="0">
+                <a:latin typeface="+mn-ea"/>
+              </a:rPr>
+              <a:t>의 신뢰 구간을 구하시오</a:t>
+            </a:r>
+            <a:r>
+              <a:rPr lang="en-US" altLang="ko-KR" sz="1600" b="1" dirty="0" smtClean="0">
+                <a:latin typeface="+mn-ea"/>
+              </a:rPr>
+              <a:t>.</a:t>
+            </a:r>
+          </a:p>
+          <a:p>
+            <a:pPr marL="342900" indent="-342900">
+              <a:lnSpc>
+                <a:spcPct val="150000"/>
+              </a:lnSpc>
+              <a:buFont typeface="+mj-lt"/>
+              <a:buAutoNum type="arabicPeriod"/>
+            </a:pPr>
+            <a:endParaRPr lang="en-US" altLang="ko-KR" sz="1600" b="1" dirty="0">
+              <a:latin typeface="+mn-ea"/>
+            </a:endParaRPr>
+          </a:p>
+          <a:p>
+            <a:pPr marL="342900" indent="-342900">
+              <a:lnSpc>
+                <a:spcPct val="150000"/>
+              </a:lnSpc>
+              <a:buFont typeface="+mj-lt"/>
+              <a:buAutoNum type="arabicPeriod"/>
+            </a:pPr>
+            <a:r>
+              <a:rPr lang="ko-KR" altLang="en-US" sz="1600" b="1" dirty="0" smtClean="0">
+                <a:latin typeface="+mn-ea"/>
+              </a:rPr>
+              <a:t>어느 음식점에서 새로운 메뉴를 개발하여 이 메뉴에 대한 선호도를 조사하기로 하였다</a:t>
+            </a:r>
+            <a:r>
+              <a:rPr lang="en-US" altLang="ko-KR" sz="1600" b="1" dirty="0" smtClean="0">
+                <a:latin typeface="+mn-ea"/>
+              </a:rPr>
+              <a:t>.</a:t>
+            </a:r>
+            <a:br>
+              <a:rPr lang="en-US" altLang="ko-KR" sz="1600" b="1" dirty="0" smtClean="0">
+                <a:latin typeface="+mn-ea"/>
+              </a:rPr>
+            </a:br>
+            <a:r>
+              <a:rPr lang="ko-KR" altLang="en-US" sz="1600" b="1" dirty="0" smtClean="0">
+                <a:latin typeface="+mn-ea"/>
+              </a:rPr>
+              <a:t>고객 </a:t>
+            </a:r>
+            <a:r>
+              <a:rPr lang="en-US" altLang="ko-KR" sz="1600" b="1" dirty="0" smtClean="0">
+                <a:latin typeface="+mn-ea"/>
+              </a:rPr>
+              <a:t>100</a:t>
+            </a:r>
+            <a:r>
+              <a:rPr lang="ko-KR" altLang="en-US" sz="1600" b="1" dirty="0" smtClean="0">
+                <a:latin typeface="+mn-ea"/>
+              </a:rPr>
+              <a:t>명을 </a:t>
+            </a:r>
+            <a:r>
+              <a:rPr lang="ko-KR" altLang="en-US" sz="1600" b="1" dirty="0" err="1" smtClean="0">
+                <a:latin typeface="+mn-ea"/>
+              </a:rPr>
+              <a:t>임의추출하여</a:t>
+            </a:r>
+            <a:r>
+              <a:rPr lang="ko-KR" altLang="en-US" sz="1600" b="1" dirty="0" smtClean="0">
+                <a:latin typeface="+mn-ea"/>
+              </a:rPr>
+              <a:t> 이 메뉴에 대한 반응을 조사하였더니 이들 중 </a:t>
+            </a:r>
+            <a:r>
+              <a:rPr lang="en-US" altLang="ko-KR" sz="1600" b="1" dirty="0" smtClean="0">
+                <a:latin typeface="+mn-ea"/>
+              </a:rPr>
+              <a:t>4/5</a:t>
+            </a:r>
+            <a:r>
+              <a:rPr lang="ko-KR" altLang="en-US" sz="1600" b="1" dirty="0" smtClean="0">
+                <a:latin typeface="+mn-ea"/>
+              </a:rPr>
+              <a:t>가</a:t>
+            </a:r>
+            <a:r>
+              <a:rPr lang="en-US" altLang="ko-KR" sz="1600" b="1" dirty="0" smtClean="0">
+                <a:latin typeface="+mn-ea"/>
+              </a:rPr>
+              <a:t/>
+            </a:r>
+            <a:br>
+              <a:rPr lang="en-US" altLang="ko-KR" sz="1600" b="1" dirty="0" smtClean="0">
+                <a:latin typeface="+mn-ea"/>
+              </a:rPr>
+            </a:br>
+            <a:r>
+              <a:rPr lang="ko-KR" altLang="en-US" sz="1600" b="1" dirty="0" smtClean="0">
+                <a:latin typeface="+mn-ea"/>
+              </a:rPr>
+              <a:t>선호한다고 하였다</a:t>
+            </a:r>
+            <a:r>
+              <a:rPr lang="en-US" altLang="ko-KR" sz="1600" b="1" dirty="0" smtClean="0">
+                <a:latin typeface="+mn-ea"/>
+              </a:rPr>
+              <a:t>. </a:t>
+            </a:r>
+            <a:r>
+              <a:rPr lang="ko-KR" altLang="en-US" sz="1600" b="1" dirty="0" smtClean="0">
+                <a:latin typeface="+mn-ea"/>
+              </a:rPr>
+              <a:t>전체 고객의 새로운 메뉴에 대한 선호도를 </a:t>
+            </a:r>
+            <a:r>
+              <a:rPr lang="en-US" altLang="ko-KR" sz="1600" b="1" dirty="0" smtClean="0">
+                <a:latin typeface="+mn-ea"/>
+              </a:rPr>
+              <a:t>p</a:t>
+            </a:r>
+            <a:r>
+              <a:rPr lang="ko-KR" altLang="en-US" sz="1600" b="1" dirty="0" smtClean="0">
+                <a:latin typeface="+mn-ea"/>
+              </a:rPr>
+              <a:t>라 할 때</a:t>
+            </a:r>
+            <a:r>
+              <a:rPr lang="en-US" altLang="ko-KR" sz="1600" b="1" dirty="0" smtClean="0">
+                <a:latin typeface="+mn-ea"/>
+              </a:rPr>
+              <a:t>, </a:t>
+            </a:r>
+            <a:r>
+              <a:rPr lang="ko-KR" altLang="en-US" sz="1600" b="1" dirty="0" err="1" smtClean="0">
+                <a:latin typeface="+mn-ea"/>
+              </a:rPr>
+              <a:t>모비율</a:t>
+            </a:r>
+            <a:r>
+              <a:rPr lang="ko-KR" altLang="en-US" sz="1600" b="1" dirty="0" smtClean="0">
+                <a:latin typeface="+mn-ea"/>
+              </a:rPr>
+              <a:t> </a:t>
+            </a:r>
+            <a:r>
+              <a:rPr lang="en-US" altLang="ko-KR" sz="1600" b="1" dirty="0" smtClean="0">
+                <a:latin typeface="+mn-ea"/>
+              </a:rPr>
+              <a:t>p</a:t>
+            </a:r>
+            <a:r>
+              <a:rPr lang="ko-KR" altLang="en-US" sz="1600" b="1" dirty="0" smtClean="0">
+                <a:latin typeface="+mn-ea"/>
+              </a:rPr>
+              <a:t>에</a:t>
+            </a:r>
+            <a:r>
+              <a:rPr lang="en-US" altLang="ko-KR" sz="1600" b="1" dirty="0" smtClean="0">
+                <a:latin typeface="+mn-ea"/>
+              </a:rPr>
+              <a:t/>
+            </a:r>
+            <a:br>
+              <a:rPr lang="en-US" altLang="ko-KR" sz="1600" b="1" dirty="0" smtClean="0">
+                <a:latin typeface="+mn-ea"/>
+              </a:rPr>
+            </a:br>
+            <a:r>
+              <a:rPr lang="ko-KR" altLang="en-US" sz="1600" b="1" dirty="0" smtClean="0">
+                <a:latin typeface="+mn-ea"/>
+              </a:rPr>
+              <a:t>대한 신뢰도 </a:t>
+            </a:r>
+            <a:r>
+              <a:rPr lang="en-US" altLang="ko-KR" sz="1600" b="1" dirty="0" smtClean="0">
+                <a:latin typeface="+mn-ea"/>
+              </a:rPr>
+              <a:t>95%</a:t>
+            </a:r>
+            <a:r>
+              <a:rPr lang="ko-KR" altLang="en-US" sz="1600" b="1" dirty="0" smtClean="0">
+                <a:latin typeface="+mn-ea"/>
+              </a:rPr>
+              <a:t>의 신뢰구간을 구하시오</a:t>
+            </a:r>
+            <a:r>
+              <a:rPr lang="en-US" altLang="ko-KR" sz="1600" b="1" dirty="0" smtClean="0">
+                <a:latin typeface="+mn-ea"/>
+              </a:rPr>
+              <a:t>.</a:t>
+            </a:r>
+          </a:p>
+          <a:p>
+            <a:pPr marL="342900" indent="-342900">
+              <a:lnSpc>
+                <a:spcPct val="150000"/>
+              </a:lnSpc>
+              <a:buFont typeface="+mj-lt"/>
+              <a:buAutoNum type="arabicPeriod"/>
+            </a:pPr>
+            <a:endParaRPr lang="en-US" altLang="ko-KR" sz="1600" b="1" dirty="0" smtClean="0">
+              <a:latin typeface="+mn-ea"/>
+            </a:endParaRPr>
+          </a:p>
+          <a:p>
+            <a:pPr marL="342900" indent="-342900">
+              <a:lnSpc>
+                <a:spcPct val="150000"/>
+              </a:lnSpc>
+              <a:buFont typeface="+mj-lt"/>
+              <a:buAutoNum type="arabicPeriod"/>
+            </a:pPr>
+            <a:r>
+              <a:rPr lang="ko-KR" altLang="en-US" sz="1600" b="1" dirty="0" smtClean="0">
+                <a:latin typeface="+mn-ea"/>
+              </a:rPr>
+              <a:t>우리나라 성인 남성의 </a:t>
+            </a:r>
+            <a:r>
+              <a:rPr lang="ko-KR" altLang="en-US" sz="1600" b="1" dirty="0" err="1" smtClean="0">
+                <a:latin typeface="+mn-ea"/>
+              </a:rPr>
+              <a:t>흡연율을</a:t>
+            </a:r>
+            <a:r>
+              <a:rPr lang="ko-KR" altLang="en-US" sz="1600" b="1" dirty="0" smtClean="0">
+                <a:latin typeface="+mn-ea"/>
+              </a:rPr>
+              <a:t> 조사한다고 한다</a:t>
+            </a:r>
+            <a:r>
+              <a:rPr lang="en-US" altLang="ko-KR" sz="1600" b="1" dirty="0" smtClean="0">
+                <a:latin typeface="+mn-ea"/>
+              </a:rPr>
+              <a:t>. </a:t>
+            </a:r>
+            <a:r>
+              <a:rPr lang="ko-KR" altLang="en-US" sz="1600" b="1" dirty="0" smtClean="0">
+                <a:latin typeface="+mn-ea"/>
+              </a:rPr>
+              <a:t>이에 성인 남자 </a:t>
+            </a:r>
+            <a:r>
+              <a:rPr lang="en-US" altLang="ko-KR" sz="1600" b="1" dirty="0" smtClean="0">
+                <a:latin typeface="+mn-ea"/>
+              </a:rPr>
+              <a:t>1,000</a:t>
+            </a:r>
+            <a:r>
+              <a:rPr lang="ko-KR" altLang="en-US" sz="1600" b="1" dirty="0" smtClean="0">
+                <a:latin typeface="+mn-ea"/>
+              </a:rPr>
+              <a:t>명을 무작위로</a:t>
+            </a:r>
+            <a:r>
+              <a:rPr lang="en-US" altLang="ko-KR" sz="1600" b="1" dirty="0" smtClean="0">
+                <a:latin typeface="+mn-ea"/>
+              </a:rPr>
+              <a:t/>
+            </a:r>
+            <a:br>
+              <a:rPr lang="en-US" altLang="ko-KR" sz="1600" b="1" dirty="0" smtClean="0">
+                <a:latin typeface="+mn-ea"/>
+              </a:rPr>
+            </a:br>
+            <a:r>
+              <a:rPr lang="ko-KR" altLang="en-US" sz="1600" b="1" dirty="0" smtClean="0">
+                <a:latin typeface="+mn-ea"/>
+              </a:rPr>
+              <a:t>뽑아 흡연 여부를 조사하였더니</a:t>
+            </a:r>
+            <a:r>
+              <a:rPr lang="en-US" altLang="ko-KR" sz="1600" b="1" dirty="0" smtClean="0">
+                <a:latin typeface="+mn-ea"/>
+              </a:rPr>
+              <a:t>, 430</a:t>
+            </a:r>
+            <a:r>
+              <a:rPr lang="ko-KR" altLang="en-US" sz="1600" b="1" dirty="0" smtClean="0">
+                <a:latin typeface="+mn-ea"/>
+              </a:rPr>
+              <a:t>명이 흡연을 하고 있었다</a:t>
+            </a:r>
+            <a:r>
+              <a:rPr lang="en-US" altLang="ko-KR" sz="1600" b="1" dirty="0" smtClean="0">
+                <a:latin typeface="+mn-ea"/>
+              </a:rPr>
+              <a:t>. </a:t>
+            </a:r>
+            <a:r>
+              <a:rPr lang="ko-KR" altLang="en-US" sz="1600" b="1" dirty="0" smtClean="0">
+                <a:latin typeface="+mn-ea"/>
+              </a:rPr>
+              <a:t>이때 </a:t>
+            </a:r>
+            <a:r>
+              <a:rPr lang="ko-KR" altLang="en-US" sz="1600" b="1" dirty="0" err="1" smtClean="0">
+                <a:latin typeface="+mn-ea"/>
+              </a:rPr>
+              <a:t>흡연율</a:t>
+            </a:r>
+            <a:r>
+              <a:rPr lang="en-US" altLang="ko-KR" sz="1600" b="1" dirty="0" smtClean="0">
+                <a:latin typeface="+mn-ea"/>
+              </a:rPr>
+              <a:t>(</a:t>
+            </a:r>
+            <a:r>
+              <a:rPr lang="ko-KR" altLang="en-US" sz="1600" b="1" dirty="0" err="1" smtClean="0">
+                <a:latin typeface="+mn-ea"/>
+              </a:rPr>
+              <a:t>모비율</a:t>
+            </a:r>
+            <a:r>
+              <a:rPr lang="en-US" altLang="ko-KR" sz="1600" b="1" dirty="0" smtClean="0">
+                <a:latin typeface="+mn-ea"/>
+              </a:rPr>
+              <a:t>)</a:t>
+            </a:r>
+            <a:r>
+              <a:rPr lang="ko-KR" altLang="en-US" sz="1600" b="1" dirty="0" smtClean="0">
+                <a:latin typeface="+mn-ea"/>
+              </a:rPr>
+              <a:t>에</a:t>
+            </a:r>
+            <a:r>
+              <a:rPr lang="en-US" altLang="ko-KR" sz="1600" b="1" dirty="0" smtClean="0">
+                <a:latin typeface="+mn-ea"/>
+              </a:rPr>
+              <a:t/>
+            </a:r>
+            <a:br>
+              <a:rPr lang="en-US" altLang="ko-KR" sz="1600" b="1" dirty="0" smtClean="0">
+                <a:latin typeface="+mn-ea"/>
+              </a:rPr>
+            </a:br>
+            <a:r>
+              <a:rPr lang="ko-KR" altLang="en-US" sz="1600" b="1" dirty="0" smtClean="0">
+                <a:latin typeface="+mn-ea"/>
+              </a:rPr>
+              <a:t>대한 </a:t>
+            </a:r>
+            <a:r>
+              <a:rPr lang="en-US" altLang="ko-KR" sz="1600" b="1" dirty="0" smtClean="0">
+                <a:latin typeface="+mn-ea"/>
+              </a:rPr>
+              <a:t>90% </a:t>
+            </a:r>
+            <a:r>
+              <a:rPr lang="ko-KR" altLang="en-US" sz="1600" b="1" dirty="0" smtClean="0">
+                <a:latin typeface="+mn-ea"/>
+              </a:rPr>
+              <a:t>신뢰구간을 추정하시오</a:t>
+            </a:r>
+            <a:r>
+              <a:rPr lang="en-US" altLang="ko-KR" sz="1600" b="1" dirty="0" smtClean="0">
+                <a:latin typeface="+mn-ea"/>
+              </a:rPr>
+              <a:t>.</a:t>
+            </a:r>
+            <a:endParaRPr lang="en-US" altLang="ko-KR" sz="1600" b="1" dirty="0">
+              <a:latin typeface="+mn-ea"/>
+            </a:endParaRPr>
+          </a:p>
+        </p:txBody>
+      </p:sp>
+      <p:sp>
+        <p:nvSpPr>
+          <p:cNvPr id="5" name="TextBox 4"/>
+          <p:cNvSpPr txBox="1"/>
+          <p:nvPr/>
+        </p:nvSpPr>
+        <p:spPr>
+          <a:xfrm>
+            <a:off x="333515" y="136110"/>
+            <a:ext cx="1696298" cy="369332"/>
+          </a:xfrm>
+          <a:prstGeom prst="rect">
+            <a:avLst/>
+          </a:prstGeom>
+          <a:noFill/>
+        </p:spPr>
+        <p:txBody>
+          <a:bodyPr wrap="none" rtlCol="0">
+            <a:spAutoFit/>
+          </a:bodyPr>
+          <a:lstStyle/>
+          <a:p>
+            <a:r>
+              <a:rPr lang="en-US" altLang="ko-KR" b="1" dirty="0" smtClean="0"/>
+              <a:t>6. </a:t>
+            </a:r>
+            <a:r>
+              <a:rPr lang="ko-KR" altLang="en-US" b="1" dirty="0" err="1" smtClean="0"/>
+              <a:t>모비율</a:t>
+            </a:r>
+            <a:r>
+              <a:rPr lang="ko-KR" altLang="en-US" b="1" dirty="0" smtClean="0"/>
+              <a:t> 추정</a:t>
+            </a:r>
+            <a:endParaRPr lang="ko-KR" altLang="en-US" b="1" dirty="0"/>
+          </a:p>
+        </p:txBody>
+      </p:sp>
+    </p:spTree>
+    <p:extLst>
+      <p:ext uri="{BB962C8B-B14F-4D97-AF65-F5344CB8AC3E}">
+        <p14:creationId xmlns:p14="http://schemas.microsoft.com/office/powerpoint/2010/main" val="2467516063"/>
+      </p:ext>
+    </p:extLst>
+  </p:cSld>
+  <p:clrMapOvr>
+    <a:masterClrMapping/>
+  </p:clrMapOvr>
+  <p:timing>
+    <p:tnLst>
+      <p:par>
+        <p:cTn id="1" dur="indefinite" restart="never" nodeType="tmRoot"/>
+      </p:par>
+    </p:tnLst>
+  </p:timing>
+</p:sld>
+</file>
+
+<file path=ppt/slides/slide11.xml><?xml version="1.0" encoding="utf-8"?>
+<p:sld xmlns:a="http://schemas.openxmlformats.org/drawingml/2006/main" xmlns:r="http://schemas.openxmlformats.org/officeDocument/2006/relationships" xmlns:p="http://schemas.openxmlformats.org/presentationml/2006/main">
+  <p:cSld>
+    <p:spTree>
+      <p:nvGrpSpPr>
+        <p:cNvPr id="1" name=""/>
+        <p:cNvGrpSpPr/>
+        <p:nvPr/>
+      </p:nvGrpSpPr>
+      <p:grpSpPr>
+        <a:xfrm>
+          <a:off x="0" y="0"/>
+          <a:ext cx="0" cy="0"/>
+          <a:chOff x="0" y="0"/>
+          <a:chExt cx="0" cy="0"/>
+        </a:xfrm>
+      </p:grpSpPr>
+      <p:sp>
+        <p:nvSpPr>
+          <p:cNvPr id="4" name="TextBox 3"/>
+          <p:cNvSpPr txBox="1"/>
+          <p:nvPr/>
+        </p:nvSpPr>
+        <p:spPr>
+          <a:xfrm>
+            <a:off x="353672" y="620688"/>
+            <a:ext cx="8711039" cy="5262979"/>
+          </a:xfrm>
+          <a:prstGeom prst="rect">
+            <a:avLst/>
+          </a:prstGeom>
+          <a:noFill/>
+        </p:spPr>
+        <p:txBody>
+          <a:bodyPr wrap="none" rtlCol="0">
+            <a:spAutoFit/>
+          </a:bodyPr>
+          <a:lstStyle/>
+          <a:p>
+            <a:pPr marL="342900" indent="-342900">
+              <a:lnSpc>
+                <a:spcPct val="150000"/>
+              </a:lnSpc>
+              <a:buFont typeface="+mj-lt"/>
+              <a:buAutoNum type="arabicPeriod"/>
+            </a:pPr>
+            <a:r>
+              <a:rPr lang="en-US" altLang="ko-KR" sz="1600" b="1" dirty="0">
+                <a:latin typeface="+mn-ea"/>
+              </a:rPr>
+              <a:t>A</a:t>
+            </a:r>
+            <a:r>
+              <a:rPr lang="ko-KR" altLang="en-US" sz="1600" b="1" dirty="0">
+                <a:latin typeface="+mn-ea"/>
+              </a:rPr>
+              <a:t>회사의 건전지의 수명시간이 </a:t>
+            </a:r>
+            <a:r>
+              <a:rPr lang="en-US" altLang="ko-KR" sz="1600" b="1" dirty="0">
+                <a:latin typeface="+mn-ea"/>
+              </a:rPr>
+              <a:t>1000</a:t>
+            </a:r>
+            <a:r>
+              <a:rPr lang="ko-KR" altLang="en-US" sz="1600" b="1" dirty="0">
+                <a:latin typeface="+mn-ea"/>
+              </a:rPr>
+              <a:t>시간 일 때</a:t>
+            </a:r>
+            <a:r>
+              <a:rPr lang="en-US" altLang="ko-KR" sz="1600" b="1" dirty="0">
+                <a:latin typeface="+mn-ea"/>
+              </a:rPr>
+              <a:t>, </a:t>
+            </a:r>
+            <a:r>
+              <a:rPr lang="ko-KR" altLang="en-US" sz="1600" b="1" dirty="0">
+                <a:latin typeface="+mn-ea"/>
+              </a:rPr>
+              <a:t>무작위로 뽑은 </a:t>
+            </a:r>
+            <a:r>
+              <a:rPr lang="en-US" altLang="ko-KR" sz="1600" b="1" dirty="0">
+                <a:latin typeface="+mn-ea"/>
+              </a:rPr>
+              <a:t>10</a:t>
+            </a:r>
+            <a:r>
+              <a:rPr lang="ko-KR" altLang="en-US" sz="1600" b="1" dirty="0">
+                <a:latin typeface="+mn-ea"/>
+              </a:rPr>
+              <a:t>개의 건전지에 대한 </a:t>
+            </a:r>
+            <a:r>
+              <a:rPr lang="en-US" altLang="ko-KR" sz="1600" b="1" dirty="0" smtClean="0">
+                <a:latin typeface="+mn-ea"/>
+              </a:rPr>
+              <a:t/>
+            </a:r>
+            <a:br>
+              <a:rPr lang="en-US" altLang="ko-KR" sz="1600" b="1" dirty="0" smtClean="0">
+                <a:latin typeface="+mn-ea"/>
+              </a:rPr>
+            </a:br>
+            <a:r>
+              <a:rPr lang="ko-KR" altLang="en-US" sz="1600" b="1" dirty="0" smtClean="0">
+                <a:latin typeface="+mn-ea"/>
+              </a:rPr>
+              <a:t>수명은 </a:t>
+            </a:r>
+            <a:r>
+              <a:rPr lang="ko-KR" altLang="en-US" sz="1600" b="1" dirty="0">
+                <a:latin typeface="+mn-ea"/>
+              </a:rPr>
+              <a:t>다음과 같다</a:t>
+            </a:r>
+            <a:r>
+              <a:rPr lang="en-US" altLang="ko-KR" sz="1600" b="1" dirty="0" smtClean="0">
+                <a:latin typeface="+mn-ea"/>
+              </a:rPr>
+              <a:t>. </a:t>
+            </a:r>
+            <a:br>
+              <a:rPr lang="en-US" altLang="ko-KR" sz="1600" b="1" dirty="0" smtClean="0">
+                <a:latin typeface="+mn-ea"/>
+              </a:rPr>
+            </a:br>
+            <a:r>
+              <a:rPr lang="en-US" altLang="ko-KR" sz="1600" b="1" dirty="0" smtClean="0">
+                <a:latin typeface="+mn-ea"/>
+              </a:rPr>
+              <a:t>	980</a:t>
+            </a:r>
+            <a:r>
+              <a:rPr lang="en-US" altLang="ko-KR" sz="1600" b="1" dirty="0">
+                <a:latin typeface="+mn-ea"/>
+              </a:rPr>
+              <a:t>, 1008, 968, 1032, 1012, 996, 1021, 1002, 996, </a:t>
+            </a:r>
+            <a:r>
+              <a:rPr lang="en-US" altLang="ko-KR" sz="1600" b="1" dirty="0" smtClean="0">
+                <a:latin typeface="+mn-ea"/>
+              </a:rPr>
+              <a:t>1017</a:t>
+            </a:r>
+            <a:br>
+              <a:rPr lang="en-US" altLang="ko-KR" sz="1600" b="1" dirty="0" smtClean="0">
+                <a:latin typeface="+mn-ea"/>
+              </a:rPr>
+            </a:br>
+            <a:r>
+              <a:rPr lang="ko-KR" altLang="en-US" sz="1600" b="1" dirty="0" smtClean="0">
+                <a:latin typeface="+mn-ea"/>
+              </a:rPr>
+              <a:t>샘플이 </a:t>
+            </a:r>
+            <a:r>
+              <a:rPr lang="ko-KR" altLang="en-US" sz="1600" b="1" dirty="0">
+                <a:latin typeface="+mn-ea"/>
+              </a:rPr>
+              <a:t>모집단과 같다고 할 수 있는가</a:t>
+            </a:r>
+            <a:r>
+              <a:rPr lang="en-US" altLang="ko-KR" sz="1600" b="1" dirty="0">
+                <a:latin typeface="+mn-ea"/>
+              </a:rPr>
+              <a:t>?</a:t>
+            </a:r>
+          </a:p>
+          <a:p>
+            <a:pPr marL="342900" indent="-342900">
+              <a:lnSpc>
+                <a:spcPct val="150000"/>
+              </a:lnSpc>
+              <a:buFont typeface="+mj-lt"/>
+              <a:buAutoNum type="arabicPeriod"/>
+            </a:pPr>
+            <a:endParaRPr lang="en-US" altLang="ko-KR" sz="1600" b="1" dirty="0">
+              <a:latin typeface="+mn-ea"/>
+            </a:endParaRPr>
+          </a:p>
+          <a:p>
+            <a:pPr marL="342900" indent="-342900">
+              <a:lnSpc>
+                <a:spcPct val="150000"/>
+              </a:lnSpc>
+              <a:buFont typeface="+mj-lt"/>
+              <a:buAutoNum type="arabicPeriod"/>
+            </a:pPr>
+            <a:r>
+              <a:rPr lang="ko-KR" altLang="en-US" sz="1600" b="1" dirty="0" smtClean="0">
+                <a:latin typeface="+mn-ea"/>
+              </a:rPr>
+              <a:t>어떤 반의 </a:t>
+            </a:r>
+            <a:r>
+              <a:rPr lang="ko-KR" altLang="en-US" sz="1600" b="1" dirty="0">
+                <a:latin typeface="+mn-ea"/>
+              </a:rPr>
+              <a:t>학생들의 수학 평균성적은 </a:t>
+            </a:r>
+            <a:r>
+              <a:rPr lang="en-US" altLang="ko-KR" sz="1600" b="1" dirty="0">
+                <a:latin typeface="+mn-ea"/>
+              </a:rPr>
+              <a:t>55</a:t>
+            </a:r>
+            <a:r>
+              <a:rPr lang="ko-KR" altLang="en-US" sz="1600" b="1" dirty="0">
+                <a:latin typeface="+mn-ea"/>
+              </a:rPr>
+              <a:t>점이었다</a:t>
+            </a:r>
+            <a:r>
+              <a:rPr lang="en-US" altLang="ko-KR" sz="1600" b="1" dirty="0">
+                <a:latin typeface="+mn-ea"/>
+              </a:rPr>
+              <a:t>. 0</a:t>
+            </a:r>
+            <a:r>
+              <a:rPr lang="ko-KR" altLang="en-US" sz="1600" b="1" dirty="0">
+                <a:latin typeface="+mn-ea"/>
+              </a:rPr>
+              <a:t>교시 수업을 </a:t>
+            </a:r>
+            <a:r>
+              <a:rPr lang="ko-KR" altLang="en-US" sz="1600" b="1" dirty="0" smtClean="0">
+                <a:latin typeface="+mn-ea"/>
+              </a:rPr>
+              <a:t>시행하고 나서 </a:t>
+            </a:r>
+            <a:r>
+              <a:rPr lang="ko-KR" altLang="en-US" sz="1600" b="1" dirty="0">
+                <a:latin typeface="+mn-ea"/>
+              </a:rPr>
+              <a:t>학생들의 </a:t>
+            </a:r>
+            <a:r>
+              <a:rPr lang="en-US" altLang="ko-KR" sz="1600" b="1" dirty="0" smtClean="0">
+                <a:latin typeface="+mn-ea"/>
+              </a:rPr>
+              <a:t/>
+            </a:r>
+            <a:br>
+              <a:rPr lang="en-US" altLang="ko-KR" sz="1600" b="1" dirty="0" smtClean="0">
+                <a:latin typeface="+mn-ea"/>
+              </a:rPr>
+            </a:br>
+            <a:r>
+              <a:rPr lang="ko-KR" altLang="en-US" sz="1600" b="1" dirty="0" smtClean="0">
+                <a:latin typeface="+mn-ea"/>
+              </a:rPr>
+              <a:t>시험 </a:t>
+            </a:r>
+            <a:r>
+              <a:rPr lang="ko-KR" altLang="en-US" sz="1600" b="1" dirty="0">
+                <a:latin typeface="+mn-ea"/>
+              </a:rPr>
+              <a:t>성적은 다음과 </a:t>
+            </a:r>
+            <a:r>
+              <a:rPr lang="ko-KR" altLang="en-US" sz="1600" b="1" dirty="0" smtClean="0">
+                <a:latin typeface="+mn-ea"/>
+              </a:rPr>
+              <a:t>같다</a:t>
+            </a:r>
+            <a:r>
+              <a:rPr lang="en-US" altLang="ko-KR" sz="1600" b="1" dirty="0" smtClean="0">
+                <a:latin typeface="+mn-ea"/>
+              </a:rPr>
+              <a:t>.</a:t>
+            </a:r>
+            <a:br>
+              <a:rPr lang="en-US" altLang="ko-KR" sz="1600" b="1" dirty="0" smtClean="0">
+                <a:latin typeface="+mn-ea"/>
+              </a:rPr>
+            </a:br>
+            <a:r>
+              <a:rPr lang="en-US" altLang="ko-KR" sz="1600" b="1" dirty="0" smtClean="0">
+                <a:latin typeface="+mn-ea"/>
+              </a:rPr>
+              <a:t>	58</a:t>
+            </a:r>
+            <a:r>
+              <a:rPr lang="en-US" altLang="ko-KR" sz="1600" b="1" dirty="0">
+                <a:latin typeface="+mn-ea"/>
+              </a:rPr>
+              <a:t>, 49, 39, 99, 32, 88, 62, 30, 55, 65, 44, 55, 57, 53, 88, 42, </a:t>
+            </a:r>
+            <a:r>
+              <a:rPr lang="en-US" altLang="ko-KR" sz="1600" b="1" dirty="0" smtClean="0">
+                <a:latin typeface="+mn-ea"/>
+              </a:rPr>
+              <a:t>39</a:t>
+            </a:r>
+            <a:br>
+              <a:rPr lang="en-US" altLang="ko-KR" sz="1600" b="1" dirty="0" smtClean="0">
+                <a:latin typeface="+mn-ea"/>
+              </a:rPr>
+            </a:br>
+            <a:r>
+              <a:rPr lang="en-US" altLang="ko-KR" sz="1600" b="1" dirty="0" smtClean="0">
+                <a:latin typeface="+mn-ea"/>
+              </a:rPr>
+              <a:t>0</a:t>
+            </a:r>
+            <a:r>
+              <a:rPr lang="ko-KR" altLang="en-US" sz="1600" b="1" dirty="0">
+                <a:latin typeface="+mn-ea"/>
+              </a:rPr>
+              <a:t>교시 수업을 시행한 후</a:t>
+            </a:r>
+            <a:r>
+              <a:rPr lang="en-US" altLang="ko-KR" sz="1600" b="1" dirty="0">
+                <a:latin typeface="+mn-ea"/>
+              </a:rPr>
+              <a:t>, </a:t>
+            </a:r>
+            <a:r>
+              <a:rPr lang="ko-KR" altLang="en-US" sz="1600" b="1" dirty="0">
+                <a:latin typeface="+mn-ea"/>
+              </a:rPr>
+              <a:t>학생들의 성적은 올랐다고 할 수 있는가</a:t>
+            </a:r>
+            <a:r>
+              <a:rPr lang="en-US" altLang="ko-KR" sz="1600" b="1" dirty="0">
+                <a:latin typeface="+mn-ea"/>
+              </a:rPr>
+              <a:t>?</a:t>
+            </a:r>
+          </a:p>
+          <a:p>
+            <a:pPr marL="342900" indent="-342900">
+              <a:lnSpc>
+                <a:spcPct val="150000"/>
+              </a:lnSpc>
+              <a:buFont typeface="+mj-lt"/>
+              <a:buAutoNum type="arabicPeriod"/>
+            </a:pPr>
+            <a:endParaRPr lang="en-US" altLang="ko-KR" sz="1600" b="1" dirty="0" smtClean="0">
+              <a:latin typeface="+mn-ea"/>
+            </a:endParaRPr>
+          </a:p>
+          <a:p>
+            <a:pPr marL="342900" indent="-342900">
+              <a:lnSpc>
+                <a:spcPct val="150000"/>
+              </a:lnSpc>
+              <a:buFont typeface="+mj-lt"/>
+              <a:buAutoNum type="arabicPeriod"/>
+            </a:pPr>
+            <a:r>
+              <a:rPr lang="en-US" altLang="ko-KR" sz="1600" b="1" dirty="0">
+                <a:latin typeface="+mn-ea"/>
+              </a:rPr>
+              <a:t>2006</a:t>
+            </a:r>
+            <a:r>
+              <a:rPr lang="ko-KR" altLang="en-US" sz="1600" b="1" dirty="0">
+                <a:latin typeface="+mn-ea"/>
+              </a:rPr>
+              <a:t>년 조사에 의하면 한국인의 </a:t>
+            </a:r>
+            <a:r>
+              <a:rPr lang="en-US" altLang="ko-KR" sz="1600" b="1" dirty="0">
+                <a:latin typeface="+mn-ea"/>
+              </a:rPr>
+              <a:t>1</a:t>
+            </a:r>
+            <a:r>
+              <a:rPr lang="ko-KR" altLang="en-US" sz="1600" b="1" dirty="0">
+                <a:latin typeface="+mn-ea"/>
+              </a:rPr>
+              <a:t>인 </a:t>
+            </a:r>
+            <a:r>
+              <a:rPr lang="en-US" altLang="ko-KR" sz="1600" b="1" dirty="0">
+                <a:latin typeface="+mn-ea"/>
+              </a:rPr>
+              <a:t>1</a:t>
+            </a:r>
+            <a:r>
+              <a:rPr lang="ko-KR" altLang="en-US" sz="1600" b="1" dirty="0">
+                <a:latin typeface="+mn-ea"/>
+              </a:rPr>
+              <a:t>일 평균 알코올 섭취량이 </a:t>
+            </a:r>
+            <a:r>
+              <a:rPr lang="en-US" altLang="ko-KR" sz="1600" b="1" dirty="0">
+                <a:latin typeface="+mn-ea"/>
+              </a:rPr>
+              <a:t>8.1g </a:t>
+            </a:r>
+            <a:r>
+              <a:rPr lang="ko-KR" altLang="en-US" sz="1600" b="1" dirty="0">
+                <a:latin typeface="+mn-ea"/>
+              </a:rPr>
+              <a:t>이다</a:t>
+            </a:r>
+            <a:r>
+              <a:rPr lang="en-US" altLang="ko-KR" sz="1600" b="1" dirty="0">
+                <a:latin typeface="+mn-ea"/>
+              </a:rPr>
+              <a:t>. </a:t>
+            </a:r>
+            <a:r>
+              <a:rPr lang="en-US" altLang="ko-KR" sz="1600" b="1" dirty="0" smtClean="0">
+                <a:latin typeface="+mn-ea"/>
+              </a:rPr>
+              <a:t/>
+            </a:r>
+            <a:br>
+              <a:rPr lang="en-US" altLang="ko-KR" sz="1600" b="1" dirty="0" smtClean="0">
+                <a:latin typeface="+mn-ea"/>
+              </a:rPr>
+            </a:br>
+            <a:r>
+              <a:rPr lang="en-US" altLang="ko-KR" sz="1600" b="1" dirty="0" smtClean="0">
+                <a:latin typeface="+mn-ea"/>
+              </a:rPr>
+              <a:t>2008</a:t>
+            </a:r>
+            <a:r>
+              <a:rPr lang="ko-KR" altLang="en-US" sz="1600" b="1" dirty="0" smtClean="0">
+                <a:latin typeface="+mn-ea"/>
+              </a:rPr>
+              <a:t>년 무작위로 뽑은 알코올 섭취량은 다음과 같다</a:t>
+            </a:r>
+            <a:r>
+              <a:rPr lang="en-US" altLang="ko-KR" sz="1600" b="1" dirty="0">
+                <a:latin typeface="+mn-ea"/>
+              </a:rPr>
+              <a:t>.</a:t>
+            </a:r>
+            <a:br>
+              <a:rPr lang="en-US" altLang="ko-KR" sz="1600" b="1" dirty="0">
+                <a:latin typeface="+mn-ea"/>
+              </a:rPr>
+            </a:br>
+            <a:r>
+              <a:rPr lang="en-US" altLang="ko-KR" sz="1600" b="1" dirty="0">
+                <a:latin typeface="+mn-ea"/>
+              </a:rPr>
+              <a:t>	</a:t>
+            </a:r>
+            <a:r>
+              <a:rPr lang="en-US" altLang="ko-KR" sz="1600" b="1" dirty="0" smtClean="0">
+                <a:latin typeface="+mn-ea"/>
+              </a:rPr>
+              <a:t>15.50, 11.21, 12.67, 8.87, 12.15, 9.88, 2.06, 14.50, 0, 4.97</a:t>
+            </a:r>
+            <a:r>
+              <a:rPr lang="en-US" altLang="ko-KR" sz="1600" b="1" dirty="0">
+                <a:latin typeface="+mn-ea"/>
+              </a:rPr>
+              <a:t/>
+            </a:r>
+            <a:br>
+              <a:rPr lang="en-US" altLang="ko-KR" sz="1600" b="1" dirty="0">
+                <a:latin typeface="+mn-ea"/>
+              </a:rPr>
+            </a:br>
+            <a:r>
+              <a:rPr lang="ko-KR" altLang="en-US" sz="1600" b="1" dirty="0" smtClean="0">
+                <a:latin typeface="+mn-ea"/>
+              </a:rPr>
+              <a:t>평균 알코올 섭취량이 달라졌다고 할 수 있는가</a:t>
+            </a:r>
+            <a:r>
+              <a:rPr lang="en-US" altLang="ko-KR" sz="1600" b="1" dirty="0" smtClean="0">
+                <a:latin typeface="+mn-ea"/>
+              </a:rPr>
+              <a:t>?</a:t>
+            </a:r>
+          </a:p>
+        </p:txBody>
+      </p:sp>
+      <p:sp>
+        <p:nvSpPr>
+          <p:cNvPr id="5" name="TextBox 4"/>
+          <p:cNvSpPr txBox="1"/>
+          <p:nvPr/>
+        </p:nvSpPr>
+        <p:spPr>
+          <a:xfrm>
+            <a:off x="333515" y="136110"/>
+            <a:ext cx="2468946" cy="369332"/>
+          </a:xfrm>
+          <a:prstGeom prst="rect">
+            <a:avLst/>
+          </a:prstGeom>
+          <a:noFill/>
+        </p:spPr>
+        <p:txBody>
+          <a:bodyPr wrap="none" rtlCol="0">
+            <a:spAutoFit/>
+          </a:bodyPr>
+          <a:lstStyle/>
+          <a:p>
+            <a:r>
+              <a:rPr lang="en-US" altLang="ko-KR" b="1" dirty="0" smtClean="0"/>
+              <a:t>7. </a:t>
+            </a:r>
+            <a:r>
+              <a:rPr lang="en-US" altLang="ko-KR" b="1" dirty="0" smtClean="0"/>
+              <a:t>1-Sample T </a:t>
+            </a:r>
+            <a:r>
+              <a:rPr lang="ko-KR" altLang="en-US" b="1" dirty="0" smtClean="0"/>
+              <a:t>테스트</a:t>
+            </a:r>
+            <a:endParaRPr lang="ko-KR" altLang="en-US" b="1" dirty="0"/>
+          </a:p>
+        </p:txBody>
+      </p:sp>
+    </p:spTree>
+    <p:extLst>
+      <p:ext uri="{BB962C8B-B14F-4D97-AF65-F5344CB8AC3E}">
+        <p14:creationId xmlns:p14="http://schemas.microsoft.com/office/powerpoint/2010/main" val="833444148"/>
       </p:ext>
     </p:extLst>
   </p:cSld>

--- a/Practice/연습문제 data/R 연습문제.pptx
+++ b/Practice/연습문제 data/R 연습문제.pptx
@@ -5,7 +5,7 @@
     <p:sldMasterId id="2147483648" r:id="rId1"/>
   </p:sldMasterIdLst>
   <p:notesMasterIdLst>
-    <p:notesMasterId r:id="rId13"/>
+    <p:notesMasterId r:id="rId16"/>
   </p:notesMasterIdLst>
   <p:sldIdLst>
     <p:sldId id="259" r:id="rId2"/>
@@ -19,6 +19,9 @@
     <p:sldId id="266" r:id="rId10"/>
     <p:sldId id="267" r:id="rId11"/>
     <p:sldId id="268" r:id="rId12"/>
+    <p:sldId id="269" r:id="rId13"/>
+    <p:sldId id="270" r:id="rId14"/>
+    <p:sldId id="271" r:id="rId15"/>
   </p:sldIdLst>
   <p:sldSz cx="9144000" cy="6858000" type="screen4x3"/>
   <p:notesSz cx="6858000" cy="9144000"/>
@@ -202,7 +205,7 @@
           <a:p>
             <a:fld id="{F8EE9BE4-BA73-4D39-86BF-4ECBF107F1A2}" type="datetimeFigureOut">
               <a:rPr lang="ko-KR" altLang="en-US" smtClean="0"/>
-              <a:t>2019-06-25</a:t>
+              <a:t>2019-06-26</a:t>
             </a:fld>
             <a:endParaRPr lang="ko-KR" altLang="en-US"/>
           </a:p>
@@ -616,7 +619,7 @@
           <a:p>
             <a:fld id="{21845987-2C55-46C3-B831-AE09533DBD3E}" type="datetime1">
               <a:rPr lang="ko-KR" altLang="en-US" smtClean="0"/>
-              <a:t>2019-06-25</a:t>
+              <a:t>2019-06-26</a:t>
             </a:fld>
             <a:endParaRPr lang="ko-KR" altLang="en-US"/>
           </a:p>
@@ -744,7 +747,7 @@
           <a:p>
             <a:fld id="{BFC15BBE-F44D-4F1F-A330-F82D13529371}" type="datetime1">
               <a:rPr lang="ko-KR" altLang="en-US" smtClean="0"/>
-              <a:t>2019-06-25</a:t>
+              <a:t>2019-06-26</a:t>
             </a:fld>
             <a:endParaRPr lang="ko-KR" altLang="en-US"/>
           </a:p>
@@ -924,7 +927,7 @@
           <a:p>
             <a:fld id="{AF55841B-9C56-4B13-96CD-0F02E1FA3938}" type="datetime1">
               <a:rPr lang="ko-KR" altLang="en-US" smtClean="0"/>
-              <a:t>2019-06-25</a:t>
+              <a:t>2019-06-26</a:t>
             </a:fld>
             <a:endParaRPr lang="ko-KR" altLang="en-US"/>
           </a:p>
@@ -1094,7 +1097,7 @@
           <a:p>
             <a:fld id="{2ABF20A8-D685-4CF2-B639-02FF1506B0EE}" type="datetime1">
               <a:rPr lang="ko-KR" altLang="en-US" smtClean="0"/>
-              <a:t>2019-06-25</a:t>
+              <a:t>2019-06-26</a:t>
             </a:fld>
             <a:endParaRPr lang="ko-KR" altLang="en-US"/>
           </a:p>
@@ -1340,7 +1343,7 @@
           <a:p>
             <a:fld id="{2811EE05-8720-4A70-86E4-81F89E9A0E97}" type="datetime1">
               <a:rPr lang="ko-KR" altLang="en-US" smtClean="0"/>
-              <a:t>2019-06-25</a:t>
+              <a:t>2019-06-26</a:t>
             </a:fld>
             <a:endParaRPr lang="ko-KR" altLang="en-US"/>
           </a:p>
@@ -1628,7 +1631,7 @@
           <a:p>
             <a:fld id="{4A1C758F-DBB4-457E-A726-1AAB5F25B981}" type="datetime1">
               <a:rPr lang="ko-KR" altLang="en-US" smtClean="0"/>
-              <a:t>2019-06-25</a:t>
+              <a:t>2019-06-26</a:t>
             </a:fld>
             <a:endParaRPr lang="ko-KR" altLang="en-US"/>
           </a:p>
@@ -2050,7 +2053,7 @@
           <a:p>
             <a:fld id="{7B601672-9529-4A60-880B-20248A654710}" type="datetime1">
               <a:rPr lang="ko-KR" altLang="en-US" smtClean="0"/>
-              <a:t>2019-06-25</a:t>
+              <a:t>2019-06-26</a:t>
             </a:fld>
             <a:endParaRPr lang="ko-KR" altLang="en-US"/>
           </a:p>
@@ -2168,7 +2171,7 @@
           <a:p>
             <a:fld id="{C95B78CF-F6D9-4B1C-9763-19B11B300263}" type="datetime1">
               <a:rPr lang="ko-KR" altLang="en-US" smtClean="0"/>
-              <a:t>2019-06-25</a:t>
+              <a:t>2019-06-26</a:t>
             </a:fld>
             <a:endParaRPr lang="ko-KR" altLang="en-US"/>
           </a:p>
@@ -2263,7 +2266,7 @@
           <a:p>
             <a:fld id="{5922D0F6-4AA9-49FC-859A-85F46D10708C}" type="datetime1">
               <a:rPr lang="ko-KR" altLang="en-US" smtClean="0"/>
-              <a:t>2019-06-25</a:t>
+              <a:t>2019-06-26</a:t>
             </a:fld>
             <a:endParaRPr lang="ko-KR" altLang="en-US"/>
           </a:p>
@@ -2540,7 +2543,7 @@
           <a:p>
             <a:fld id="{CEDA55FF-F5DC-4391-BDEA-D69D740997F9}" type="datetime1">
               <a:rPr lang="ko-KR" altLang="en-US" smtClean="0"/>
-              <a:t>2019-06-25</a:t>
+              <a:t>2019-06-26</a:t>
             </a:fld>
             <a:endParaRPr lang="ko-KR" altLang="en-US"/>
           </a:p>
@@ -2793,7 +2796,7 @@
           <a:p>
             <a:fld id="{D2D6606D-0E2F-4E15-83D6-FE608293D64D}" type="datetime1">
               <a:rPr lang="ko-KR" altLang="en-US" smtClean="0"/>
-              <a:t>2019-06-25</a:t>
+              <a:t>2019-06-26</a:t>
             </a:fld>
             <a:endParaRPr lang="ko-KR" altLang="en-US"/>
           </a:p>
@@ -3006,7 +3009,7 @@
           <a:p>
             <a:fld id="{7F3773C4-A1CC-40B4-8E1B-E8B2DF0E5786}" type="datetime1">
               <a:rPr lang="ko-KR" altLang="en-US" smtClean="0"/>
-              <a:t>2019-06-25</a:t>
+              <a:t>2019-06-26</a:t>
             </a:fld>
             <a:endParaRPr lang="ko-KR" altLang="en-US"/>
           </a:p>
@@ -3697,7 +3700,7 @@
         <p:spPr>
           <a:xfrm>
             <a:off x="353672" y="620688"/>
-            <a:ext cx="8709436" cy="4893647"/>
+            <a:ext cx="8709436" cy="5262979"/>
           </a:xfrm>
           <a:prstGeom prst="rect">
             <a:avLst/>
@@ -3808,34 +3811,87 @@
               <a:rPr lang="ko-KR" altLang="en-US" sz="1600" b="1" dirty="0" smtClean="0">
                 <a:latin typeface="+mn-ea"/>
               </a:rPr>
-              <a:t>등교하는 학생의 비율 </a:t>
-            </a:r>
-            <a:r>
-              <a:rPr lang="en-US" altLang="ko-KR" sz="1600" b="1" dirty="0" smtClean="0">
+              <a:t>등교하는 </a:t>
+            </a:r>
+            <a:r>
+              <a:rPr lang="ko-KR" altLang="en-US" sz="1600" b="1" dirty="0">
+                <a:latin typeface="+mn-ea"/>
+              </a:rPr>
+              <a:t>학생의 비율 </a:t>
+            </a:r>
+            <a:r>
+              <a:rPr lang="en-US" altLang="ko-KR" sz="1600" b="1" dirty="0">
                 <a:latin typeface="+mn-ea"/>
               </a:rPr>
               <a:t>p</a:t>
             </a:r>
             <a:r>
-              <a:rPr lang="ko-KR" altLang="en-US" sz="1600" b="1" dirty="0" smtClean="0">
+              <a:rPr lang="ko-KR" altLang="en-US" sz="1600" b="1" dirty="0">
                 <a:latin typeface="+mn-ea"/>
               </a:rPr>
               <a:t>에 대한 신뢰도 </a:t>
             </a:r>
             <a:r>
-              <a:rPr lang="en-US" altLang="ko-KR" sz="1600" b="1" dirty="0" smtClean="0">
+              <a:rPr lang="en-US" altLang="ko-KR" sz="1600" b="1" dirty="0">
                 <a:latin typeface="+mn-ea"/>
               </a:rPr>
               <a:t>95%</a:t>
             </a:r>
             <a:r>
-              <a:rPr lang="ko-KR" altLang="en-US" sz="1600" b="1" dirty="0" smtClean="0">
-                <a:latin typeface="+mn-ea"/>
-              </a:rPr>
-              <a:t>의 신뢰 구간을 구하시오</a:t>
-            </a:r>
-            <a:r>
-              <a:rPr lang="en-US" altLang="ko-KR" sz="1600" b="1" dirty="0" smtClean="0">
+              <a:rPr lang="ko-KR" altLang="en-US" sz="1600" b="1" dirty="0">
+                <a:latin typeface="+mn-ea"/>
+              </a:rPr>
+              <a:t>의 신뢰구간이 </a:t>
+            </a:r>
+            <a:r>
+              <a:rPr lang="en-US" altLang="ko-KR" sz="1600" b="1" dirty="0">
+                <a:latin typeface="+mn-ea"/>
+              </a:rPr>
+              <a:t>a ≤ m ≤ b </a:t>
+            </a:r>
+            <a:r>
+              <a:rPr lang="ko-KR" altLang="en-US" sz="1600" b="1" dirty="0">
+                <a:latin typeface="+mn-ea"/>
+              </a:rPr>
+              <a:t>이다</a:t>
+            </a:r>
+            <a:r>
+              <a:rPr lang="en-US" altLang="ko-KR" sz="1600" b="1" dirty="0">
+                <a:latin typeface="+mn-ea"/>
+              </a:rPr>
+              <a:t>.</a:t>
+            </a:r>
+            <a:br>
+              <a:rPr lang="en-US" altLang="ko-KR" sz="1600" b="1" dirty="0">
+                <a:latin typeface="+mn-ea"/>
+              </a:rPr>
+            </a:br>
+            <a:r>
+              <a:rPr lang="en-US" altLang="ko-KR" sz="1600" b="1" dirty="0">
+                <a:latin typeface="+mn-ea"/>
+              </a:rPr>
+              <a:t>b – a = 0.14 </a:t>
+            </a:r>
+            <a:r>
+              <a:rPr lang="ko-KR" altLang="en-US" sz="1600" b="1" dirty="0">
+                <a:latin typeface="+mn-ea"/>
+              </a:rPr>
+              <a:t>일 때 </a:t>
+            </a:r>
+            <a:r>
+              <a:rPr lang="en-US" altLang="ko-KR" sz="1600" b="1" dirty="0">
+                <a:latin typeface="+mn-ea"/>
+              </a:rPr>
+              <a:t>n</a:t>
+            </a:r>
+            <a:r>
+              <a:rPr lang="ko-KR" altLang="en-US" sz="1600" b="1" dirty="0">
+                <a:latin typeface="+mn-ea"/>
+              </a:rPr>
+              <a:t>의 값을 구하시오</a:t>
+            </a:r>
+            <a:r>
+              <a:rPr lang="en-US" altLang="ko-KR" sz="1600" b="1" dirty="0">
                 <a:latin typeface="+mn-ea"/>
               </a:rPr>
               <a:t>.</a:t>
@@ -4761,11 +4817,7 @@
           <a:p>
             <a:r>
               <a:rPr lang="en-US" altLang="ko-KR" b="1" dirty="0" smtClean="0"/>
-              <a:t>7. </a:t>
-            </a:r>
-            <a:r>
-              <a:rPr lang="en-US" altLang="ko-KR" b="1" dirty="0" smtClean="0"/>
-              <a:t>1-Sample T </a:t>
+              <a:t>7. 1-Sample T </a:t>
             </a:r>
             <a:r>
               <a:rPr lang="ko-KR" altLang="en-US" b="1" dirty="0" smtClean="0"/>
@@ -4779,6 +4831,1301 @@
     <p:extLst>
       <p:ext uri="{BB962C8B-B14F-4D97-AF65-F5344CB8AC3E}">
         <p14:creationId xmlns:p14="http://schemas.microsoft.com/office/powerpoint/2010/main" val="833444148"/>
+      </p:ext>
+    </p:extLst>
+  </p:cSld>
+  <p:clrMapOvr>
+    <a:masterClrMapping/>
+  </p:clrMapOvr>
+  <p:timing>
+    <p:tnLst>
+      <p:par>
+        <p:cTn id="1" dur="indefinite" restart="never" nodeType="tmRoot"/>
+      </p:par>
+    </p:tnLst>
+  </p:timing>
+</p:sld>
+</file>
+
+<file path=ppt/slides/slide12.xml><?xml version="1.0" encoding="utf-8"?>
+<p:sld xmlns:a="http://schemas.openxmlformats.org/drawingml/2006/main" xmlns:r="http://schemas.openxmlformats.org/officeDocument/2006/relationships" xmlns:p="http://schemas.openxmlformats.org/presentationml/2006/main">
+  <p:cSld>
+    <p:spTree>
+      <p:nvGrpSpPr>
+        <p:cNvPr id="1" name=""/>
+        <p:cNvGrpSpPr/>
+        <p:nvPr/>
+      </p:nvGrpSpPr>
+      <p:grpSpPr>
+        <a:xfrm>
+          <a:off x="0" y="0"/>
+          <a:ext cx="0" cy="0"/>
+          <a:chOff x="0" y="0"/>
+          <a:chExt cx="0" cy="0"/>
+        </a:xfrm>
+      </p:grpSpPr>
+      <p:sp>
+        <p:nvSpPr>
+          <p:cNvPr id="4" name="TextBox 3"/>
+          <p:cNvSpPr txBox="1"/>
+          <p:nvPr/>
+        </p:nvSpPr>
+        <p:spPr>
+          <a:xfrm>
+            <a:off x="353672" y="620688"/>
+            <a:ext cx="8298747" cy="4154984"/>
+          </a:xfrm>
+          <a:prstGeom prst="rect">
+            <a:avLst/>
+          </a:prstGeom>
+          <a:noFill/>
+        </p:spPr>
+        <p:txBody>
+          <a:bodyPr wrap="none" rtlCol="0">
+            <a:spAutoFit/>
+          </a:bodyPr>
+          <a:lstStyle/>
+          <a:p>
+            <a:pPr marL="342900" indent="-342900">
+              <a:lnSpc>
+                <a:spcPct val="150000"/>
+              </a:lnSpc>
+              <a:buFont typeface="+mj-lt"/>
+              <a:buAutoNum type="arabicPeriod"/>
+            </a:pPr>
+            <a:r>
+              <a:rPr lang="en-US" altLang="ko-KR" sz="1600" b="1" dirty="0" err="1" smtClean="0">
+                <a:latin typeface="+mn-ea"/>
+              </a:rPr>
+              <a:t>mtcars</a:t>
+            </a:r>
+            <a:r>
+              <a:rPr lang="en-US" altLang="ko-KR" sz="1600" b="1" dirty="0" smtClean="0">
+                <a:latin typeface="+mn-ea"/>
+              </a:rPr>
+              <a:t> </a:t>
+            </a:r>
+            <a:r>
+              <a:rPr lang="ko-KR" altLang="en-US" sz="1600" b="1" dirty="0" err="1" smtClean="0">
+                <a:latin typeface="+mn-ea"/>
+              </a:rPr>
+              <a:t>데이터셋에서</a:t>
+            </a:r>
+            <a:r>
+              <a:rPr lang="ko-KR" altLang="en-US" sz="1600" b="1" dirty="0" smtClean="0">
+                <a:latin typeface="+mn-ea"/>
+              </a:rPr>
+              <a:t> 자동차 </a:t>
+            </a:r>
+            <a:r>
+              <a:rPr lang="ko-KR" altLang="en-US" sz="1600" b="1" dirty="0">
+                <a:latin typeface="+mn-ea"/>
+              </a:rPr>
+              <a:t>기어 종류</a:t>
+            </a:r>
+            <a:r>
+              <a:rPr lang="en-US" altLang="ko-KR" sz="1600" b="1" dirty="0" smtClean="0">
+                <a:latin typeface="+mn-ea"/>
+              </a:rPr>
+              <a:t>(am: </a:t>
+            </a:r>
+            <a:r>
+              <a:rPr lang="ko-KR" altLang="en-US" sz="1600" b="1" dirty="0" smtClean="0">
+                <a:latin typeface="+mn-ea"/>
+              </a:rPr>
+              <a:t>오토</a:t>
+            </a:r>
+            <a:r>
+              <a:rPr lang="en-US" altLang="ko-KR" sz="1600" b="1" dirty="0">
+                <a:latin typeface="+mn-ea"/>
+              </a:rPr>
+              <a:t>/</a:t>
+            </a:r>
+            <a:r>
+              <a:rPr lang="ko-KR" altLang="en-US" sz="1600" b="1" dirty="0">
+                <a:latin typeface="+mn-ea"/>
+              </a:rPr>
+              <a:t>수동</a:t>
+            </a:r>
+            <a:r>
+              <a:rPr lang="en-US" altLang="ko-KR" sz="1600" b="1" dirty="0">
+                <a:latin typeface="+mn-ea"/>
+              </a:rPr>
+              <a:t>)</a:t>
+            </a:r>
+            <a:r>
+              <a:rPr lang="ko-KR" altLang="en-US" sz="1600" b="1" dirty="0">
+                <a:latin typeface="+mn-ea"/>
+              </a:rPr>
+              <a:t>에 따른 </a:t>
+            </a:r>
+            <a:r>
+              <a:rPr lang="en-US" altLang="ko-KR" sz="1600" b="1" dirty="0">
+                <a:latin typeface="+mn-ea"/>
+              </a:rPr>
+              <a:t>mpg</a:t>
+            </a:r>
+            <a:r>
+              <a:rPr lang="ko-KR" altLang="en-US" sz="1600" b="1" dirty="0">
+                <a:latin typeface="+mn-ea"/>
+              </a:rPr>
+              <a:t>의 차이가 </a:t>
+            </a:r>
+            <a:r>
+              <a:rPr lang="en-US" altLang="ko-KR" sz="1600" b="1" dirty="0" smtClean="0">
+                <a:latin typeface="+mn-ea"/>
+              </a:rPr>
+              <a:t/>
+            </a:r>
+            <a:br>
+              <a:rPr lang="en-US" altLang="ko-KR" sz="1600" b="1" dirty="0" smtClean="0">
+                <a:latin typeface="+mn-ea"/>
+              </a:rPr>
+            </a:br>
+            <a:r>
+              <a:rPr lang="ko-KR" altLang="en-US" sz="1600" b="1" dirty="0" smtClean="0">
+                <a:latin typeface="+mn-ea"/>
+              </a:rPr>
+              <a:t>통계적으로 </a:t>
+            </a:r>
+            <a:r>
+              <a:rPr lang="ko-KR" altLang="en-US" sz="1600" b="1" dirty="0">
+                <a:latin typeface="+mn-ea"/>
+              </a:rPr>
+              <a:t>유의한지 </a:t>
+            </a:r>
+            <a:r>
+              <a:rPr lang="en-US" altLang="ko-KR" sz="1600" b="1" dirty="0">
+                <a:latin typeface="+mn-ea"/>
+              </a:rPr>
+              <a:t>t-test</a:t>
+            </a:r>
+            <a:r>
+              <a:rPr lang="ko-KR" altLang="en-US" sz="1600" b="1" dirty="0">
+                <a:latin typeface="+mn-ea"/>
+              </a:rPr>
+              <a:t>를 통해 </a:t>
+            </a:r>
+            <a:r>
+              <a:rPr lang="ko-KR" altLang="en-US" sz="1600" b="1" dirty="0" smtClean="0">
+                <a:latin typeface="+mn-ea"/>
+              </a:rPr>
+              <a:t>확인해 보시오</a:t>
+            </a:r>
+            <a:r>
+              <a:rPr lang="en-US" altLang="ko-KR" sz="1600" b="1" dirty="0" smtClean="0">
+                <a:latin typeface="+mn-ea"/>
+              </a:rPr>
+              <a:t>.</a:t>
+            </a:r>
+          </a:p>
+          <a:p>
+            <a:pPr marL="342900" indent="-342900">
+              <a:lnSpc>
+                <a:spcPct val="150000"/>
+              </a:lnSpc>
+              <a:buFont typeface="+mj-lt"/>
+              <a:buAutoNum type="arabicPeriod"/>
+            </a:pPr>
+            <a:endParaRPr lang="en-US" altLang="ko-KR" sz="1600" b="1" dirty="0">
+              <a:latin typeface="+mn-ea"/>
+            </a:endParaRPr>
+          </a:p>
+          <a:p>
+            <a:pPr marL="342900" indent="-342900">
+              <a:lnSpc>
+                <a:spcPct val="150000"/>
+              </a:lnSpc>
+              <a:buFont typeface="+mj-lt"/>
+              <a:buAutoNum type="arabicPeriod"/>
+            </a:pPr>
+            <a:r>
+              <a:rPr lang="en-US" altLang="ko-KR" sz="1600" b="1" dirty="0">
+                <a:latin typeface="+mn-ea"/>
+              </a:rPr>
+              <a:t>MASS </a:t>
+            </a:r>
+            <a:r>
+              <a:rPr lang="ko-KR" altLang="en-US" sz="1600" b="1" dirty="0">
+                <a:latin typeface="+mn-ea"/>
+              </a:rPr>
+              <a:t>패키지에 내장된 </a:t>
+            </a:r>
+            <a:r>
+              <a:rPr lang="en-US" altLang="ko-KR" sz="1600" b="1" dirty="0">
+                <a:latin typeface="+mn-ea"/>
+              </a:rPr>
+              <a:t>Cars93 </a:t>
+            </a:r>
+            <a:r>
+              <a:rPr lang="ko-KR" altLang="en-US" sz="1600" b="1" dirty="0" smtClean="0">
+                <a:latin typeface="+mn-ea"/>
+              </a:rPr>
+              <a:t>데이터프레임에 대해서 생산국</a:t>
+            </a:r>
+            <a:r>
+              <a:rPr lang="en-US" altLang="ko-KR" sz="1600" b="1" dirty="0" smtClean="0">
+                <a:latin typeface="+mn-ea"/>
+              </a:rPr>
+              <a:t>(</a:t>
+            </a:r>
+            <a:r>
+              <a:rPr lang="en-US" altLang="ko-KR" sz="1600" b="1" dirty="0">
+                <a:latin typeface="+mn-ea"/>
+              </a:rPr>
+              <a:t>Origin</a:t>
+            </a:r>
+            <a:r>
+              <a:rPr lang="en-US" altLang="ko-KR" sz="1600" b="1" dirty="0" smtClean="0">
+                <a:latin typeface="+mn-ea"/>
+              </a:rPr>
+              <a:t>)</a:t>
+            </a:r>
+            <a:r>
+              <a:rPr lang="ko-KR" altLang="en-US" sz="1600" b="1" dirty="0" smtClean="0">
+                <a:latin typeface="+mn-ea"/>
+              </a:rPr>
+              <a:t>이</a:t>
+            </a:r>
+            <a:r>
+              <a:rPr lang="en-US" altLang="ko-KR" sz="1600" b="1" dirty="0" smtClean="0">
+                <a:latin typeface="+mn-ea"/>
+              </a:rPr>
+              <a:t/>
+            </a:r>
+            <a:br>
+              <a:rPr lang="en-US" altLang="ko-KR" sz="1600" b="1" dirty="0" smtClean="0">
+                <a:latin typeface="+mn-ea"/>
+              </a:rPr>
+            </a:br>
+            <a:r>
+              <a:rPr lang="en-US" altLang="ko-KR" sz="1600" b="1" dirty="0" smtClean="0">
+                <a:latin typeface="+mn-ea"/>
+              </a:rPr>
+              <a:t>USA </a:t>
+            </a:r>
+            <a:r>
+              <a:rPr lang="en-US" altLang="ko-KR" sz="1600" b="1" dirty="0">
+                <a:latin typeface="+mn-ea"/>
+              </a:rPr>
+              <a:t>vs. non-USA 2</a:t>
+            </a:r>
+            <a:r>
+              <a:rPr lang="ko-KR" altLang="en-US" sz="1600" b="1" dirty="0">
+                <a:latin typeface="+mn-ea"/>
+              </a:rPr>
+              <a:t>개의 </a:t>
+            </a:r>
+            <a:r>
+              <a:rPr lang="en-US" altLang="ko-KR" sz="1600" b="1" dirty="0">
+                <a:latin typeface="+mn-ea"/>
+              </a:rPr>
+              <a:t>group </a:t>
+            </a:r>
+            <a:r>
+              <a:rPr lang="ko-KR" altLang="en-US" sz="1600" b="1" dirty="0">
+                <a:latin typeface="+mn-ea"/>
+              </a:rPr>
+              <a:t>에 대해서 차 가격</a:t>
+            </a:r>
+            <a:r>
+              <a:rPr lang="en-US" altLang="ko-KR" sz="1600" b="1" dirty="0">
+                <a:latin typeface="+mn-ea"/>
+              </a:rPr>
+              <a:t>(Price)</a:t>
+            </a:r>
+            <a:r>
+              <a:rPr lang="ko-KR" altLang="en-US" sz="1600" b="1" dirty="0">
+                <a:latin typeface="+mn-ea"/>
+              </a:rPr>
+              <a:t>의 평균이 차이가 </a:t>
+            </a:r>
+            <a:r>
+              <a:rPr lang="ko-KR" altLang="en-US" sz="1600" b="1" dirty="0" smtClean="0">
+                <a:latin typeface="+mn-ea"/>
+              </a:rPr>
+              <a:t>있는지를</a:t>
+            </a:r>
+            <a:r>
+              <a:rPr lang="en-US" altLang="ko-KR" sz="1600" b="1" dirty="0" smtClean="0">
+                <a:latin typeface="+mn-ea"/>
+              </a:rPr>
+              <a:t/>
+            </a:r>
+            <a:br>
+              <a:rPr lang="en-US" altLang="ko-KR" sz="1600" b="1" dirty="0" smtClean="0">
+                <a:latin typeface="+mn-ea"/>
+              </a:rPr>
+            </a:br>
+            <a:r>
+              <a:rPr lang="ko-KR" altLang="en-US" sz="1600" b="1" dirty="0" smtClean="0">
+                <a:latin typeface="+mn-ea"/>
+              </a:rPr>
+              <a:t>검정해보시오</a:t>
+            </a:r>
+            <a:r>
+              <a:rPr lang="en-US" altLang="ko-KR" sz="1600" b="1" dirty="0" smtClean="0">
+                <a:latin typeface="+mn-ea"/>
+              </a:rPr>
+              <a:t>.</a:t>
+            </a:r>
+            <a:endParaRPr lang="ko-KR" altLang="en-US" sz="1600" b="1" dirty="0">
+              <a:latin typeface="+mn-ea"/>
+            </a:endParaRPr>
+          </a:p>
+          <a:p>
+            <a:pPr marL="342900" indent="-342900">
+              <a:lnSpc>
+                <a:spcPct val="150000"/>
+              </a:lnSpc>
+              <a:buFont typeface="+mj-lt"/>
+              <a:buAutoNum type="arabicPeriod"/>
+            </a:pPr>
+            <a:endParaRPr lang="en-US" altLang="ko-KR" sz="1600" b="1" dirty="0" smtClean="0">
+              <a:latin typeface="+mn-ea"/>
+            </a:endParaRPr>
+          </a:p>
+          <a:p>
+            <a:pPr marL="342900" indent="-342900">
+              <a:lnSpc>
+                <a:spcPct val="150000"/>
+              </a:lnSpc>
+              <a:buFont typeface="+mj-lt"/>
+              <a:buAutoNum type="arabicPeriod"/>
+            </a:pPr>
+            <a:r>
+              <a:rPr lang="en-US" altLang="ko-KR" sz="1600" b="1" dirty="0" smtClean="0">
+                <a:latin typeface="+mn-ea"/>
+              </a:rPr>
+              <a:t>mpg </a:t>
+            </a:r>
+            <a:r>
+              <a:rPr lang="ko-KR" altLang="en-US" sz="1600" b="1" dirty="0" err="1" smtClean="0">
+                <a:latin typeface="+mn-ea"/>
+              </a:rPr>
+              <a:t>데이터셋에서</a:t>
+            </a:r>
+            <a:r>
+              <a:rPr lang="ko-KR" altLang="en-US" sz="1600" b="1" dirty="0" smtClean="0">
+                <a:latin typeface="+mn-ea"/>
+              </a:rPr>
+              <a:t> 다음을 검정해 보시오</a:t>
+            </a:r>
+            <a:r>
+              <a:rPr lang="en-US" altLang="ko-KR" sz="1600" b="1" dirty="0" smtClean="0">
+                <a:latin typeface="+mn-ea"/>
+              </a:rPr>
+              <a:t>.</a:t>
+            </a:r>
+            <a:br>
+              <a:rPr lang="en-US" altLang="ko-KR" sz="1600" b="1" dirty="0" smtClean="0">
+                <a:latin typeface="+mn-ea"/>
+              </a:rPr>
+            </a:br>
+            <a:r>
+              <a:rPr lang="en-US" altLang="ko-KR" sz="1600" b="1" dirty="0" smtClean="0">
+                <a:latin typeface="+mn-ea"/>
+              </a:rPr>
+              <a:t>   1) subcompact </a:t>
+            </a:r>
+            <a:r>
+              <a:rPr lang="ko-KR" altLang="en-US" sz="1600" b="1" dirty="0" smtClean="0">
+                <a:latin typeface="+mn-ea"/>
+              </a:rPr>
+              <a:t>자동차와 </a:t>
+            </a:r>
+            <a:r>
+              <a:rPr lang="en-US" altLang="ko-KR" sz="1600" b="1" dirty="0" smtClean="0">
+                <a:latin typeface="+mn-ea"/>
+              </a:rPr>
+              <a:t>midsize </a:t>
+            </a:r>
+            <a:r>
+              <a:rPr lang="ko-KR" altLang="en-US" sz="1600" b="1" dirty="0" smtClean="0">
+                <a:latin typeface="+mn-ea"/>
+              </a:rPr>
+              <a:t>자동차의 고속도로 연비</a:t>
+            </a:r>
+            <a:r>
+              <a:rPr lang="en-US" altLang="ko-KR" sz="1600" b="1" dirty="0">
+                <a:latin typeface="+mn-ea"/>
+              </a:rPr>
+              <a:t/>
+            </a:r>
+            <a:br>
+              <a:rPr lang="en-US" altLang="ko-KR" sz="1600" b="1" dirty="0">
+                <a:latin typeface="+mn-ea"/>
+              </a:rPr>
+            </a:br>
+            <a:r>
+              <a:rPr lang="en-US" altLang="ko-KR" sz="1600" b="1" dirty="0" smtClean="0">
+                <a:latin typeface="+mn-ea"/>
+              </a:rPr>
+              <a:t>   2) </a:t>
+            </a:r>
+            <a:r>
+              <a:rPr lang="ko-KR" altLang="en-US" sz="1600" b="1" dirty="0" smtClean="0">
+                <a:latin typeface="+mn-ea"/>
+              </a:rPr>
+              <a:t>일반 휘발유</a:t>
+            </a:r>
+            <a:r>
+              <a:rPr lang="en-US" altLang="ko-KR" sz="1600" b="1" dirty="0" smtClean="0">
+                <a:latin typeface="+mn-ea"/>
+              </a:rPr>
+              <a:t>(r)</a:t>
+            </a:r>
+            <a:r>
+              <a:rPr lang="ko-KR" altLang="en-US" sz="1600" b="1" dirty="0" smtClean="0">
+                <a:latin typeface="+mn-ea"/>
+              </a:rPr>
+              <a:t>와 고급 휘발유</a:t>
+            </a:r>
+            <a:r>
+              <a:rPr lang="en-US" altLang="ko-KR" sz="1600" b="1" dirty="0" smtClean="0">
+                <a:latin typeface="+mn-ea"/>
+              </a:rPr>
+              <a:t>(p)</a:t>
+            </a:r>
+            <a:r>
+              <a:rPr lang="ko-KR" altLang="en-US" sz="1600" b="1" dirty="0" smtClean="0">
+                <a:latin typeface="+mn-ea"/>
+              </a:rPr>
+              <a:t>의 도시 연비</a:t>
+            </a:r>
+            <a:r>
+              <a:rPr lang="en-US" altLang="ko-KR" sz="1600" b="1" dirty="0" smtClean="0">
+                <a:latin typeface="+mn-ea"/>
+              </a:rPr>
+              <a:t/>
+            </a:r>
+            <a:br>
+              <a:rPr lang="en-US" altLang="ko-KR" sz="1600" b="1" dirty="0" smtClean="0">
+                <a:latin typeface="+mn-ea"/>
+              </a:rPr>
+            </a:br>
+            <a:r>
+              <a:rPr lang="en-US" altLang="ko-KR" sz="1600" b="1" dirty="0" smtClean="0">
+                <a:latin typeface="+mn-ea"/>
+              </a:rPr>
+              <a:t>   3) subcompact </a:t>
+            </a:r>
+            <a:r>
+              <a:rPr lang="ko-KR" altLang="en-US" sz="1600" b="1" dirty="0" smtClean="0">
+                <a:latin typeface="+mn-ea"/>
+              </a:rPr>
+              <a:t>자동차의 </a:t>
+            </a:r>
+            <a:r>
+              <a:rPr lang="ko-KR" altLang="en-US" sz="1600" b="1" dirty="0" err="1" smtClean="0">
+                <a:latin typeface="+mn-ea"/>
+              </a:rPr>
+              <a:t>전륜구동</a:t>
+            </a:r>
+            <a:r>
+              <a:rPr lang="en-US" altLang="ko-KR" sz="1600" b="1" dirty="0" smtClean="0">
+                <a:latin typeface="+mn-ea"/>
+              </a:rPr>
+              <a:t>(f)</a:t>
+            </a:r>
+            <a:r>
+              <a:rPr lang="ko-KR" altLang="en-US" sz="1600" b="1" dirty="0" smtClean="0">
+                <a:latin typeface="+mn-ea"/>
+              </a:rPr>
+              <a:t>이냐 </a:t>
+            </a:r>
+            <a:r>
+              <a:rPr lang="ko-KR" altLang="en-US" sz="1600" b="1" dirty="0" err="1" smtClean="0">
+                <a:latin typeface="+mn-ea"/>
+              </a:rPr>
+              <a:t>후륜구동</a:t>
+            </a:r>
+            <a:r>
+              <a:rPr lang="en-US" altLang="ko-KR" sz="1600" b="1" dirty="0" smtClean="0">
+                <a:latin typeface="+mn-ea"/>
+              </a:rPr>
+              <a:t>(r)</a:t>
+            </a:r>
+            <a:r>
+              <a:rPr lang="ko-KR" altLang="en-US" sz="1600" b="1" smtClean="0">
+                <a:latin typeface="+mn-ea"/>
+              </a:rPr>
+              <a:t>이냐에 따른 도시 연비</a:t>
+            </a:r>
+            <a:endParaRPr lang="en-US" altLang="ko-KR" sz="1600" b="1" dirty="0" smtClean="0">
+              <a:latin typeface="+mn-ea"/>
+            </a:endParaRPr>
+          </a:p>
+        </p:txBody>
+      </p:sp>
+      <p:sp>
+        <p:nvSpPr>
+          <p:cNvPr id="5" name="TextBox 4"/>
+          <p:cNvSpPr txBox="1"/>
+          <p:nvPr/>
+        </p:nvSpPr>
+        <p:spPr>
+          <a:xfrm>
+            <a:off x="333515" y="136110"/>
+            <a:ext cx="2468946" cy="369332"/>
+          </a:xfrm>
+          <a:prstGeom prst="rect">
+            <a:avLst/>
+          </a:prstGeom>
+          <a:noFill/>
+        </p:spPr>
+        <p:txBody>
+          <a:bodyPr wrap="none" rtlCol="0">
+            <a:spAutoFit/>
+          </a:bodyPr>
+          <a:lstStyle/>
+          <a:p>
+            <a:r>
+              <a:rPr lang="en-US" altLang="ko-KR" b="1" dirty="0" smtClean="0"/>
+              <a:t>8. </a:t>
+            </a:r>
+            <a:r>
+              <a:rPr lang="en-US" altLang="ko-KR" b="1" dirty="0" smtClean="0"/>
+              <a:t>2-Sample T </a:t>
+            </a:r>
+            <a:r>
+              <a:rPr lang="ko-KR" altLang="en-US" b="1" dirty="0" smtClean="0"/>
+              <a:t>테스트</a:t>
+            </a:r>
+            <a:endParaRPr lang="ko-KR" altLang="en-US" b="1" dirty="0"/>
+          </a:p>
+        </p:txBody>
+      </p:sp>
+    </p:spTree>
+    <p:extLst>
+      <p:ext uri="{BB962C8B-B14F-4D97-AF65-F5344CB8AC3E}">
+        <p14:creationId xmlns:p14="http://schemas.microsoft.com/office/powerpoint/2010/main" val="4210654021"/>
+      </p:ext>
+    </p:extLst>
+  </p:cSld>
+  <p:clrMapOvr>
+    <a:masterClrMapping/>
+  </p:clrMapOvr>
+  <p:timing>
+    <p:tnLst>
+      <p:par>
+        <p:cTn id="1" dur="indefinite" restart="never" nodeType="tmRoot"/>
+      </p:par>
+    </p:tnLst>
+  </p:timing>
+</p:sld>
+</file>
+
+<file path=ppt/slides/slide13.xml><?xml version="1.0" encoding="utf-8"?>
+<p:sld xmlns:a="http://schemas.openxmlformats.org/drawingml/2006/main" xmlns:r="http://schemas.openxmlformats.org/officeDocument/2006/relationships" xmlns:p="http://schemas.openxmlformats.org/presentationml/2006/main">
+  <p:cSld>
+    <p:spTree>
+      <p:nvGrpSpPr>
+        <p:cNvPr id="1" name=""/>
+        <p:cNvGrpSpPr/>
+        <p:nvPr/>
+      </p:nvGrpSpPr>
+      <p:grpSpPr>
+        <a:xfrm>
+          <a:off x="0" y="0"/>
+          <a:ext cx="0" cy="0"/>
+          <a:chOff x="0" y="0"/>
+          <a:chExt cx="0" cy="0"/>
+        </a:xfrm>
+      </p:grpSpPr>
+      <p:sp>
+        <p:nvSpPr>
+          <p:cNvPr id="4" name="TextBox 3"/>
+          <p:cNvSpPr txBox="1"/>
+          <p:nvPr/>
+        </p:nvSpPr>
+        <p:spPr>
+          <a:xfrm>
+            <a:off x="353672" y="620688"/>
+            <a:ext cx="8861721" cy="1938992"/>
+          </a:xfrm>
+          <a:prstGeom prst="rect">
+            <a:avLst/>
+          </a:prstGeom>
+          <a:noFill/>
+        </p:spPr>
+        <p:txBody>
+          <a:bodyPr wrap="none" rtlCol="0">
+            <a:spAutoFit/>
+          </a:bodyPr>
+          <a:lstStyle/>
+          <a:p>
+            <a:pPr marL="342900" indent="-342900">
+              <a:lnSpc>
+                <a:spcPct val="150000"/>
+              </a:lnSpc>
+              <a:buFont typeface="+mj-lt"/>
+              <a:buAutoNum type="arabicPeriod"/>
+            </a:pPr>
+            <a:r>
+              <a:rPr lang="ko-KR" altLang="en-US" sz="1600" b="1" dirty="0">
+                <a:latin typeface="+mn-ea"/>
+              </a:rPr>
+              <a:t>새로운 당뇨병 치료제를 개발한 </a:t>
+            </a:r>
+            <a:r>
+              <a:rPr lang="ko-KR" altLang="en-US" sz="1600" b="1" dirty="0" smtClean="0">
+                <a:latin typeface="+mn-ea"/>
+              </a:rPr>
+              <a:t>제약사에서</a:t>
+            </a:r>
+            <a:r>
+              <a:rPr lang="ko-KR" altLang="en-US" sz="1600" b="1" dirty="0">
+                <a:latin typeface="+mn-ea"/>
+              </a:rPr>
+              <a:t>는</a:t>
+            </a:r>
+            <a:r>
+              <a:rPr lang="en-US" altLang="ko-KR" sz="1600" b="1" dirty="0" smtClean="0">
+                <a:latin typeface="+mn-ea"/>
+              </a:rPr>
+              <a:t> </a:t>
+            </a:r>
+            <a:r>
+              <a:rPr lang="ko-KR" altLang="en-US" sz="1600" b="1" dirty="0">
+                <a:latin typeface="+mn-ea"/>
+              </a:rPr>
+              <a:t>치료에 지대한 영향을 주는 외부요인을 </a:t>
+            </a:r>
+            <a:r>
+              <a:rPr lang="en-US" altLang="ko-KR" sz="1600" b="1" dirty="0" smtClean="0">
+                <a:latin typeface="+mn-ea"/>
+              </a:rPr>
+              <a:t/>
+            </a:r>
+            <a:br>
+              <a:rPr lang="en-US" altLang="ko-KR" sz="1600" b="1" dirty="0" smtClean="0">
+                <a:latin typeface="+mn-ea"/>
+              </a:rPr>
+            </a:br>
+            <a:r>
+              <a:rPr lang="ko-KR" altLang="en-US" sz="1600" b="1" dirty="0" smtClean="0">
+                <a:latin typeface="+mn-ea"/>
+              </a:rPr>
+              <a:t>통제하기 </a:t>
+            </a:r>
+            <a:r>
+              <a:rPr lang="ko-KR" altLang="en-US" sz="1600" b="1" dirty="0">
+                <a:latin typeface="+mn-ea"/>
+              </a:rPr>
+              <a:t>위해 </a:t>
+            </a:r>
+            <a:r>
+              <a:rPr lang="en-US" altLang="ko-KR" sz="1600" b="1" dirty="0">
+                <a:latin typeface="+mn-ea"/>
+              </a:rPr>
+              <a:t>10</a:t>
+            </a:r>
+            <a:r>
+              <a:rPr lang="ko-KR" altLang="en-US" sz="1600" b="1" dirty="0">
+                <a:latin typeface="+mn-ea"/>
+              </a:rPr>
+              <a:t>명의 당뇨병 환자를 선별하여 </a:t>
+            </a:r>
+            <a:r>
+              <a:rPr lang="en-US" altLang="ko-KR" sz="1600" b="1" dirty="0">
+                <a:latin typeface="+mn-ea"/>
+              </a:rPr>
+              <a:t>1</a:t>
+            </a:r>
+            <a:r>
+              <a:rPr lang="ko-KR" altLang="en-US" sz="1600" b="1" dirty="0">
+                <a:latin typeface="+mn-ea"/>
+              </a:rPr>
+              <a:t>달 동안 </a:t>
+            </a:r>
+            <a:r>
+              <a:rPr lang="en-US" altLang="ko-KR" sz="1600" b="1" dirty="0">
+                <a:latin typeface="+mn-ea"/>
+              </a:rPr>
+              <a:t>'</a:t>
+            </a:r>
+            <a:r>
+              <a:rPr lang="ko-KR" altLang="en-US" sz="1600" b="1" dirty="0">
+                <a:latin typeface="+mn-ea"/>
+              </a:rPr>
+              <a:t>위약</a:t>
+            </a:r>
+            <a:r>
+              <a:rPr lang="en-US" altLang="ko-KR" sz="1600" b="1" dirty="0">
+                <a:latin typeface="+mn-ea"/>
+              </a:rPr>
+              <a:t>(placebo)'</a:t>
+            </a:r>
+            <a:r>
+              <a:rPr lang="ko-KR" altLang="en-US" sz="1600" b="1" dirty="0">
+                <a:latin typeface="+mn-ea"/>
+              </a:rPr>
+              <a:t>을 투여한 기간의 </a:t>
+            </a:r>
+            <a:r>
+              <a:rPr lang="en-US" altLang="ko-KR" sz="1600" b="1" dirty="0" smtClean="0">
+                <a:latin typeface="+mn-ea"/>
+              </a:rPr>
+              <a:t/>
+            </a:r>
+            <a:br>
+              <a:rPr lang="en-US" altLang="ko-KR" sz="1600" b="1" dirty="0" smtClean="0">
+                <a:latin typeface="+mn-ea"/>
+              </a:rPr>
+            </a:br>
+            <a:r>
+              <a:rPr lang="ko-KR" altLang="en-US" sz="1600" b="1" dirty="0" smtClean="0">
+                <a:latin typeface="+mn-ea"/>
+              </a:rPr>
+              <a:t>혈당 수치</a:t>
+            </a:r>
+            <a:r>
+              <a:rPr lang="en-US" altLang="ko-KR" sz="1600" b="1" dirty="0" smtClean="0">
+                <a:latin typeface="+mn-ea"/>
+              </a:rPr>
+              <a:t>(</a:t>
+            </a:r>
+            <a:r>
+              <a:rPr lang="en-US" altLang="ko-KR" sz="1600" b="1" dirty="0">
+                <a:latin typeface="+mn-ea"/>
+              </a:rPr>
+              <a:t>Xi</a:t>
+            </a:r>
+            <a:r>
+              <a:rPr lang="en-US" altLang="ko-KR" sz="1600" b="1" dirty="0" smtClean="0">
+                <a:latin typeface="+mn-ea"/>
+              </a:rPr>
+              <a:t>)</a:t>
+            </a:r>
+            <a:r>
+              <a:rPr lang="ko-KR" altLang="en-US" sz="1600" b="1" dirty="0" smtClean="0">
+                <a:latin typeface="+mn-ea"/>
+              </a:rPr>
+              <a:t>와 </a:t>
+            </a:r>
+            <a:r>
+              <a:rPr lang="en-US" altLang="ko-KR" sz="1600" b="1" dirty="0">
+                <a:latin typeface="+mn-ea"/>
+              </a:rPr>
+              <a:t>'</a:t>
+            </a:r>
+            <a:r>
+              <a:rPr lang="ko-KR" altLang="en-US" sz="1600" b="1" dirty="0">
+                <a:latin typeface="+mn-ea"/>
+              </a:rPr>
+              <a:t>신약</a:t>
+            </a:r>
+            <a:r>
+              <a:rPr lang="en-US" altLang="ko-KR" sz="1600" b="1" dirty="0">
+                <a:latin typeface="+mn-ea"/>
+              </a:rPr>
+              <a:t>(new medicine)'</a:t>
+            </a:r>
+            <a:r>
+              <a:rPr lang="ko-KR" altLang="en-US" sz="1600" b="1" dirty="0">
+                <a:latin typeface="+mn-ea"/>
+              </a:rPr>
+              <a:t>을 투여한 </a:t>
+            </a:r>
+            <a:r>
+              <a:rPr lang="en-US" altLang="ko-KR" sz="1600" b="1" dirty="0">
+                <a:latin typeface="+mn-ea"/>
+              </a:rPr>
+              <a:t>1</a:t>
+            </a:r>
+            <a:r>
+              <a:rPr lang="ko-KR" altLang="en-US" sz="1600" b="1" dirty="0">
+                <a:latin typeface="+mn-ea"/>
+              </a:rPr>
+              <a:t>달 기간 동안의 혈당 수치</a:t>
+            </a:r>
+            <a:r>
+              <a:rPr lang="en-US" altLang="ko-KR" sz="1600" b="1" dirty="0">
+                <a:latin typeface="+mn-ea"/>
+              </a:rPr>
+              <a:t>(Yi)</a:t>
+            </a:r>
+            <a:r>
+              <a:rPr lang="ko-KR" altLang="en-US" sz="1600" b="1" dirty="0">
+                <a:latin typeface="+mn-ea"/>
+              </a:rPr>
+              <a:t>를 </a:t>
+            </a:r>
+            <a:r>
+              <a:rPr lang="en-US" altLang="ko-KR" sz="1600" b="1" dirty="0" smtClean="0">
+                <a:latin typeface="+mn-ea"/>
+              </a:rPr>
+              <a:t/>
+            </a:r>
+            <a:br>
+              <a:rPr lang="en-US" altLang="ko-KR" sz="1600" b="1" dirty="0" smtClean="0">
+                <a:latin typeface="+mn-ea"/>
+              </a:rPr>
+            </a:br>
+            <a:r>
+              <a:rPr lang="ko-KR" altLang="en-US" sz="1600" b="1" dirty="0" smtClean="0">
+                <a:latin typeface="+mn-ea"/>
+              </a:rPr>
+              <a:t>측정하여 </a:t>
+            </a:r>
+            <a:r>
+              <a:rPr lang="ko-KR" altLang="en-US" sz="1600" b="1" dirty="0">
+                <a:latin typeface="+mn-ea"/>
+              </a:rPr>
+              <a:t>짝을 이루어 혈당 차이를 유의수준 </a:t>
+            </a:r>
+            <a:r>
+              <a:rPr lang="en-US" altLang="ko-KR" sz="1600" b="1" dirty="0">
+                <a:latin typeface="+mn-ea"/>
+              </a:rPr>
+              <a:t>5%</a:t>
+            </a:r>
+            <a:r>
+              <a:rPr lang="ko-KR" altLang="en-US" sz="1600" b="1" dirty="0">
+                <a:latin typeface="+mn-ea"/>
+              </a:rPr>
+              <a:t>에서 </a:t>
+            </a:r>
+            <a:r>
+              <a:rPr lang="ko-KR" altLang="en-US" sz="1600" b="1" dirty="0" smtClean="0">
+                <a:latin typeface="+mn-ea"/>
+              </a:rPr>
+              <a:t>비교하시오</a:t>
+            </a:r>
+            <a:r>
+              <a:rPr lang="en-US" altLang="ko-KR" sz="1600" b="1" dirty="0" smtClean="0">
+                <a:latin typeface="+mn-ea"/>
+              </a:rPr>
+              <a:t>.</a:t>
+            </a:r>
+          </a:p>
+          <a:p>
+            <a:pPr marL="342900" indent="-342900">
+              <a:lnSpc>
+                <a:spcPct val="150000"/>
+              </a:lnSpc>
+              <a:buFont typeface="+mj-lt"/>
+              <a:buAutoNum type="arabicPeriod"/>
+            </a:pPr>
+            <a:endParaRPr lang="ko-KR" altLang="en-US" sz="1600" b="1" dirty="0">
+              <a:latin typeface="+mn-ea"/>
+            </a:endParaRPr>
+          </a:p>
+        </p:txBody>
+      </p:sp>
+      <p:sp>
+        <p:nvSpPr>
+          <p:cNvPr id="5" name="TextBox 4"/>
+          <p:cNvSpPr txBox="1"/>
+          <p:nvPr/>
+        </p:nvSpPr>
+        <p:spPr>
+          <a:xfrm>
+            <a:off x="333515" y="136110"/>
+            <a:ext cx="2999988" cy="369332"/>
+          </a:xfrm>
+          <a:prstGeom prst="rect">
+            <a:avLst/>
+          </a:prstGeom>
+          <a:noFill/>
+        </p:spPr>
+        <p:txBody>
+          <a:bodyPr wrap="none" rtlCol="0">
+            <a:spAutoFit/>
+          </a:bodyPr>
+          <a:lstStyle/>
+          <a:p>
+            <a:r>
+              <a:rPr lang="en-US" altLang="ko-KR" b="1" dirty="0" smtClean="0"/>
+              <a:t>9. </a:t>
+            </a:r>
+            <a:r>
+              <a:rPr lang="en-US" altLang="ko-KR" b="1" dirty="0" smtClean="0"/>
+              <a:t>Paired sample T </a:t>
+            </a:r>
+            <a:r>
+              <a:rPr lang="ko-KR" altLang="en-US" b="1" dirty="0" smtClean="0"/>
+              <a:t>테스트</a:t>
+            </a:r>
+            <a:endParaRPr lang="ko-KR" altLang="en-US" b="1" dirty="0"/>
+          </a:p>
+        </p:txBody>
+      </p:sp>
+      <p:pic>
+        <p:nvPicPr>
+          <p:cNvPr id="2" name="그림 1"/>
+          <p:cNvPicPr>
+            <a:picLocks noChangeAspect="1"/>
+          </p:cNvPicPr>
+          <p:nvPr/>
+        </p:nvPicPr>
+        <p:blipFill>
+          <a:blip r:embed="rId2" cstate="print">
+            <a:extLst>
+              <a:ext uri="{28A0092B-C50C-407E-A947-70E740481C1C}">
+                <a14:useLocalDpi xmlns:a14="http://schemas.microsoft.com/office/drawing/2010/main" val="0"/>
+              </a:ext>
+            </a:extLst>
+          </a:blip>
+          <a:stretch>
+            <a:fillRect/>
+          </a:stretch>
+        </p:blipFill>
+        <p:spPr>
+          <a:xfrm>
+            <a:off x="899592" y="2237577"/>
+            <a:ext cx="7704856" cy="2487567"/>
+          </a:xfrm>
+          <a:prstGeom prst="rect">
+            <a:avLst/>
+          </a:prstGeom>
+        </p:spPr>
+      </p:pic>
+    </p:spTree>
+    <p:extLst>
+      <p:ext uri="{BB962C8B-B14F-4D97-AF65-F5344CB8AC3E}">
+        <p14:creationId xmlns:p14="http://schemas.microsoft.com/office/powerpoint/2010/main" val="895111013"/>
+      </p:ext>
+    </p:extLst>
+  </p:cSld>
+  <p:clrMapOvr>
+    <a:masterClrMapping/>
+  </p:clrMapOvr>
+  <p:timing>
+    <p:tnLst>
+      <p:par>
+        <p:cTn id="1" dur="indefinite" restart="never" nodeType="tmRoot"/>
+      </p:par>
+    </p:tnLst>
+  </p:timing>
+</p:sld>
+</file>
+
+<file path=ppt/slides/slide14.xml><?xml version="1.0" encoding="utf-8"?>
+<p:sld xmlns:a="http://schemas.openxmlformats.org/drawingml/2006/main" xmlns:r="http://schemas.openxmlformats.org/officeDocument/2006/relationships" xmlns:p="http://schemas.openxmlformats.org/presentationml/2006/main">
+  <p:cSld>
+    <p:spTree>
+      <p:nvGrpSpPr>
+        <p:cNvPr id="1" name=""/>
+        <p:cNvGrpSpPr/>
+        <p:nvPr/>
+      </p:nvGrpSpPr>
+      <p:grpSpPr>
+        <a:xfrm>
+          <a:off x="0" y="0"/>
+          <a:ext cx="0" cy="0"/>
+          <a:chOff x="0" y="0"/>
+          <a:chExt cx="0" cy="0"/>
+        </a:xfrm>
+      </p:grpSpPr>
+      <p:sp>
+        <p:nvSpPr>
+          <p:cNvPr id="4" name="TextBox 3"/>
+          <p:cNvSpPr txBox="1"/>
+          <p:nvPr/>
+        </p:nvSpPr>
+        <p:spPr>
+          <a:xfrm>
+            <a:off x="353672" y="620688"/>
+            <a:ext cx="8703024" cy="1938992"/>
+          </a:xfrm>
+          <a:prstGeom prst="rect">
+            <a:avLst/>
+          </a:prstGeom>
+          <a:noFill/>
+        </p:spPr>
+        <p:txBody>
+          <a:bodyPr wrap="none" rtlCol="0">
+            <a:spAutoFit/>
+          </a:bodyPr>
+          <a:lstStyle/>
+          <a:p>
+            <a:pPr marL="342900" indent="-342900">
+              <a:lnSpc>
+                <a:spcPct val="150000"/>
+              </a:lnSpc>
+              <a:buFont typeface="+mj-lt"/>
+              <a:buAutoNum type="arabicPeriod" startAt="2"/>
+            </a:pPr>
+            <a:r>
+              <a:rPr lang="ko-KR" altLang="en-US" sz="1600" b="1" dirty="0" smtClean="0">
+                <a:latin typeface="+mn-ea"/>
+              </a:rPr>
+              <a:t>두 </a:t>
+            </a:r>
+            <a:r>
+              <a:rPr lang="ko-KR" altLang="en-US" sz="1600" b="1" dirty="0">
+                <a:latin typeface="+mn-ea"/>
+              </a:rPr>
+              <a:t>종류의 신발 밑창의 원재료가 닳는 정도가 차이가 있는지를 검정하기 위해서 </a:t>
+            </a:r>
+            <a:r>
+              <a:rPr lang="en-US" altLang="ko-KR" sz="1600" b="1" dirty="0">
+                <a:latin typeface="+mn-ea"/>
+              </a:rPr>
+              <a:t>10</a:t>
+            </a:r>
+            <a:r>
+              <a:rPr lang="ko-KR" altLang="en-US" sz="1600" b="1" dirty="0">
+                <a:latin typeface="+mn-ea"/>
+              </a:rPr>
+              <a:t>명의 </a:t>
+            </a:r>
+            <a:r>
+              <a:rPr lang="en-US" altLang="ko-KR" sz="1600" b="1" dirty="0" smtClean="0">
+                <a:latin typeface="+mn-ea"/>
+              </a:rPr>
+              <a:t/>
+            </a:r>
+            <a:br>
+              <a:rPr lang="en-US" altLang="ko-KR" sz="1600" b="1" dirty="0" smtClean="0">
+                <a:latin typeface="+mn-ea"/>
+              </a:rPr>
+            </a:br>
+            <a:r>
+              <a:rPr lang="ko-KR" altLang="en-US" sz="1600" b="1" dirty="0" smtClean="0">
+                <a:latin typeface="+mn-ea"/>
+              </a:rPr>
+              <a:t>소년에게 </a:t>
+            </a:r>
+            <a:r>
+              <a:rPr lang="ko-KR" altLang="en-US" sz="1600" b="1" dirty="0">
+                <a:latin typeface="+mn-ea"/>
+              </a:rPr>
+              <a:t>한쪽은 </a:t>
+            </a:r>
+            <a:r>
+              <a:rPr lang="en-US" altLang="ko-KR" sz="1600" b="1" dirty="0">
+                <a:latin typeface="+mn-ea"/>
+              </a:rPr>
+              <a:t>A</a:t>
+            </a:r>
+            <a:r>
+              <a:rPr lang="ko-KR" altLang="en-US" sz="1600" b="1" dirty="0">
+                <a:latin typeface="+mn-ea"/>
+              </a:rPr>
+              <a:t>라는 원재료로 만든 신발을 신기고</a:t>
+            </a:r>
+            <a:r>
+              <a:rPr lang="en-US" altLang="ko-KR" sz="1600" b="1" dirty="0">
+                <a:latin typeface="+mn-ea"/>
+              </a:rPr>
+              <a:t>, </a:t>
+            </a:r>
+            <a:r>
+              <a:rPr lang="ko-KR" altLang="en-US" sz="1600" b="1" dirty="0">
+                <a:latin typeface="+mn-ea"/>
+              </a:rPr>
+              <a:t>다른 한쪽은 </a:t>
+            </a:r>
+            <a:r>
+              <a:rPr lang="en-US" altLang="ko-KR" sz="1600" b="1" dirty="0">
+                <a:latin typeface="+mn-ea"/>
+              </a:rPr>
+              <a:t>B</a:t>
+            </a:r>
+            <a:r>
+              <a:rPr lang="ko-KR" altLang="en-US" sz="1600" b="1" dirty="0">
+                <a:latin typeface="+mn-ea"/>
+              </a:rPr>
+              <a:t>라는 원재료로 만든 </a:t>
+            </a:r>
+            <a:r>
+              <a:rPr lang="en-US" altLang="ko-KR" sz="1600" b="1" dirty="0" smtClean="0">
+                <a:latin typeface="+mn-ea"/>
+              </a:rPr>
+              <a:t/>
+            </a:r>
+            <a:br>
+              <a:rPr lang="en-US" altLang="ko-KR" sz="1600" b="1" dirty="0" smtClean="0">
+                <a:latin typeface="+mn-ea"/>
+              </a:rPr>
+            </a:br>
+            <a:r>
+              <a:rPr lang="ko-KR" altLang="en-US" sz="1600" b="1" dirty="0" smtClean="0">
+                <a:latin typeface="+mn-ea"/>
+              </a:rPr>
+              <a:t>신발을 </a:t>
+            </a:r>
+            <a:r>
+              <a:rPr lang="ko-KR" altLang="en-US" sz="1600" b="1" dirty="0">
+                <a:latin typeface="+mn-ea"/>
+              </a:rPr>
+              <a:t>신긴 후에</a:t>
+            </a:r>
+            <a:r>
+              <a:rPr lang="en-US" altLang="ko-KR" sz="1600" b="1" dirty="0">
+                <a:latin typeface="+mn-ea"/>
+              </a:rPr>
+              <a:t>, </a:t>
+            </a:r>
+            <a:r>
+              <a:rPr lang="ko-KR" altLang="en-US" sz="1600" b="1" dirty="0">
+                <a:latin typeface="+mn-ea"/>
+              </a:rPr>
+              <a:t>일정 기간이 </a:t>
+            </a:r>
+            <a:r>
+              <a:rPr lang="ko-KR" altLang="en-US" sz="1600" b="1" dirty="0" err="1">
+                <a:latin typeface="+mn-ea"/>
+              </a:rPr>
+              <a:t>지난후에</a:t>
+            </a:r>
+            <a:r>
+              <a:rPr lang="ko-KR" altLang="en-US" sz="1600" b="1" dirty="0">
+                <a:latin typeface="+mn-ea"/>
+              </a:rPr>
+              <a:t> 신발을 수거하여 </a:t>
+            </a:r>
+            <a:r>
+              <a:rPr lang="en-US" altLang="ko-KR" sz="1600" b="1" dirty="0">
+                <a:latin typeface="+mn-ea"/>
+              </a:rPr>
+              <a:t>10</a:t>
+            </a:r>
+            <a:r>
+              <a:rPr lang="ko-KR" altLang="en-US" sz="1600" b="1" dirty="0">
+                <a:latin typeface="+mn-ea"/>
+              </a:rPr>
+              <a:t>명의 각 소년의 왼쪽 신발 </a:t>
+            </a:r>
+            <a:r>
+              <a:rPr lang="en-US" altLang="ko-KR" sz="1600" b="1" dirty="0" smtClean="0">
+                <a:latin typeface="+mn-ea"/>
+              </a:rPr>
+              <a:t/>
+            </a:r>
+            <a:br>
+              <a:rPr lang="en-US" altLang="ko-KR" sz="1600" b="1" dirty="0" smtClean="0">
+                <a:latin typeface="+mn-ea"/>
+              </a:rPr>
+            </a:br>
+            <a:r>
+              <a:rPr lang="ko-KR" altLang="en-US" sz="1600" b="1" dirty="0" smtClean="0">
+                <a:latin typeface="+mn-ea"/>
+              </a:rPr>
+              <a:t>밑창의 </a:t>
+            </a:r>
+            <a:r>
+              <a:rPr lang="ko-KR" altLang="en-US" sz="1600" b="1" dirty="0">
+                <a:latin typeface="+mn-ea"/>
+              </a:rPr>
+              <a:t>닳은 정도와 오른쪽 신발 밑창의 닳은 정도의 차이를 비교하여 두 종류 원재료의 </a:t>
+            </a:r>
+            <a:r>
+              <a:rPr lang="en-US" altLang="ko-KR" sz="1600" b="1" dirty="0" smtClean="0">
+                <a:latin typeface="+mn-ea"/>
+              </a:rPr>
+              <a:t/>
+            </a:r>
+            <a:br>
+              <a:rPr lang="en-US" altLang="ko-KR" sz="1600" b="1" dirty="0" smtClean="0">
+                <a:latin typeface="+mn-ea"/>
+              </a:rPr>
+            </a:br>
+            <a:r>
+              <a:rPr lang="ko-KR" altLang="en-US" sz="1600" b="1" dirty="0" smtClean="0">
+                <a:latin typeface="+mn-ea"/>
+              </a:rPr>
+              <a:t>재질이 </a:t>
+            </a:r>
+            <a:r>
+              <a:rPr lang="ko-KR" altLang="en-US" sz="1600" b="1" dirty="0">
+                <a:latin typeface="+mn-ea"/>
+              </a:rPr>
+              <a:t>다른지를 </a:t>
+            </a:r>
+            <a:r>
+              <a:rPr lang="ko-KR" altLang="en-US" sz="1600" b="1" dirty="0" smtClean="0">
+                <a:latin typeface="+mn-ea"/>
+              </a:rPr>
+              <a:t>검정하시오</a:t>
+            </a:r>
+            <a:r>
+              <a:rPr lang="en-US" altLang="ko-KR" sz="1600" b="1" dirty="0">
+                <a:latin typeface="+mn-ea"/>
+              </a:rPr>
+              <a:t>.</a:t>
+            </a:r>
+            <a:endParaRPr lang="ko-KR" altLang="en-US" sz="1600" b="1" dirty="0">
+              <a:latin typeface="+mn-ea"/>
+            </a:endParaRPr>
+          </a:p>
+        </p:txBody>
+      </p:sp>
+      <p:sp>
+        <p:nvSpPr>
+          <p:cNvPr id="5" name="TextBox 4"/>
+          <p:cNvSpPr txBox="1"/>
+          <p:nvPr/>
+        </p:nvSpPr>
+        <p:spPr>
+          <a:xfrm>
+            <a:off x="333515" y="136110"/>
+            <a:ext cx="2999988" cy="369332"/>
+          </a:xfrm>
+          <a:prstGeom prst="rect">
+            <a:avLst/>
+          </a:prstGeom>
+          <a:noFill/>
+        </p:spPr>
+        <p:txBody>
+          <a:bodyPr wrap="none" rtlCol="0">
+            <a:spAutoFit/>
+          </a:bodyPr>
+          <a:lstStyle/>
+          <a:p>
+            <a:r>
+              <a:rPr lang="en-US" altLang="ko-KR" b="1" dirty="0" smtClean="0"/>
+              <a:t>9. </a:t>
+            </a:r>
+            <a:r>
+              <a:rPr lang="en-US" altLang="ko-KR" b="1" dirty="0" smtClean="0"/>
+              <a:t>Paired sample T </a:t>
+            </a:r>
+            <a:r>
+              <a:rPr lang="ko-KR" altLang="en-US" b="1" dirty="0" smtClean="0"/>
+              <a:t>테스트</a:t>
+            </a:r>
+            <a:endParaRPr lang="ko-KR" altLang="en-US" b="1" dirty="0"/>
+          </a:p>
+        </p:txBody>
+      </p:sp>
+      <p:pic>
+        <p:nvPicPr>
+          <p:cNvPr id="3" name="그림 2"/>
+          <p:cNvPicPr>
+            <a:picLocks noChangeAspect="1"/>
+          </p:cNvPicPr>
+          <p:nvPr/>
+        </p:nvPicPr>
+        <p:blipFill>
+          <a:blip r:embed="rId2" cstate="print">
+            <a:extLst>
+              <a:ext uri="{28A0092B-C50C-407E-A947-70E740481C1C}">
+                <a14:useLocalDpi xmlns:a14="http://schemas.microsoft.com/office/drawing/2010/main" val="0"/>
+              </a:ext>
+            </a:extLst>
+          </a:blip>
+          <a:stretch>
+            <a:fillRect/>
+          </a:stretch>
+        </p:blipFill>
+        <p:spPr>
+          <a:xfrm>
+            <a:off x="925422" y="2564904"/>
+            <a:ext cx="7895050" cy="2515137"/>
+          </a:xfrm>
+          <a:prstGeom prst="rect">
+            <a:avLst/>
+          </a:prstGeom>
+        </p:spPr>
+      </p:pic>
+    </p:spTree>
+    <p:extLst>
+      <p:ext uri="{BB962C8B-B14F-4D97-AF65-F5344CB8AC3E}">
+        <p14:creationId xmlns:p14="http://schemas.microsoft.com/office/powerpoint/2010/main" val="2116611283"/>
       </p:ext>
     </p:extLst>
   </p:cSld>

--- a/Practice/연습문제 data/R 연습문제.pptx
+++ b/Practice/연습문제 data/R 연습문제.pptx
@@ -5,7 +5,7 @@
     <p:sldMasterId id="2147483648" r:id="rId1"/>
   </p:sldMasterIdLst>
   <p:notesMasterIdLst>
-    <p:notesMasterId r:id="rId16"/>
+    <p:notesMasterId r:id="rId18"/>
   </p:notesMasterIdLst>
   <p:sldIdLst>
     <p:sldId id="259" r:id="rId2"/>
@@ -22,6 +22,8 @@
     <p:sldId id="269" r:id="rId13"/>
     <p:sldId id="270" r:id="rId14"/>
     <p:sldId id="271" r:id="rId15"/>
+    <p:sldId id="272" r:id="rId16"/>
+    <p:sldId id="273" r:id="rId17"/>
   </p:sldIdLst>
   <p:sldSz cx="9144000" cy="6858000" type="screen4x3"/>
   <p:notesSz cx="6858000" cy="9144000"/>
@@ -5382,11 +5384,7 @@
           <a:p>
             <a:r>
               <a:rPr lang="en-US" altLang="ko-KR" b="1" dirty="0" smtClean="0"/>
-              <a:t>8. </a:t>
-            </a:r>
-            <a:r>
-              <a:rPr lang="en-US" altLang="ko-KR" b="1" dirty="0" smtClean="0"/>
-              <a:t>2-Sample T </a:t>
+              <a:t>8. 2-Sample T </a:t>
             </a:r>
             <a:r>
               <a:rPr lang="ko-KR" altLang="en-US" b="1" dirty="0" smtClean="0"/>
@@ -5738,11 +5736,7 @@
           <a:p>
             <a:r>
               <a:rPr lang="en-US" altLang="ko-KR" b="1" dirty="0" smtClean="0"/>
-              <a:t>9. </a:t>
-            </a:r>
-            <a:r>
-              <a:rPr lang="en-US" altLang="ko-KR" b="1" dirty="0" smtClean="0"/>
-              <a:t>Paired sample T </a:t>
+              <a:t>9. Paired sample T </a:t>
             </a:r>
             <a:r>
               <a:rPr lang="ko-KR" altLang="en-US" b="1" dirty="0" smtClean="0"/>
@@ -6078,11 +6072,7 @@
           <a:p>
             <a:r>
               <a:rPr lang="en-US" altLang="ko-KR" b="1" dirty="0" smtClean="0"/>
-              <a:t>9. </a:t>
-            </a:r>
-            <a:r>
-              <a:rPr lang="en-US" altLang="ko-KR" b="1" dirty="0" smtClean="0"/>
-              <a:t>Paired sample T </a:t>
+              <a:t>9. Paired sample T </a:t>
             </a:r>
             <a:r>
               <a:rPr lang="ko-KR" altLang="en-US" b="1" dirty="0" smtClean="0"/>
@@ -6126,6 +6116,3245 @@
     <p:extLst>
       <p:ext uri="{BB962C8B-B14F-4D97-AF65-F5344CB8AC3E}">
         <p14:creationId xmlns:p14="http://schemas.microsoft.com/office/powerpoint/2010/main" val="2116611283"/>
+      </p:ext>
+    </p:extLst>
+  </p:cSld>
+  <p:clrMapOvr>
+    <a:masterClrMapping/>
+  </p:clrMapOvr>
+  <p:timing>
+    <p:tnLst>
+      <p:par>
+        <p:cTn id="1" dur="indefinite" restart="never" nodeType="tmRoot"/>
+      </p:par>
+    </p:tnLst>
+  </p:timing>
+</p:sld>
+</file>
+
+<file path=ppt/slides/slide15.xml><?xml version="1.0" encoding="utf-8"?>
+<p:sld xmlns:a="http://schemas.openxmlformats.org/drawingml/2006/main" xmlns:r="http://schemas.openxmlformats.org/officeDocument/2006/relationships" xmlns:p="http://schemas.openxmlformats.org/presentationml/2006/main">
+  <p:cSld>
+    <p:spTree>
+      <p:nvGrpSpPr>
+        <p:cNvPr id="1" name=""/>
+        <p:cNvGrpSpPr/>
+        <p:nvPr/>
+      </p:nvGrpSpPr>
+      <p:grpSpPr>
+        <a:xfrm>
+          <a:off x="0" y="0"/>
+          <a:ext cx="0" cy="0"/>
+          <a:chOff x="0" y="0"/>
+          <a:chExt cx="0" cy="0"/>
+        </a:xfrm>
+      </p:grpSpPr>
+      <p:sp>
+        <p:nvSpPr>
+          <p:cNvPr id="4" name="TextBox 3"/>
+          <p:cNvSpPr txBox="1"/>
+          <p:nvPr/>
+        </p:nvSpPr>
+        <p:spPr>
+          <a:xfrm>
+            <a:off x="353672" y="620688"/>
+            <a:ext cx="7936788" cy="1152688"/>
+          </a:xfrm>
+          <a:prstGeom prst="rect">
+            <a:avLst/>
+          </a:prstGeom>
+          <a:noFill/>
+        </p:spPr>
+        <p:txBody>
+          <a:bodyPr wrap="none" rtlCol="0">
+            <a:spAutoFit/>
+          </a:bodyPr>
+          <a:lstStyle/>
+          <a:p>
+            <a:pPr marL="342900" indent="-342900">
+              <a:lnSpc>
+                <a:spcPct val="150000"/>
+              </a:lnSpc>
+              <a:buFont typeface="+mj-lt"/>
+              <a:buAutoNum type="arabicPeriod"/>
+            </a:pPr>
+            <a:r>
+              <a:rPr lang="ko-KR" altLang="en-US" sz="1600" b="1" dirty="0" smtClean="0">
+                <a:latin typeface="+mn-ea"/>
+              </a:rPr>
+              <a:t>다음은 </a:t>
+            </a:r>
+            <a:r>
+              <a:rPr lang="en-US" altLang="ko-KR" sz="1600" b="1" dirty="0" smtClean="0">
+                <a:latin typeface="+mn-ea"/>
+              </a:rPr>
+              <a:t>3</a:t>
+            </a:r>
+            <a:r>
+              <a:rPr lang="ko-KR" altLang="en-US" sz="1600" b="1" dirty="0" smtClean="0">
+                <a:latin typeface="+mn-ea"/>
+              </a:rPr>
+              <a:t>개 호수의 산소량의 차이가 있는지 없는지 알아보기 위하여 각 호수에서</a:t>
+            </a:r>
+            <a:r>
+              <a:rPr lang="en-US" altLang="ko-KR" sz="1600" b="1" dirty="0">
+                <a:latin typeface="+mn-ea"/>
+              </a:rPr>
+              <a:t/>
+            </a:r>
+            <a:br>
+              <a:rPr lang="en-US" altLang="ko-KR" sz="1600" b="1" dirty="0">
+                <a:latin typeface="+mn-ea"/>
+              </a:rPr>
+            </a:br>
+            <a:r>
+              <a:rPr lang="en-US" altLang="ko-KR" sz="1600" b="1" dirty="0" smtClean="0">
+                <a:latin typeface="+mn-ea"/>
+              </a:rPr>
+              <a:t>10</a:t>
+            </a:r>
+            <a:r>
+              <a:rPr lang="ko-KR" altLang="en-US" sz="1600" b="1" dirty="0" smtClean="0">
+                <a:latin typeface="+mn-ea"/>
+              </a:rPr>
+              <a:t>곳을 선택하여 수심 </a:t>
+            </a:r>
+            <a:r>
+              <a:rPr lang="en-US" altLang="ko-KR" sz="1600" b="1" dirty="0" smtClean="0">
+                <a:latin typeface="+mn-ea"/>
+              </a:rPr>
+              <a:t>1m</a:t>
+            </a:r>
+            <a:r>
+              <a:rPr lang="ko-KR" altLang="en-US" sz="1600" b="1" dirty="0" smtClean="0">
+                <a:latin typeface="+mn-ea"/>
+              </a:rPr>
+              <a:t>의 물로부터 산소량</a:t>
+            </a:r>
+            <a:r>
+              <a:rPr lang="en-US" altLang="ko-KR" sz="1600" b="1" dirty="0" smtClean="0">
+                <a:latin typeface="+mn-ea"/>
+              </a:rPr>
+              <a:t>(ppm)</a:t>
+            </a:r>
+            <a:r>
+              <a:rPr lang="ko-KR" altLang="en-US" sz="1600" b="1" dirty="0" smtClean="0">
+                <a:latin typeface="+mn-ea"/>
+              </a:rPr>
+              <a:t>을 측정한 자료이다</a:t>
+            </a:r>
+            <a:r>
+              <a:rPr lang="en-US" altLang="ko-KR" sz="1600" b="1" dirty="0" smtClean="0">
+                <a:latin typeface="+mn-ea"/>
+              </a:rPr>
+              <a:t>.</a:t>
+            </a:r>
+            <a:br>
+              <a:rPr lang="en-US" altLang="ko-KR" sz="1600" b="1" dirty="0" smtClean="0">
+                <a:latin typeface="+mn-ea"/>
+              </a:rPr>
+            </a:br>
+            <a:r>
+              <a:rPr lang="en-US" altLang="ko-KR" sz="1600" b="1" dirty="0" smtClean="0">
+                <a:latin typeface="+mn-ea"/>
+              </a:rPr>
+              <a:t>3</a:t>
+            </a:r>
+            <a:r>
+              <a:rPr lang="ko-KR" altLang="en-US" sz="1600" b="1" dirty="0" smtClean="0">
+                <a:latin typeface="+mn-ea"/>
+              </a:rPr>
+              <a:t>개 호수의 산소량이 같다고 </a:t>
+            </a:r>
+            <a:r>
+              <a:rPr lang="ko-KR" altLang="en-US" sz="1600" b="1" dirty="0">
+                <a:latin typeface="+mn-ea"/>
+              </a:rPr>
+              <a:t>할 수 있는가</a:t>
+            </a:r>
+            <a:r>
+              <a:rPr lang="en-US" altLang="ko-KR" sz="1600" b="1" dirty="0" smtClean="0">
+                <a:latin typeface="+mn-ea"/>
+              </a:rPr>
+              <a:t>?</a:t>
+            </a:r>
+            <a:endParaRPr lang="en-US" altLang="ko-KR" sz="1600" b="1" dirty="0">
+              <a:latin typeface="+mn-ea"/>
+            </a:endParaRPr>
+          </a:p>
+        </p:txBody>
+      </p:sp>
+      <p:sp>
+        <p:nvSpPr>
+          <p:cNvPr id="5" name="TextBox 4"/>
+          <p:cNvSpPr txBox="1"/>
+          <p:nvPr/>
+        </p:nvSpPr>
+        <p:spPr>
+          <a:xfrm>
+            <a:off x="333515" y="136110"/>
+            <a:ext cx="4100546" cy="369332"/>
+          </a:xfrm>
+          <a:prstGeom prst="rect">
+            <a:avLst/>
+          </a:prstGeom>
+          <a:noFill/>
+        </p:spPr>
+        <p:txBody>
+          <a:bodyPr wrap="none" rtlCol="0">
+            <a:spAutoFit/>
+          </a:bodyPr>
+          <a:lstStyle/>
+          <a:p>
+            <a:r>
+              <a:rPr lang="en-US" altLang="ko-KR" b="1" dirty="0" smtClean="0"/>
+              <a:t>10. </a:t>
+            </a:r>
+            <a:r>
+              <a:rPr lang="ko-KR" altLang="en-US" b="1" dirty="0" smtClean="0"/>
+              <a:t>일원 분산분석</a:t>
+            </a:r>
+            <a:r>
+              <a:rPr lang="en-US" altLang="ko-KR" b="1" dirty="0" smtClean="0"/>
+              <a:t>(One way ANOVA)</a:t>
+            </a:r>
+            <a:endParaRPr lang="ko-KR" altLang="en-US" b="1" dirty="0"/>
+          </a:p>
+        </p:txBody>
+      </p:sp>
+      <p:graphicFrame>
+        <p:nvGraphicFramePr>
+          <p:cNvPr id="7" name="표 6"/>
+          <p:cNvGraphicFramePr>
+            <a:graphicFrameLocks noGrp="1"/>
+          </p:cNvGraphicFramePr>
+          <p:nvPr>
+            <p:extLst>
+              <p:ext uri="{D42A27DB-BD31-4B8C-83A1-F6EECF244321}">
+                <p14:modId xmlns:p14="http://schemas.microsoft.com/office/powerpoint/2010/main" val="3513123603"/>
+              </p:ext>
+            </p:extLst>
+          </p:nvPr>
+        </p:nvGraphicFramePr>
+        <p:xfrm>
+          <a:off x="1187624" y="1916832"/>
+          <a:ext cx="5328592" cy="1483360"/>
+        </p:xfrm>
+        <a:graphic>
+          <a:graphicData uri="http://schemas.openxmlformats.org/drawingml/2006/table">
+            <a:tbl>
+              <a:tblPr firstRow="1" bandRow="1">
+                <a:tableStyleId>{5C22544A-7EE6-4342-B048-85BDC9FD1C3A}</a:tableStyleId>
+              </a:tblPr>
+              <a:tblGrid>
+                <a:gridCol w="1140296"/>
+                <a:gridCol w="4188296"/>
+              </a:tblGrid>
+              <a:tr h="370840">
+                <a:tc>
+                  <a:txBody>
+                    <a:bodyPr/>
+                    <a:lstStyle/>
+                    <a:p>
+                      <a:pPr algn="ctr" latinLnBrk="1"/>
+                      <a:r>
+                        <a:rPr lang="ko-KR" altLang="en-US" sz="1600" b="0" dirty="0" smtClean="0">
+                          <a:solidFill>
+                            <a:schemeClr val="tx1"/>
+                          </a:solidFill>
+                        </a:rPr>
+                        <a:t>호수</a:t>
+                      </a:r>
+                      <a:endParaRPr lang="ko-KR" altLang="en-US" sz="1600" b="0" dirty="0">
+                        <a:solidFill>
+                          <a:schemeClr val="tx1"/>
+                        </a:solidFill>
+                      </a:endParaRPr>
+                    </a:p>
+                  </a:txBody>
+                  <a:tcPr>
+                    <a:lnL w="3175" cap="flat" cmpd="sng" algn="ctr">
+                      <a:solidFill>
+                        <a:schemeClr val="tx1"/>
+                      </a:solidFill>
+                      <a:prstDash val="solid"/>
+                      <a:round/>
+                      <a:headEnd type="none" w="med" len="med"/>
+                      <a:tailEnd type="none" w="med" len="med"/>
+                    </a:lnL>
+                    <a:lnR w="3175" cap="flat" cmpd="sng" algn="ctr">
+                      <a:solidFill>
+                        <a:schemeClr val="tx1"/>
+                      </a:solidFill>
+                      <a:prstDash val="solid"/>
+                      <a:round/>
+                      <a:headEnd type="none" w="med" len="med"/>
+                      <a:tailEnd type="none" w="med" len="med"/>
+                    </a:lnR>
+                    <a:lnT w="3175" cap="flat" cmpd="sng" algn="ctr">
+                      <a:solidFill>
+                        <a:schemeClr val="tx1"/>
+                      </a:solidFill>
+                      <a:prstDash val="solid"/>
+                      <a:round/>
+                      <a:headEnd type="none" w="med" len="med"/>
+                      <a:tailEnd type="none" w="med" len="med"/>
+                    </a:lnT>
+                    <a:lnB w="3175" cap="flat" cmpd="sng" algn="ctr">
+                      <a:solidFill>
+                        <a:schemeClr val="tx1"/>
+                      </a:solidFill>
+                      <a:prstDash val="solid"/>
+                      <a:round/>
+                      <a:headEnd type="none" w="med" len="med"/>
+                      <a:tailEnd type="none" w="med" len="med"/>
+                    </a:lnB>
+                    <a:noFill/>
+                  </a:tcPr>
+                </a:tc>
+                <a:tc>
+                  <a:txBody>
+                    <a:bodyPr/>
+                    <a:lstStyle/>
+                    <a:p>
+                      <a:pPr algn="ctr" latinLnBrk="1"/>
+                      <a:r>
+                        <a:rPr lang="ko-KR" altLang="en-US" sz="1600" b="0" dirty="0" smtClean="0">
+                          <a:solidFill>
+                            <a:schemeClr val="tx1"/>
+                          </a:solidFill>
+                        </a:rPr>
+                        <a:t>산소량</a:t>
+                      </a:r>
+                      <a:r>
+                        <a:rPr lang="en-US" altLang="ko-KR" sz="1600" b="0" dirty="0" smtClean="0">
+                          <a:solidFill>
+                            <a:schemeClr val="tx1"/>
+                          </a:solidFill>
+                        </a:rPr>
+                        <a:t>(ppm)</a:t>
+                      </a:r>
+                      <a:endParaRPr lang="ko-KR" altLang="en-US" sz="1600" b="0" dirty="0">
+                        <a:solidFill>
+                          <a:schemeClr val="tx1"/>
+                        </a:solidFill>
+                      </a:endParaRPr>
+                    </a:p>
+                  </a:txBody>
+                  <a:tcPr>
+                    <a:lnL w="3175" cap="flat" cmpd="sng" algn="ctr">
+                      <a:solidFill>
+                        <a:schemeClr val="tx1"/>
+                      </a:solidFill>
+                      <a:prstDash val="solid"/>
+                      <a:round/>
+                      <a:headEnd type="none" w="med" len="med"/>
+                      <a:tailEnd type="none" w="med" len="med"/>
+                    </a:lnL>
+                    <a:lnR w="3175" cap="flat" cmpd="sng" algn="ctr">
+                      <a:solidFill>
+                        <a:schemeClr val="tx1"/>
+                      </a:solidFill>
+                      <a:prstDash val="solid"/>
+                      <a:round/>
+                      <a:headEnd type="none" w="med" len="med"/>
+                      <a:tailEnd type="none" w="med" len="med"/>
+                    </a:lnR>
+                    <a:lnT w="3175" cap="flat" cmpd="sng" algn="ctr">
+                      <a:solidFill>
+                        <a:schemeClr val="tx1"/>
+                      </a:solidFill>
+                      <a:prstDash val="solid"/>
+                      <a:round/>
+                      <a:headEnd type="none" w="med" len="med"/>
+                      <a:tailEnd type="none" w="med" len="med"/>
+                    </a:lnT>
+                    <a:lnB w="3175" cap="flat" cmpd="sng" algn="ctr">
+                      <a:solidFill>
+                        <a:schemeClr val="tx1"/>
+                      </a:solidFill>
+                      <a:prstDash val="solid"/>
+                      <a:round/>
+                      <a:headEnd type="none" w="med" len="med"/>
+                      <a:tailEnd type="none" w="med" len="med"/>
+                    </a:lnB>
+                    <a:noFill/>
+                  </a:tcPr>
+                </a:tc>
+              </a:tr>
+              <a:tr h="370840">
+                <a:tc>
+                  <a:txBody>
+                    <a:bodyPr/>
+                    <a:lstStyle/>
+                    <a:p>
+                      <a:pPr algn="ctr" latinLnBrk="1"/>
+                      <a:r>
+                        <a:rPr lang="en-US" altLang="ko-KR" sz="1600" b="0" dirty="0" smtClean="0">
+                          <a:solidFill>
+                            <a:schemeClr val="tx1"/>
+                          </a:solidFill>
+                        </a:rPr>
+                        <a:t>1</a:t>
+                      </a:r>
+                      <a:endParaRPr lang="ko-KR" altLang="en-US" sz="1600" b="0" dirty="0">
+                        <a:solidFill>
+                          <a:schemeClr val="tx1"/>
+                        </a:solidFill>
+                      </a:endParaRPr>
+                    </a:p>
+                  </a:txBody>
+                  <a:tcPr>
+                    <a:lnL w="3175" cap="flat" cmpd="sng" algn="ctr">
+                      <a:solidFill>
+                        <a:schemeClr val="tx1"/>
+                      </a:solidFill>
+                      <a:prstDash val="solid"/>
+                      <a:round/>
+                      <a:headEnd type="none" w="med" len="med"/>
+                      <a:tailEnd type="none" w="med" len="med"/>
+                    </a:lnL>
+                    <a:lnR w="3175" cap="flat" cmpd="sng" algn="ctr">
+                      <a:solidFill>
+                        <a:schemeClr val="tx1"/>
+                      </a:solidFill>
+                      <a:prstDash val="solid"/>
+                      <a:round/>
+                      <a:headEnd type="none" w="med" len="med"/>
+                      <a:tailEnd type="none" w="med" len="med"/>
+                    </a:lnR>
+                    <a:lnT w="3175" cap="flat" cmpd="sng" algn="ctr">
+                      <a:solidFill>
+                        <a:schemeClr val="tx1"/>
+                      </a:solidFill>
+                      <a:prstDash val="solid"/>
+                      <a:round/>
+                      <a:headEnd type="none" w="med" len="med"/>
+                      <a:tailEnd type="none" w="med" len="med"/>
+                    </a:lnT>
+                    <a:lnB w="3175" cap="flat" cmpd="sng" algn="ctr">
+                      <a:solidFill>
+                        <a:schemeClr val="tx1"/>
+                      </a:solidFill>
+                      <a:prstDash val="solid"/>
+                      <a:round/>
+                      <a:headEnd type="none" w="med" len="med"/>
+                      <a:tailEnd type="none" w="med" len="med"/>
+                    </a:lnB>
+                    <a:noFill/>
+                  </a:tcPr>
+                </a:tc>
+                <a:tc>
+                  <a:txBody>
+                    <a:bodyPr/>
+                    <a:lstStyle/>
+                    <a:p>
+                      <a:pPr latinLnBrk="1"/>
+                      <a:r>
+                        <a:rPr lang="en-US" altLang="ko-KR" sz="1600" b="0" dirty="0" smtClean="0">
+                          <a:solidFill>
+                            <a:schemeClr val="tx1"/>
+                          </a:solidFill>
+                        </a:rPr>
+                        <a:t>5, 7, 6, 8, 6, 7, 8, 8, 6, 10</a:t>
+                      </a:r>
+                      <a:endParaRPr lang="ko-KR" altLang="en-US" sz="1600" b="0" dirty="0">
+                        <a:solidFill>
+                          <a:schemeClr val="tx1"/>
+                        </a:solidFill>
+                      </a:endParaRPr>
+                    </a:p>
+                  </a:txBody>
+                  <a:tcPr>
+                    <a:lnL w="3175" cap="flat" cmpd="sng" algn="ctr">
+                      <a:solidFill>
+                        <a:schemeClr val="tx1"/>
+                      </a:solidFill>
+                      <a:prstDash val="solid"/>
+                      <a:round/>
+                      <a:headEnd type="none" w="med" len="med"/>
+                      <a:tailEnd type="none" w="med" len="med"/>
+                    </a:lnL>
+                    <a:lnR w="3175" cap="flat" cmpd="sng" algn="ctr">
+                      <a:solidFill>
+                        <a:schemeClr val="tx1"/>
+                      </a:solidFill>
+                      <a:prstDash val="solid"/>
+                      <a:round/>
+                      <a:headEnd type="none" w="med" len="med"/>
+                      <a:tailEnd type="none" w="med" len="med"/>
+                    </a:lnR>
+                    <a:lnT w="3175" cap="flat" cmpd="sng" algn="ctr">
+                      <a:solidFill>
+                        <a:schemeClr val="tx1"/>
+                      </a:solidFill>
+                      <a:prstDash val="solid"/>
+                      <a:round/>
+                      <a:headEnd type="none" w="med" len="med"/>
+                      <a:tailEnd type="none" w="med" len="med"/>
+                    </a:lnT>
+                    <a:lnB w="3175" cap="flat" cmpd="sng" algn="ctr">
+                      <a:solidFill>
+                        <a:schemeClr val="tx1"/>
+                      </a:solidFill>
+                      <a:prstDash val="solid"/>
+                      <a:round/>
+                      <a:headEnd type="none" w="med" len="med"/>
+                      <a:tailEnd type="none" w="med" len="med"/>
+                    </a:lnB>
+                    <a:noFill/>
+                  </a:tcPr>
+                </a:tc>
+              </a:tr>
+              <a:tr h="370840">
+                <a:tc>
+                  <a:txBody>
+                    <a:bodyPr/>
+                    <a:lstStyle/>
+                    <a:p>
+                      <a:pPr algn="ctr" latinLnBrk="1"/>
+                      <a:r>
+                        <a:rPr lang="en-US" altLang="ko-KR" sz="1600" b="0" dirty="0" smtClean="0">
+                          <a:solidFill>
+                            <a:schemeClr val="tx1"/>
+                          </a:solidFill>
+                        </a:rPr>
+                        <a:t>2</a:t>
+                      </a:r>
+                      <a:endParaRPr lang="ko-KR" altLang="en-US" sz="1600" b="0" dirty="0">
+                        <a:solidFill>
+                          <a:schemeClr val="tx1"/>
+                        </a:solidFill>
+                      </a:endParaRPr>
+                    </a:p>
+                  </a:txBody>
+                  <a:tcPr>
+                    <a:lnL w="3175" cap="flat" cmpd="sng" algn="ctr">
+                      <a:solidFill>
+                        <a:schemeClr val="tx1"/>
+                      </a:solidFill>
+                      <a:prstDash val="solid"/>
+                      <a:round/>
+                      <a:headEnd type="none" w="med" len="med"/>
+                      <a:tailEnd type="none" w="med" len="med"/>
+                    </a:lnL>
+                    <a:lnR w="3175" cap="flat" cmpd="sng" algn="ctr">
+                      <a:solidFill>
+                        <a:schemeClr val="tx1"/>
+                      </a:solidFill>
+                      <a:prstDash val="solid"/>
+                      <a:round/>
+                      <a:headEnd type="none" w="med" len="med"/>
+                      <a:tailEnd type="none" w="med" len="med"/>
+                    </a:lnR>
+                    <a:lnT w="3175" cap="flat" cmpd="sng" algn="ctr">
+                      <a:solidFill>
+                        <a:schemeClr val="tx1"/>
+                      </a:solidFill>
+                      <a:prstDash val="solid"/>
+                      <a:round/>
+                      <a:headEnd type="none" w="med" len="med"/>
+                      <a:tailEnd type="none" w="med" len="med"/>
+                    </a:lnT>
+                    <a:lnB w="3175" cap="flat" cmpd="sng" algn="ctr">
+                      <a:solidFill>
+                        <a:schemeClr val="tx1"/>
+                      </a:solidFill>
+                      <a:prstDash val="solid"/>
+                      <a:round/>
+                      <a:headEnd type="none" w="med" len="med"/>
+                      <a:tailEnd type="none" w="med" len="med"/>
+                    </a:lnB>
+                    <a:noFill/>
+                  </a:tcPr>
+                </a:tc>
+                <a:tc>
+                  <a:txBody>
+                    <a:bodyPr/>
+                    <a:lstStyle/>
+                    <a:p>
+                      <a:pPr latinLnBrk="1"/>
+                      <a:r>
+                        <a:rPr lang="en-US" altLang="ko-KR" sz="1600" b="0" dirty="0" smtClean="0">
+                          <a:solidFill>
+                            <a:schemeClr val="tx1"/>
+                          </a:solidFill>
+                        </a:rPr>
+                        <a:t>6, 8, 9, 11, 13, 12, 10, 8, 9, 10</a:t>
+                      </a:r>
+                      <a:endParaRPr lang="ko-KR" altLang="en-US" sz="1600" b="0" dirty="0">
+                        <a:solidFill>
+                          <a:schemeClr val="tx1"/>
+                        </a:solidFill>
+                      </a:endParaRPr>
+                    </a:p>
+                  </a:txBody>
+                  <a:tcPr>
+                    <a:lnL w="3175" cap="flat" cmpd="sng" algn="ctr">
+                      <a:solidFill>
+                        <a:schemeClr val="tx1"/>
+                      </a:solidFill>
+                      <a:prstDash val="solid"/>
+                      <a:round/>
+                      <a:headEnd type="none" w="med" len="med"/>
+                      <a:tailEnd type="none" w="med" len="med"/>
+                    </a:lnL>
+                    <a:lnR w="3175" cap="flat" cmpd="sng" algn="ctr">
+                      <a:solidFill>
+                        <a:schemeClr val="tx1"/>
+                      </a:solidFill>
+                      <a:prstDash val="solid"/>
+                      <a:round/>
+                      <a:headEnd type="none" w="med" len="med"/>
+                      <a:tailEnd type="none" w="med" len="med"/>
+                    </a:lnR>
+                    <a:lnT w="3175" cap="flat" cmpd="sng" algn="ctr">
+                      <a:solidFill>
+                        <a:schemeClr val="tx1"/>
+                      </a:solidFill>
+                      <a:prstDash val="solid"/>
+                      <a:round/>
+                      <a:headEnd type="none" w="med" len="med"/>
+                      <a:tailEnd type="none" w="med" len="med"/>
+                    </a:lnT>
+                    <a:lnB w="3175" cap="flat" cmpd="sng" algn="ctr">
+                      <a:solidFill>
+                        <a:schemeClr val="tx1"/>
+                      </a:solidFill>
+                      <a:prstDash val="solid"/>
+                      <a:round/>
+                      <a:headEnd type="none" w="med" len="med"/>
+                      <a:tailEnd type="none" w="med" len="med"/>
+                    </a:lnB>
+                    <a:noFill/>
+                  </a:tcPr>
+                </a:tc>
+              </a:tr>
+              <a:tr h="370840">
+                <a:tc>
+                  <a:txBody>
+                    <a:bodyPr/>
+                    <a:lstStyle/>
+                    <a:p>
+                      <a:pPr algn="ctr" latinLnBrk="1"/>
+                      <a:r>
+                        <a:rPr lang="en-US" altLang="ko-KR" sz="1600" b="0" dirty="0" smtClean="0">
+                          <a:solidFill>
+                            <a:schemeClr val="tx1"/>
+                          </a:solidFill>
+                        </a:rPr>
+                        <a:t>3</a:t>
+                      </a:r>
+                      <a:endParaRPr lang="ko-KR" altLang="en-US" sz="1600" b="0" dirty="0">
+                        <a:solidFill>
+                          <a:schemeClr val="tx1"/>
+                        </a:solidFill>
+                      </a:endParaRPr>
+                    </a:p>
+                  </a:txBody>
+                  <a:tcPr>
+                    <a:lnL w="3175" cap="flat" cmpd="sng" algn="ctr">
+                      <a:solidFill>
+                        <a:schemeClr val="tx1"/>
+                      </a:solidFill>
+                      <a:prstDash val="solid"/>
+                      <a:round/>
+                      <a:headEnd type="none" w="med" len="med"/>
+                      <a:tailEnd type="none" w="med" len="med"/>
+                    </a:lnL>
+                    <a:lnR w="3175" cap="flat" cmpd="sng" algn="ctr">
+                      <a:solidFill>
+                        <a:schemeClr val="tx1"/>
+                      </a:solidFill>
+                      <a:prstDash val="solid"/>
+                      <a:round/>
+                      <a:headEnd type="none" w="med" len="med"/>
+                      <a:tailEnd type="none" w="med" len="med"/>
+                    </a:lnR>
+                    <a:lnT w="3175" cap="flat" cmpd="sng" algn="ctr">
+                      <a:solidFill>
+                        <a:schemeClr val="tx1"/>
+                      </a:solidFill>
+                      <a:prstDash val="solid"/>
+                      <a:round/>
+                      <a:headEnd type="none" w="med" len="med"/>
+                      <a:tailEnd type="none" w="med" len="med"/>
+                    </a:lnT>
+                    <a:lnB w="3175" cap="flat" cmpd="sng" algn="ctr">
+                      <a:solidFill>
+                        <a:schemeClr val="tx1"/>
+                      </a:solidFill>
+                      <a:prstDash val="solid"/>
+                      <a:round/>
+                      <a:headEnd type="none" w="med" len="med"/>
+                      <a:tailEnd type="none" w="med" len="med"/>
+                    </a:lnB>
+                    <a:noFill/>
+                  </a:tcPr>
+                </a:tc>
+                <a:tc>
+                  <a:txBody>
+                    <a:bodyPr/>
+                    <a:lstStyle/>
+                    <a:p>
+                      <a:pPr latinLnBrk="1"/>
+                      <a:r>
+                        <a:rPr lang="en-US" altLang="ko-KR" sz="1600" b="0" dirty="0" smtClean="0">
+                          <a:solidFill>
+                            <a:schemeClr val="tx1"/>
+                          </a:solidFill>
+                        </a:rPr>
+                        <a:t>14, 25, 26, 18, 19, 22, 21, 16, 20, 30</a:t>
+                      </a:r>
+                      <a:endParaRPr lang="ko-KR" altLang="en-US" sz="1600" b="0" dirty="0">
+                        <a:solidFill>
+                          <a:schemeClr val="tx1"/>
+                        </a:solidFill>
+                      </a:endParaRPr>
+                    </a:p>
+                  </a:txBody>
+                  <a:tcPr>
+                    <a:lnL w="3175" cap="flat" cmpd="sng" algn="ctr">
+                      <a:solidFill>
+                        <a:schemeClr val="tx1"/>
+                      </a:solidFill>
+                      <a:prstDash val="solid"/>
+                      <a:round/>
+                      <a:headEnd type="none" w="med" len="med"/>
+                      <a:tailEnd type="none" w="med" len="med"/>
+                    </a:lnL>
+                    <a:lnR w="3175" cap="flat" cmpd="sng" algn="ctr">
+                      <a:solidFill>
+                        <a:schemeClr val="tx1"/>
+                      </a:solidFill>
+                      <a:prstDash val="solid"/>
+                      <a:round/>
+                      <a:headEnd type="none" w="med" len="med"/>
+                      <a:tailEnd type="none" w="med" len="med"/>
+                    </a:lnR>
+                    <a:lnT w="3175" cap="flat" cmpd="sng" algn="ctr">
+                      <a:solidFill>
+                        <a:schemeClr val="tx1"/>
+                      </a:solidFill>
+                      <a:prstDash val="solid"/>
+                      <a:round/>
+                      <a:headEnd type="none" w="med" len="med"/>
+                      <a:tailEnd type="none" w="med" len="med"/>
+                    </a:lnT>
+                    <a:lnB w="3175" cap="flat" cmpd="sng" algn="ctr">
+                      <a:solidFill>
+                        <a:schemeClr val="tx1"/>
+                      </a:solidFill>
+                      <a:prstDash val="solid"/>
+                      <a:round/>
+                      <a:headEnd type="none" w="med" len="med"/>
+                      <a:tailEnd type="none" w="med" len="med"/>
+                    </a:lnB>
+                    <a:noFill/>
+                  </a:tcPr>
+                </a:tc>
+              </a:tr>
+            </a:tbl>
+          </a:graphicData>
+        </a:graphic>
+      </p:graphicFrame>
+      <p:sp>
+        <p:nvSpPr>
+          <p:cNvPr id="8" name="TextBox 7"/>
+          <p:cNvSpPr txBox="1"/>
+          <p:nvPr/>
+        </p:nvSpPr>
+        <p:spPr>
+          <a:xfrm>
+            <a:off x="353672" y="3673832"/>
+            <a:ext cx="5153975" cy="830997"/>
+          </a:xfrm>
+          <a:prstGeom prst="rect">
+            <a:avLst/>
+          </a:prstGeom>
+          <a:noFill/>
+        </p:spPr>
+        <p:txBody>
+          <a:bodyPr wrap="none" rtlCol="0">
+            <a:spAutoFit/>
+          </a:bodyPr>
+          <a:lstStyle/>
+          <a:p>
+            <a:pPr marL="342900" indent="-342900">
+              <a:lnSpc>
+                <a:spcPct val="150000"/>
+              </a:lnSpc>
+              <a:buFont typeface="+mj-lt"/>
+              <a:buAutoNum type="arabicPeriod" startAt="2"/>
+            </a:pPr>
+            <a:r>
+              <a:rPr lang="ko-KR" altLang="en-US" sz="1600" b="1" dirty="0" smtClean="0">
+                <a:latin typeface="+mn-ea"/>
+              </a:rPr>
+              <a:t>다음은 </a:t>
+            </a:r>
+            <a:r>
+              <a:rPr lang="en-US" altLang="ko-KR" sz="1600" b="1" dirty="0" smtClean="0">
+                <a:latin typeface="+mn-ea"/>
+              </a:rPr>
+              <a:t>3</a:t>
+            </a:r>
+            <a:r>
+              <a:rPr lang="ko-KR" altLang="en-US" sz="1600" b="1" dirty="0" smtClean="0">
+                <a:latin typeface="+mn-ea"/>
+              </a:rPr>
+              <a:t>개 채소에 대한 도매시장 </a:t>
+            </a:r>
+            <a:r>
+              <a:rPr lang="en-US" altLang="ko-KR" sz="1600" b="1" dirty="0" smtClean="0">
+                <a:latin typeface="+mn-ea"/>
+              </a:rPr>
+              <a:t>7</a:t>
+            </a:r>
+            <a:r>
+              <a:rPr lang="ko-KR" altLang="en-US" sz="1600" b="1" dirty="0" smtClean="0">
+                <a:latin typeface="+mn-ea"/>
+              </a:rPr>
+              <a:t>곳의 가격이다</a:t>
+            </a:r>
+            <a:r>
+              <a:rPr lang="en-US" altLang="ko-KR" sz="1600" b="1" dirty="0" smtClean="0">
+                <a:latin typeface="+mn-ea"/>
+              </a:rPr>
+              <a:t>.</a:t>
+            </a:r>
+            <a:br>
+              <a:rPr lang="en-US" altLang="ko-KR" sz="1600" b="1" dirty="0" smtClean="0">
+                <a:latin typeface="+mn-ea"/>
+              </a:rPr>
+            </a:br>
+            <a:r>
+              <a:rPr lang="en-US" altLang="ko-KR" sz="1600" b="1" dirty="0" smtClean="0">
+                <a:latin typeface="+mn-ea"/>
+              </a:rPr>
+              <a:t>3</a:t>
+            </a:r>
+            <a:r>
+              <a:rPr lang="ko-KR" altLang="en-US" sz="1600" b="1" dirty="0" smtClean="0">
+                <a:latin typeface="+mn-ea"/>
+              </a:rPr>
+              <a:t>개 채소의 가격이 같다고 </a:t>
+            </a:r>
+            <a:r>
+              <a:rPr lang="ko-KR" altLang="en-US" sz="1600" b="1" dirty="0">
+                <a:latin typeface="+mn-ea"/>
+              </a:rPr>
+              <a:t>할 수 있는가</a:t>
+            </a:r>
+            <a:r>
+              <a:rPr lang="en-US" altLang="ko-KR" sz="1600" b="1" dirty="0" smtClean="0">
+                <a:latin typeface="+mn-ea"/>
+              </a:rPr>
+              <a:t>?</a:t>
+            </a:r>
+            <a:endParaRPr lang="en-US" altLang="ko-KR" sz="1600" b="1" dirty="0">
+              <a:latin typeface="+mn-ea"/>
+            </a:endParaRPr>
+          </a:p>
+        </p:txBody>
+      </p:sp>
+      <p:graphicFrame>
+        <p:nvGraphicFramePr>
+          <p:cNvPr id="9" name="표 8"/>
+          <p:cNvGraphicFramePr>
+            <a:graphicFrameLocks noGrp="1"/>
+          </p:cNvGraphicFramePr>
+          <p:nvPr>
+            <p:extLst>
+              <p:ext uri="{D42A27DB-BD31-4B8C-83A1-F6EECF244321}">
+                <p14:modId xmlns:p14="http://schemas.microsoft.com/office/powerpoint/2010/main" val="2558549870"/>
+              </p:ext>
+            </p:extLst>
+          </p:nvPr>
+        </p:nvGraphicFramePr>
+        <p:xfrm>
+          <a:off x="1187624" y="4581128"/>
+          <a:ext cx="5328592" cy="1483360"/>
+        </p:xfrm>
+        <a:graphic>
+          <a:graphicData uri="http://schemas.openxmlformats.org/drawingml/2006/table">
+            <a:tbl>
+              <a:tblPr firstRow="1" bandRow="1">
+                <a:tableStyleId>{5C22544A-7EE6-4342-B048-85BDC9FD1C3A}</a:tableStyleId>
+              </a:tblPr>
+              <a:tblGrid>
+                <a:gridCol w="1140296"/>
+                <a:gridCol w="4188296"/>
+              </a:tblGrid>
+              <a:tr h="370840">
+                <a:tc>
+                  <a:txBody>
+                    <a:bodyPr/>
+                    <a:lstStyle/>
+                    <a:p>
+                      <a:pPr algn="ctr" latinLnBrk="1"/>
+                      <a:r>
+                        <a:rPr lang="ko-KR" altLang="en-US" sz="1600" b="0" dirty="0" smtClean="0">
+                          <a:solidFill>
+                            <a:schemeClr val="tx1"/>
+                          </a:solidFill>
+                        </a:rPr>
+                        <a:t>채소</a:t>
+                      </a:r>
+                      <a:endParaRPr lang="ko-KR" altLang="en-US" sz="1600" b="0" dirty="0">
+                        <a:solidFill>
+                          <a:schemeClr val="tx1"/>
+                        </a:solidFill>
+                      </a:endParaRPr>
+                    </a:p>
+                  </a:txBody>
+                  <a:tcPr>
+                    <a:lnL w="3175" cap="flat" cmpd="sng" algn="ctr">
+                      <a:solidFill>
+                        <a:schemeClr val="tx1"/>
+                      </a:solidFill>
+                      <a:prstDash val="solid"/>
+                      <a:round/>
+                      <a:headEnd type="none" w="med" len="med"/>
+                      <a:tailEnd type="none" w="med" len="med"/>
+                    </a:lnL>
+                    <a:lnR w="3175" cap="flat" cmpd="sng" algn="ctr">
+                      <a:solidFill>
+                        <a:schemeClr val="tx1"/>
+                      </a:solidFill>
+                      <a:prstDash val="solid"/>
+                      <a:round/>
+                      <a:headEnd type="none" w="med" len="med"/>
+                      <a:tailEnd type="none" w="med" len="med"/>
+                    </a:lnR>
+                    <a:lnT w="3175" cap="flat" cmpd="sng" algn="ctr">
+                      <a:solidFill>
+                        <a:schemeClr val="tx1"/>
+                      </a:solidFill>
+                      <a:prstDash val="solid"/>
+                      <a:round/>
+                      <a:headEnd type="none" w="med" len="med"/>
+                      <a:tailEnd type="none" w="med" len="med"/>
+                    </a:lnT>
+                    <a:lnB w="3175" cap="flat" cmpd="sng" algn="ctr">
+                      <a:solidFill>
+                        <a:schemeClr val="tx1"/>
+                      </a:solidFill>
+                      <a:prstDash val="solid"/>
+                      <a:round/>
+                      <a:headEnd type="none" w="med" len="med"/>
+                      <a:tailEnd type="none" w="med" len="med"/>
+                    </a:lnB>
+                    <a:noFill/>
+                  </a:tcPr>
+                </a:tc>
+                <a:tc>
+                  <a:txBody>
+                    <a:bodyPr/>
+                    <a:lstStyle/>
+                    <a:p>
+                      <a:pPr algn="ctr" latinLnBrk="1"/>
+                      <a:r>
+                        <a:rPr lang="ko-KR" altLang="en-US" sz="1600" b="0" dirty="0" smtClean="0">
+                          <a:solidFill>
+                            <a:schemeClr val="tx1"/>
+                          </a:solidFill>
+                        </a:rPr>
+                        <a:t>가격</a:t>
+                      </a:r>
+                      <a:endParaRPr lang="ko-KR" altLang="en-US" sz="1600" b="0" dirty="0">
+                        <a:solidFill>
+                          <a:schemeClr val="tx1"/>
+                        </a:solidFill>
+                      </a:endParaRPr>
+                    </a:p>
+                  </a:txBody>
+                  <a:tcPr>
+                    <a:lnL w="3175" cap="flat" cmpd="sng" algn="ctr">
+                      <a:solidFill>
+                        <a:schemeClr val="tx1"/>
+                      </a:solidFill>
+                      <a:prstDash val="solid"/>
+                      <a:round/>
+                      <a:headEnd type="none" w="med" len="med"/>
+                      <a:tailEnd type="none" w="med" len="med"/>
+                    </a:lnL>
+                    <a:lnR w="3175" cap="flat" cmpd="sng" algn="ctr">
+                      <a:solidFill>
+                        <a:schemeClr val="tx1"/>
+                      </a:solidFill>
+                      <a:prstDash val="solid"/>
+                      <a:round/>
+                      <a:headEnd type="none" w="med" len="med"/>
+                      <a:tailEnd type="none" w="med" len="med"/>
+                    </a:lnR>
+                    <a:lnT w="3175" cap="flat" cmpd="sng" algn="ctr">
+                      <a:solidFill>
+                        <a:schemeClr val="tx1"/>
+                      </a:solidFill>
+                      <a:prstDash val="solid"/>
+                      <a:round/>
+                      <a:headEnd type="none" w="med" len="med"/>
+                      <a:tailEnd type="none" w="med" len="med"/>
+                    </a:lnT>
+                    <a:lnB w="3175" cap="flat" cmpd="sng" algn="ctr">
+                      <a:solidFill>
+                        <a:schemeClr val="tx1"/>
+                      </a:solidFill>
+                      <a:prstDash val="solid"/>
+                      <a:round/>
+                      <a:headEnd type="none" w="med" len="med"/>
+                      <a:tailEnd type="none" w="med" len="med"/>
+                    </a:lnB>
+                    <a:noFill/>
+                  </a:tcPr>
+                </a:tc>
+              </a:tr>
+              <a:tr h="370840">
+                <a:tc>
+                  <a:txBody>
+                    <a:bodyPr/>
+                    <a:lstStyle/>
+                    <a:p>
+                      <a:pPr algn="ctr" latinLnBrk="1"/>
+                      <a:r>
+                        <a:rPr lang="en-US" altLang="ko-KR" sz="1600" b="0" dirty="0" smtClean="0">
+                          <a:solidFill>
+                            <a:schemeClr val="tx1"/>
+                          </a:solidFill>
+                        </a:rPr>
+                        <a:t>A</a:t>
+                      </a:r>
+                      <a:endParaRPr lang="ko-KR" altLang="en-US" sz="1600" b="0" dirty="0">
+                        <a:solidFill>
+                          <a:schemeClr val="tx1"/>
+                        </a:solidFill>
+                      </a:endParaRPr>
+                    </a:p>
+                  </a:txBody>
+                  <a:tcPr>
+                    <a:lnL w="3175" cap="flat" cmpd="sng" algn="ctr">
+                      <a:solidFill>
+                        <a:schemeClr val="tx1"/>
+                      </a:solidFill>
+                      <a:prstDash val="solid"/>
+                      <a:round/>
+                      <a:headEnd type="none" w="med" len="med"/>
+                      <a:tailEnd type="none" w="med" len="med"/>
+                    </a:lnL>
+                    <a:lnR w="3175" cap="flat" cmpd="sng" algn="ctr">
+                      <a:solidFill>
+                        <a:schemeClr val="tx1"/>
+                      </a:solidFill>
+                      <a:prstDash val="solid"/>
+                      <a:round/>
+                      <a:headEnd type="none" w="med" len="med"/>
+                      <a:tailEnd type="none" w="med" len="med"/>
+                    </a:lnR>
+                    <a:lnT w="3175" cap="flat" cmpd="sng" algn="ctr">
+                      <a:solidFill>
+                        <a:schemeClr val="tx1"/>
+                      </a:solidFill>
+                      <a:prstDash val="solid"/>
+                      <a:round/>
+                      <a:headEnd type="none" w="med" len="med"/>
+                      <a:tailEnd type="none" w="med" len="med"/>
+                    </a:lnT>
+                    <a:lnB w="3175" cap="flat" cmpd="sng" algn="ctr">
+                      <a:solidFill>
+                        <a:schemeClr val="tx1"/>
+                      </a:solidFill>
+                      <a:prstDash val="solid"/>
+                      <a:round/>
+                      <a:headEnd type="none" w="med" len="med"/>
+                      <a:tailEnd type="none" w="med" len="med"/>
+                    </a:lnB>
+                    <a:noFill/>
+                  </a:tcPr>
+                </a:tc>
+                <a:tc>
+                  <a:txBody>
+                    <a:bodyPr/>
+                    <a:lstStyle/>
+                    <a:p>
+                      <a:pPr latinLnBrk="1"/>
+                      <a:r>
+                        <a:rPr lang="en-US" altLang="ko-KR" sz="1600" b="0" dirty="0" smtClean="0">
+                          <a:solidFill>
+                            <a:schemeClr val="tx1"/>
+                          </a:solidFill>
+                        </a:rPr>
+                        <a:t>15.5, 14.3, 16.3, 13.5, 15.7, 16.4, 14.7</a:t>
+                      </a:r>
+                      <a:endParaRPr lang="ko-KR" altLang="en-US" sz="1600" b="0" dirty="0">
+                        <a:solidFill>
+                          <a:schemeClr val="tx1"/>
+                        </a:solidFill>
+                      </a:endParaRPr>
+                    </a:p>
+                  </a:txBody>
+                  <a:tcPr>
+                    <a:lnL w="3175" cap="flat" cmpd="sng" algn="ctr">
+                      <a:solidFill>
+                        <a:schemeClr val="tx1"/>
+                      </a:solidFill>
+                      <a:prstDash val="solid"/>
+                      <a:round/>
+                      <a:headEnd type="none" w="med" len="med"/>
+                      <a:tailEnd type="none" w="med" len="med"/>
+                    </a:lnL>
+                    <a:lnR w="3175" cap="flat" cmpd="sng" algn="ctr">
+                      <a:solidFill>
+                        <a:schemeClr val="tx1"/>
+                      </a:solidFill>
+                      <a:prstDash val="solid"/>
+                      <a:round/>
+                      <a:headEnd type="none" w="med" len="med"/>
+                      <a:tailEnd type="none" w="med" len="med"/>
+                    </a:lnR>
+                    <a:lnT w="3175" cap="flat" cmpd="sng" algn="ctr">
+                      <a:solidFill>
+                        <a:schemeClr val="tx1"/>
+                      </a:solidFill>
+                      <a:prstDash val="solid"/>
+                      <a:round/>
+                      <a:headEnd type="none" w="med" len="med"/>
+                      <a:tailEnd type="none" w="med" len="med"/>
+                    </a:lnT>
+                    <a:lnB w="3175" cap="flat" cmpd="sng" algn="ctr">
+                      <a:solidFill>
+                        <a:schemeClr val="tx1"/>
+                      </a:solidFill>
+                      <a:prstDash val="solid"/>
+                      <a:round/>
+                      <a:headEnd type="none" w="med" len="med"/>
+                      <a:tailEnd type="none" w="med" len="med"/>
+                    </a:lnB>
+                    <a:noFill/>
+                  </a:tcPr>
+                </a:tc>
+              </a:tr>
+              <a:tr h="370840">
+                <a:tc>
+                  <a:txBody>
+                    <a:bodyPr/>
+                    <a:lstStyle/>
+                    <a:p>
+                      <a:pPr algn="ctr" latinLnBrk="1"/>
+                      <a:r>
+                        <a:rPr lang="en-US" altLang="ko-KR" sz="1600" b="0" dirty="0" smtClean="0">
+                          <a:solidFill>
+                            <a:schemeClr val="tx1"/>
+                          </a:solidFill>
+                        </a:rPr>
+                        <a:t>B</a:t>
+                      </a:r>
+                      <a:endParaRPr lang="ko-KR" altLang="en-US" sz="1600" b="0" dirty="0">
+                        <a:solidFill>
+                          <a:schemeClr val="tx1"/>
+                        </a:solidFill>
+                      </a:endParaRPr>
+                    </a:p>
+                  </a:txBody>
+                  <a:tcPr>
+                    <a:lnL w="3175" cap="flat" cmpd="sng" algn="ctr">
+                      <a:solidFill>
+                        <a:schemeClr val="tx1"/>
+                      </a:solidFill>
+                      <a:prstDash val="solid"/>
+                      <a:round/>
+                      <a:headEnd type="none" w="med" len="med"/>
+                      <a:tailEnd type="none" w="med" len="med"/>
+                    </a:lnL>
+                    <a:lnR w="3175" cap="flat" cmpd="sng" algn="ctr">
+                      <a:solidFill>
+                        <a:schemeClr val="tx1"/>
+                      </a:solidFill>
+                      <a:prstDash val="solid"/>
+                      <a:round/>
+                      <a:headEnd type="none" w="med" len="med"/>
+                      <a:tailEnd type="none" w="med" len="med"/>
+                    </a:lnR>
+                    <a:lnT w="3175" cap="flat" cmpd="sng" algn="ctr">
+                      <a:solidFill>
+                        <a:schemeClr val="tx1"/>
+                      </a:solidFill>
+                      <a:prstDash val="solid"/>
+                      <a:round/>
+                      <a:headEnd type="none" w="med" len="med"/>
+                      <a:tailEnd type="none" w="med" len="med"/>
+                    </a:lnT>
+                    <a:lnB w="3175" cap="flat" cmpd="sng" algn="ctr">
+                      <a:solidFill>
+                        <a:schemeClr val="tx1"/>
+                      </a:solidFill>
+                      <a:prstDash val="solid"/>
+                      <a:round/>
+                      <a:headEnd type="none" w="med" len="med"/>
+                      <a:tailEnd type="none" w="med" len="med"/>
+                    </a:lnB>
+                    <a:noFill/>
+                  </a:tcPr>
+                </a:tc>
+                <a:tc>
+                  <a:txBody>
+                    <a:bodyPr/>
+                    <a:lstStyle/>
+                    <a:p>
+                      <a:pPr latinLnBrk="1"/>
+                      <a:r>
+                        <a:rPr lang="en-US" altLang="ko-KR" sz="1600" b="0" dirty="0" smtClean="0">
+                          <a:solidFill>
+                            <a:schemeClr val="tx1"/>
+                          </a:solidFill>
+                        </a:rPr>
+                        <a:t>14.7, 16.3, 15.5, 15.2, 16.3, 13.5, 15.4</a:t>
+                      </a:r>
+                      <a:endParaRPr lang="ko-KR" altLang="en-US" sz="1600" b="0" dirty="0">
+                        <a:solidFill>
+                          <a:schemeClr val="tx1"/>
+                        </a:solidFill>
+                      </a:endParaRPr>
+                    </a:p>
+                  </a:txBody>
+                  <a:tcPr>
+                    <a:lnL w="3175" cap="flat" cmpd="sng" algn="ctr">
+                      <a:solidFill>
+                        <a:schemeClr val="tx1"/>
+                      </a:solidFill>
+                      <a:prstDash val="solid"/>
+                      <a:round/>
+                      <a:headEnd type="none" w="med" len="med"/>
+                      <a:tailEnd type="none" w="med" len="med"/>
+                    </a:lnL>
+                    <a:lnR w="3175" cap="flat" cmpd="sng" algn="ctr">
+                      <a:solidFill>
+                        <a:schemeClr val="tx1"/>
+                      </a:solidFill>
+                      <a:prstDash val="solid"/>
+                      <a:round/>
+                      <a:headEnd type="none" w="med" len="med"/>
+                      <a:tailEnd type="none" w="med" len="med"/>
+                    </a:lnR>
+                    <a:lnT w="3175" cap="flat" cmpd="sng" algn="ctr">
+                      <a:solidFill>
+                        <a:schemeClr val="tx1"/>
+                      </a:solidFill>
+                      <a:prstDash val="solid"/>
+                      <a:round/>
+                      <a:headEnd type="none" w="med" len="med"/>
+                      <a:tailEnd type="none" w="med" len="med"/>
+                    </a:lnT>
+                    <a:lnB w="3175" cap="flat" cmpd="sng" algn="ctr">
+                      <a:solidFill>
+                        <a:schemeClr val="tx1"/>
+                      </a:solidFill>
+                      <a:prstDash val="solid"/>
+                      <a:round/>
+                      <a:headEnd type="none" w="med" len="med"/>
+                      <a:tailEnd type="none" w="med" len="med"/>
+                    </a:lnB>
+                    <a:noFill/>
+                  </a:tcPr>
+                </a:tc>
+              </a:tr>
+              <a:tr h="370840">
+                <a:tc>
+                  <a:txBody>
+                    <a:bodyPr/>
+                    <a:lstStyle/>
+                    <a:p>
+                      <a:pPr algn="ctr" latinLnBrk="1"/>
+                      <a:r>
+                        <a:rPr lang="en-US" altLang="ko-KR" sz="1600" b="0" dirty="0" smtClean="0">
+                          <a:solidFill>
+                            <a:schemeClr val="tx1"/>
+                          </a:solidFill>
+                        </a:rPr>
+                        <a:t>C</a:t>
+                      </a:r>
+                      <a:endParaRPr lang="ko-KR" altLang="en-US" sz="1600" b="0" dirty="0">
+                        <a:solidFill>
+                          <a:schemeClr val="tx1"/>
+                        </a:solidFill>
+                      </a:endParaRPr>
+                    </a:p>
+                  </a:txBody>
+                  <a:tcPr>
+                    <a:lnL w="3175" cap="flat" cmpd="sng" algn="ctr">
+                      <a:solidFill>
+                        <a:schemeClr val="tx1"/>
+                      </a:solidFill>
+                      <a:prstDash val="solid"/>
+                      <a:round/>
+                      <a:headEnd type="none" w="med" len="med"/>
+                      <a:tailEnd type="none" w="med" len="med"/>
+                    </a:lnL>
+                    <a:lnR w="3175" cap="flat" cmpd="sng" algn="ctr">
+                      <a:solidFill>
+                        <a:schemeClr val="tx1"/>
+                      </a:solidFill>
+                      <a:prstDash val="solid"/>
+                      <a:round/>
+                      <a:headEnd type="none" w="med" len="med"/>
+                      <a:tailEnd type="none" w="med" len="med"/>
+                    </a:lnR>
+                    <a:lnT w="3175" cap="flat" cmpd="sng" algn="ctr">
+                      <a:solidFill>
+                        <a:schemeClr val="tx1"/>
+                      </a:solidFill>
+                      <a:prstDash val="solid"/>
+                      <a:round/>
+                      <a:headEnd type="none" w="med" len="med"/>
+                      <a:tailEnd type="none" w="med" len="med"/>
+                    </a:lnT>
+                    <a:lnB w="3175" cap="flat" cmpd="sng" algn="ctr">
+                      <a:solidFill>
+                        <a:schemeClr val="tx1"/>
+                      </a:solidFill>
+                      <a:prstDash val="solid"/>
+                      <a:round/>
+                      <a:headEnd type="none" w="med" len="med"/>
+                      <a:tailEnd type="none" w="med" len="med"/>
+                    </a:lnB>
+                    <a:noFill/>
+                  </a:tcPr>
+                </a:tc>
+                <a:tc>
+                  <a:txBody>
+                    <a:bodyPr/>
+                    <a:lstStyle/>
+                    <a:p>
+                      <a:pPr latinLnBrk="1"/>
+                      <a:r>
+                        <a:rPr lang="en-US" altLang="ko-KR" sz="1600" b="0" dirty="0" smtClean="0">
+                          <a:solidFill>
+                            <a:schemeClr val="tx1"/>
+                          </a:solidFill>
+                        </a:rPr>
+                        <a:t>15.5, 13.2, 16.5, 15.7, 15.3, 15.2, 14.8</a:t>
+                      </a:r>
+                      <a:endParaRPr lang="ko-KR" altLang="en-US" sz="1600" b="0" dirty="0">
+                        <a:solidFill>
+                          <a:schemeClr val="tx1"/>
+                        </a:solidFill>
+                      </a:endParaRPr>
+                    </a:p>
+                  </a:txBody>
+                  <a:tcPr>
+                    <a:lnL w="3175" cap="flat" cmpd="sng" algn="ctr">
+                      <a:solidFill>
+                        <a:schemeClr val="tx1"/>
+                      </a:solidFill>
+                      <a:prstDash val="solid"/>
+                      <a:round/>
+                      <a:headEnd type="none" w="med" len="med"/>
+                      <a:tailEnd type="none" w="med" len="med"/>
+                    </a:lnL>
+                    <a:lnR w="3175" cap="flat" cmpd="sng" algn="ctr">
+                      <a:solidFill>
+                        <a:schemeClr val="tx1"/>
+                      </a:solidFill>
+                      <a:prstDash val="solid"/>
+                      <a:round/>
+                      <a:headEnd type="none" w="med" len="med"/>
+                      <a:tailEnd type="none" w="med" len="med"/>
+                    </a:lnR>
+                    <a:lnT w="3175" cap="flat" cmpd="sng" algn="ctr">
+                      <a:solidFill>
+                        <a:schemeClr val="tx1"/>
+                      </a:solidFill>
+                      <a:prstDash val="solid"/>
+                      <a:round/>
+                      <a:headEnd type="none" w="med" len="med"/>
+                      <a:tailEnd type="none" w="med" len="med"/>
+                    </a:lnT>
+                    <a:lnB w="3175" cap="flat" cmpd="sng" algn="ctr">
+                      <a:solidFill>
+                        <a:schemeClr val="tx1"/>
+                      </a:solidFill>
+                      <a:prstDash val="solid"/>
+                      <a:round/>
+                      <a:headEnd type="none" w="med" len="med"/>
+                      <a:tailEnd type="none" w="med" len="med"/>
+                    </a:lnB>
+                    <a:noFill/>
+                  </a:tcPr>
+                </a:tc>
+              </a:tr>
+            </a:tbl>
+          </a:graphicData>
+        </a:graphic>
+      </p:graphicFrame>
+    </p:spTree>
+    <p:extLst>
+      <p:ext uri="{BB962C8B-B14F-4D97-AF65-F5344CB8AC3E}">
+        <p14:creationId xmlns:p14="http://schemas.microsoft.com/office/powerpoint/2010/main" val="3255060204"/>
+      </p:ext>
+    </p:extLst>
+  </p:cSld>
+  <p:clrMapOvr>
+    <a:masterClrMapping/>
+  </p:clrMapOvr>
+  <p:timing>
+    <p:tnLst>
+      <p:par>
+        <p:cTn id="1" dur="indefinite" restart="never" nodeType="tmRoot"/>
+      </p:par>
+    </p:tnLst>
+  </p:timing>
+</p:sld>
+</file>
+
+<file path=ppt/slides/slide16.xml><?xml version="1.0" encoding="utf-8"?>
+<p:sld xmlns:a="http://schemas.openxmlformats.org/drawingml/2006/main" xmlns:r="http://schemas.openxmlformats.org/officeDocument/2006/relationships" xmlns:p="http://schemas.openxmlformats.org/presentationml/2006/main">
+  <p:cSld>
+    <p:spTree>
+      <p:nvGrpSpPr>
+        <p:cNvPr id="1" name=""/>
+        <p:cNvGrpSpPr/>
+        <p:nvPr/>
+      </p:nvGrpSpPr>
+      <p:grpSpPr>
+        <a:xfrm>
+          <a:off x="0" y="0"/>
+          <a:ext cx="0" cy="0"/>
+          <a:chOff x="0" y="0"/>
+          <a:chExt cx="0" cy="0"/>
+        </a:xfrm>
+      </p:grpSpPr>
+      <p:sp>
+        <p:nvSpPr>
+          <p:cNvPr id="4" name="TextBox 3"/>
+          <p:cNvSpPr txBox="1"/>
+          <p:nvPr/>
+        </p:nvSpPr>
+        <p:spPr>
+          <a:xfrm>
+            <a:off x="353672" y="620688"/>
+            <a:ext cx="8890575" cy="1938992"/>
+          </a:xfrm>
+          <a:prstGeom prst="rect">
+            <a:avLst/>
+          </a:prstGeom>
+          <a:noFill/>
+        </p:spPr>
+        <p:txBody>
+          <a:bodyPr wrap="none" rtlCol="0">
+            <a:spAutoFit/>
+          </a:bodyPr>
+          <a:lstStyle/>
+          <a:p>
+            <a:pPr marL="342900" indent="-342900">
+              <a:lnSpc>
+                <a:spcPct val="150000"/>
+              </a:lnSpc>
+              <a:buFont typeface="+mj-lt"/>
+              <a:buAutoNum type="arabicPeriod"/>
+            </a:pPr>
+            <a:r>
+              <a:rPr lang="ko-KR" altLang="en-US" sz="1600" b="1" dirty="0" smtClean="0">
+                <a:latin typeface="+mn-ea"/>
+              </a:rPr>
+              <a:t>어느 공정의 </a:t>
+            </a:r>
+            <a:r>
+              <a:rPr lang="ko-KR" altLang="en-US" sz="1600" b="1" dirty="0" err="1" smtClean="0">
+                <a:latin typeface="+mn-ea"/>
+              </a:rPr>
+              <a:t>부적합품률은</a:t>
+            </a:r>
+            <a:r>
+              <a:rPr lang="ko-KR" altLang="en-US" sz="1600" b="1" dirty="0" smtClean="0">
+                <a:latin typeface="+mn-ea"/>
+              </a:rPr>
+              <a:t> </a:t>
+            </a:r>
+            <a:r>
+              <a:rPr lang="en-US" altLang="ko-KR" sz="1600" b="1" dirty="0" smtClean="0">
+                <a:latin typeface="+mn-ea"/>
+              </a:rPr>
+              <a:t>15% </a:t>
+            </a:r>
+            <a:r>
+              <a:rPr lang="ko-KR" altLang="en-US" sz="1600" b="1" dirty="0" smtClean="0">
+                <a:latin typeface="+mn-ea"/>
+              </a:rPr>
+              <a:t>이다</a:t>
+            </a:r>
+            <a:r>
+              <a:rPr lang="en-US" altLang="ko-KR" sz="1600" b="1" dirty="0" smtClean="0">
+                <a:latin typeface="+mn-ea"/>
+              </a:rPr>
+              <a:t>. </a:t>
+            </a:r>
+            <a:r>
+              <a:rPr lang="ko-KR" altLang="en-US" sz="1600" b="1" dirty="0" smtClean="0">
+                <a:latin typeface="+mn-ea"/>
+              </a:rPr>
+              <a:t>시료 </a:t>
+            </a:r>
+            <a:r>
+              <a:rPr lang="en-US" altLang="ko-KR" sz="1600" b="1" dirty="0" smtClean="0">
+                <a:latin typeface="+mn-ea"/>
+              </a:rPr>
+              <a:t>80</a:t>
+            </a:r>
+            <a:r>
+              <a:rPr lang="ko-KR" altLang="en-US" sz="1600" b="1" dirty="0" smtClean="0">
+                <a:latin typeface="+mn-ea"/>
+              </a:rPr>
+              <a:t>개를 추출하여 검사한 결과 불량이 </a:t>
+            </a:r>
+            <a:r>
+              <a:rPr lang="en-US" altLang="ko-KR" sz="1600" b="1" dirty="0" smtClean="0">
+                <a:latin typeface="+mn-ea"/>
+              </a:rPr>
+              <a:t>16</a:t>
+            </a:r>
+            <a:r>
+              <a:rPr lang="ko-KR" altLang="en-US" sz="1600" b="1" dirty="0" smtClean="0">
+                <a:latin typeface="+mn-ea"/>
+              </a:rPr>
+              <a:t>개이다</a:t>
+            </a:r>
+            <a:r>
+              <a:rPr lang="en-US" altLang="ko-KR" sz="1600" b="1" dirty="0" smtClean="0">
+                <a:latin typeface="+mn-ea"/>
+              </a:rPr>
+              <a:t>.</a:t>
+            </a:r>
+            <a:br>
+              <a:rPr lang="en-US" altLang="ko-KR" sz="1600" b="1" dirty="0" smtClean="0">
+                <a:latin typeface="+mn-ea"/>
+              </a:rPr>
+            </a:br>
+            <a:r>
+              <a:rPr lang="ko-KR" altLang="en-US" sz="1600" b="1" dirty="0" smtClean="0">
+                <a:latin typeface="+mn-ea"/>
+              </a:rPr>
+              <a:t>유의수준 </a:t>
+            </a:r>
+            <a:r>
+              <a:rPr lang="en-US" altLang="ko-KR" sz="1600" b="1" dirty="0" smtClean="0">
+                <a:latin typeface="+mn-ea"/>
+              </a:rPr>
+              <a:t>5%</a:t>
+            </a:r>
+            <a:r>
+              <a:rPr lang="ko-KR" altLang="en-US" sz="1600" b="1" dirty="0" smtClean="0">
+                <a:latin typeface="+mn-ea"/>
+              </a:rPr>
+              <a:t>로 적합도 검정을 하시오</a:t>
+            </a:r>
+            <a:r>
+              <a:rPr lang="en-US" altLang="ko-KR" sz="1600" b="1" dirty="0" smtClean="0">
+                <a:latin typeface="+mn-ea"/>
+              </a:rPr>
+              <a:t>.</a:t>
+            </a:r>
+          </a:p>
+          <a:p>
+            <a:pPr marL="342900" indent="-342900">
+              <a:lnSpc>
+                <a:spcPct val="150000"/>
+              </a:lnSpc>
+              <a:buFont typeface="+mj-lt"/>
+              <a:buAutoNum type="arabicPeriod"/>
+            </a:pPr>
+            <a:endParaRPr lang="en-US" altLang="ko-KR" sz="1600" b="1" dirty="0" smtClean="0">
+              <a:latin typeface="+mn-ea"/>
+            </a:endParaRPr>
+          </a:p>
+          <a:p>
+            <a:pPr marL="342900" indent="-342900">
+              <a:lnSpc>
+                <a:spcPct val="150000"/>
+              </a:lnSpc>
+              <a:buFont typeface="+mj-lt"/>
+              <a:buAutoNum type="arabicPeriod"/>
+            </a:pPr>
+            <a:r>
+              <a:rPr lang="ko-KR" altLang="en-US" sz="1600" b="1" dirty="0" smtClean="0">
+                <a:latin typeface="+mn-ea"/>
+              </a:rPr>
+              <a:t>다음은 음주량과 흡연량 데이터이다</a:t>
+            </a:r>
+            <a:r>
+              <a:rPr lang="en-US" altLang="ko-KR" sz="1600" b="1" dirty="0" smtClean="0">
+                <a:latin typeface="+mn-ea"/>
+              </a:rPr>
+              <a:t>.</a:t>
+            </a:r>
+            <a:r>
+              <a:rPr lang="en-US" altLang="ko-KR" sz="1600" b="1" dirty="0">
+                <a:latin typeface="+mn-ea"/>
+              </a:rPr>
+              <a:t/>
+            </a:r>
+            <a:br>
+              <a:rPr lang="en-US" altLang="ko-KR" sz="1600" b="1" dirty="0">
+                <a:latin typeface="+mn-ea"/>
+              </a:rPr>
+            </a:br>
+            <a:r>
+              <a:rPr lang="ko-KR" altLang="en-US" sz="1600" b="1" dirty="0" smtClean="0">
+                <a:latin typeface="+mn-ea"/>
+              </a:rPr>
+              <a:t>이 표로부터 음주량과 흡연량 사이에 연관이 있는지 확인하시오</a:t>
+            </a:r>
+            <a:r>
+              <a:rPr lang="en-US" altLang="ko-KR" sz="1600" b="1" dirty="0" smtClean="0">
+                <a:latin typeface="+mn-ea"/>
+              </a:rPr>
+              <a:t>.</a:t>
+            </a:r>
+            <a:endParaRPr lang="en-US" altLang="ko-KR" sz="1600" b="1" dirty="0">
+              <a:latin typeface="+mn-ea"/>
+            </a:endParaRPr>
+          </a:p>
+        </p:txBody>
+      </p:sp>
+      <p:sp>
+        <p:nvSpPr>
+          <p:cNvPr id="5" name="TextBox 4"/>
+          <p:cNvSpPr txBox="1"/>
+          <p:nvPr/>
+        </p:nvSpPr>
+        <p:spPr>
+          <a:xfrm>
+            <a:off x="333515" y="136110"/>
+            <a:ext cx="2622834" cy="369332"/>
+          </a:xfrm>
+          <a:prstGeom prst="rect">
+            <a:avLst/>
+          </a:prstGeom>
+          <a:noFill/>
+        </p:spPr>
+        <p:txBody>
+          <a:bodyPr wrap="none" rtlCol="0">
+            <a:spAutoFit/>
+          </a:bodyPr>
+          <a:lstStyle/>
+          <a:p>
+            <a:r>
+              <a:rPr lang="en-US" altLang="ko-KR" b="1" dirty="0" smtClean="0"/>
+              <a:t>11. </a:t>
+            </a:r>
+            <a:r>
+              <a:rPr lang="ko-KR" altLang="en-US" b="1" dirty="0" smtClean="0"/>
+              <a:t>적합도</a:t>
+            </a:r>
+            <a:r>
+              <a:rPr lang="en-US" altLang="ko-KR" b="1" dirty="0" smtClean="0"/>
+              <a:t>/</a:t>
+            </a:r>
+            <a:r>
+              <a:rPr lang="ko-KR" altLang="en-US" b="1" dirty="0" smtClean="0"/>
+              <a:t>독립성 검정</a:t>
+            </a:r>
+            <a:endParaRPr lang="ko-KR" altLang="en-US" b="1" dirty="0"/>
+          </a:p>
+        </p:txBody>
+      </p:sp>
+      <p:graphicFrame>
+        <p:nvGraphicFramePr>
+          <p:cNvPr id="7" name="표 6"/>
+          <p:cNvGraphicFramePr>
+            <a:graphicFrameLocks noGrp="1"/>
+          </p:cNvGraphicFramePr>
+          <p:nvPr>
+            <p:extLst>
+              <p:ext uri="{D42A27DB-BD31-4B8C-83A1-F6EECF244321}">
+                <p14:modId xmlns:p14="http://schemas.microsoft.com/office/powerpoint/2010/main" val="1344233104"/>
+              </p:ext>
+            </p:extLst>
+          </p:nvPr>
+        </p:nvGraphicFramePr>
+        <p:xfrm>
+          <a:off x="1187624" y="2942952"/>
+          <a:ext cx="6480719" cy="1854200"/>
+        </p:xfrm>
+        <a:graphic>
+          <a:graphicData uri="http://schemas.openxmlformats.org/drawingml/2006/table">
+            <a:tbl>
+              <a:tblPr firstRow="1" bandRow="1">
+                <a:tableStyleId>{5C22544A-7EE6-4342-B048-85BDC9FD1C3A}</a:tableStyleId>
+              </a:tblPr>
+              <a:tblGrid>
+                <a:gridCol w="1440160"/>
+                <a:gridCol w="1200133"/>
+                <a:gridCol w="1200133"/>
+                <a:gridCol w="1200133"/>
+                <a:gridCol w="1440160"/>
+              </a:tblGrid>
+              <a:tr h="370840">
+                <a:tc>
+                  <a:txBody>
+                    <a:bodyPr/>
+                    <a:lstStyle/>
+                    <a:p>
+                      <a:pPr algn="ctr" latinLnBrk="1"/>
+                      <a:endParaRPr lang="ko-KR" altLang="en-US" sz="1600" b="0" dirty="0">
+                        <a:solidFill>
+                          <a:schemeClr val="tx1"/>
+                        </a:solidFill>
+                      </a:endParaRPr>
+                    </a:p>
+                  </a:txBody>
+                  <a:tcPr>
+                    <a:lnL w="3175" cap="flat" cmpd="sng" algn="ctr">
+                      <a:solidFill>
+                        <a:schemeClr val="tx1"/>
+                      </a:solidFill>
+                      <a:prstDash val="solid"/>
+                      <a:round/>
+                      <a:headEnd type="none" w="med" len="med"/>
+                      <a:tailEnd type="none" w="med" len="med"/>
+                    </a:lnL>
+                    <a:lnR w="3175" cap="flat" cmpd="sng" algn="ctr">
+                      <a:solidFill>
+                        <a:schemeClr val="tx1"/>
+                      </a:solidFill>
+                      <a:prstDash val="solid"/>
+                      <a:round/>
+                      <a:headEnd type="none" w="med" len="med"/>
+                      <a:tailEnd type="none" w="med" len="med"/>
+                    </a:lnR>
+                    <a:lnT w="3175" cap="flat" cmpd="sng" algn="ctr">
+                      <a:solidFill>
+                        <a:schemeClr val="tx1"/>
+                      </a:solidFill>
+                      <a:prstDash val="solid"/>
+                      <a:round/>
+                      <a:headEnd type="none" w="med" len="med"/>
+                      <a:tailEnd type="none" w="med" len="med"/>
+                    </a:lnT>
+                    <a:lnB w="3175" cap="flat" cmpd="sng" algn="ctr">
+                      <a:solidFill>
+                        <a:schemeClr val="tx1"/>
+                      </a:solidFill>
+                      <a:prstDash val="solid"/>
+                      <a:round/>
+                      <a:headEnd type="none" w="med" len="med"/>
+                      <a:tailEnd type="none" w="med" len="med"/>
+                    </a:lnB>
+                    <a:noFill/>
+                  </a:tcPr>
+                </a:tc>
+                <a:tc>
+                  <a:txBody>
+                    <a:bodyPr/>
+                    <a:lstStyle/>
+                    <a:p>
+                      <a:pPr algn="ctr" latinLnBrk="1"/>
+                      <a:r>
+                        <a:rPr lang="en-US" altLang="ko-KR" sz="1600" b="0" dirty="0" smtClean="0">
+                          <a:solidFill>
+                            <a:schemeClr val="tx1"/>
+                          </a:solidFill>
+                        </a:rPr>
+                        <a:t>1</a:t>
+                      </a:r>
+                      <a:r>
+                        <a:rPr lang="ko-KR" altLang="en-US" sz="1600" b="0" dirty="0" smtClean="0">
+                          <a:solidFill>
+                            <a:schemeClr val="tx1"/>
+                          </a:solidFill>
+                        </a:rPr>
+                        <a:t>갑 이상</a:t>
+                      </a:r>
+                      <a:endParaRPr lang="ko-KR" altLang="en-US" sz="1600" b="0" dirty="0">
+                        <a:solidFill>
+                          <a:schemeClr val="tx1"/>
+                        </a:solidFill>
+                      </a:endParaRPr>
+                    </a:p>
+                  </a:txBody>
+                  <a:tcPr>
+                    <a:lnL w="3175" cap="flat" cmpd="sng" algn="ctr">
+                      <a:solidFill>
+                        <a:schemeClr val="tx1"/>
+                      </a:solidFill>
+                      <a:prstDash val="solid"/>
+                      <a:round/>
+                      <a:headEnd type="none" w="med" len="med"/>
+                      <a:tailEnd type="none" w="med" len="med"/>
+                    </a:lnL>
+                    <a:lnR w="3175" cap="flat" cmpd="sng" algn="ctr">
+                      <a:solidFill>
+                        <a:schemeClr val="tx1"/>
+                      </a:solidFill>
+                      <a:prstDash val="solid"/>
+                      <a:round/>
+                      <a:headEnd type="none" w="med" len="med"/>
+                      <a:tailEnd type="none" w="med" len="med"/>
+                    </a:lnR>
+                    <a:lnT w="3175" cap="flat" cmpd="sng" algn="ctr">
+                      <a:solidFill>
+                        <a:schemeClr val="tx1"/>
+                      </a:solidFill>
+                      <a:prstDash val="solid"/>
+                      <a:round/>
+                      <a:headEnd type="none" w="med" len="med"/>
+                      <a:tailEnd type="none" w="med" len="med"/>
+                    </a:lnT>
+                    <a:lnB w="3175" cap="flat" cmpd="sng" algn="ctr">
+                      <a:solidFill>
+                        <a:schemeClr val="tx1"/>
+                      </a:solidFill>
+                      <a:prstDash val="solid"/>
+                      <a:round/>
+                      <a:headEnd type="none" w="med" len="med"/>
+                      <a:tailEnd type="none" w="med" len="med"/>
+                    </a:lnB>
+                    <a:noFill/>
+                  </a:tcPr>
+                </a:tc>
+                <a:tc>
+                  <a:txBody>
+                    <a:bodyPr/>
+                    <a:lstStyle/>
+                    <a:p>
+                      <a:pPr algn="ctr" latinLnBrk="1"/>
+                      <a:r>
+                        <a:rPr lang="en-US" altLang="ko-KR" sz="1600" b="0" dirty="0" smtClean="0">
+                          <a:solidFill>
+                            <a:schemeClr val="tx1"/>
+                          </a:solidFill>
+                        </a:rPr>
+                        <a:t>1</a:t>
+                      </a:r>
+                      <a:r>
+                        <a:rPr lang="ko-KR" altLang="en-US" sz="1600" b="0" dirty="0" smtClean="0">
+                          <a:solidFill>
+                            <a:schemeClr val="tx1"/>
+                          </a:solidFill>
+                        </a:rPr>
+                        <a:t>갑 이하</a:t>
+                      </a:r>
+                      <a:endParaRPr lang="ko-KR" altLang="en-US" sz="1600" b="0" dirty="0">
+                        <a:solidFill>
+                          <a:schemeClr val="tx1"/>
+                        </a:solidFill>
+                      </a:endParaRPr>
+                    </a:p>
+                  </a:txBody>
+                  <a:tcPr>
+                    <a:lnL w="3175" cap="flat" cmpd="sng" algn="ctr">
+                      <a:solidFill>
+                        <a:schemeClr val="tx1"/>
+                      </a:solidFill>
+                      <a:prstDash val="solid"/>
+                      <a:round/>
+                      <a:headEnd type="none" w="med" len="med"/>
+                      <a:tailEnd type="none" w="med" len="med"/>
+                    </a:lnL>
+                    <a:lnR w="3175" cap="flat" cmpd="sng" algn="ctr">
+                      <a:solidFill>
+                        <a:schemeClr val="tx1"/>
+                      </a:solidFill>
+                      <a:prstDash val="solid"/>
+                      <a:round/>
+                      <a:headEnd type="none" w="med" len="med"/>
+                      <a:tailEnd type="none" w="med" len="med"/>
+                    </a:lnR>
+                    <a:lnT w="3175" cap="flat" cmpd="sng" algn="ctr">
+                      <a:solidFill>
+                        <a:schemeClr val="tx1"/>
+                      </a:solidFill>
+                      <a:prstDash val="solid"/>
+                      <a:round/>
+                      <a:headEnd type="none" w="med" len="med"/>
+                      <a:tailEnd type="none" w="med" len="med"/>
+                    </a:lnT>
+                    <a:lnB w="3175" cap="flat" cmpd="sng" algn="ctr">
+                      <a:solidFill>
+                        <a:schemeClr val="tx1"/>
+                      </a:solidFill>
+                      <a:prstDash val="solid"/>
+                      <a:round/>
+                      <a:headEnd type="none" w="med" len="med"/>
+                      <a:tailEnd type="none" w="med" len="med"/>
+                    </a:lnB>
+                    <a:noFill/>
+                  </a:tcPr>
+                </a:tc>
+                <a:tc>
+                  <a:txBody>
+                    <a:bodyPr/>
+                    <a:lstStyle/>
+                    <a:p>
+                      <a:pPr algn="ctr" latinLnBrk="1"/>
+                      <a:r>
+                        <a:rPr lang="ko-KR" altLang="en-US" sz="1600" b="0" dirty="0" smtClean="0">
+                          <a:solidFill>
+                            <a:schemeClr val="tx1"/>
+                          </a:solidFill>
+                        </a:rPr>
+                        <a:t>안 피움</a:t>
+                      </a:r>
+                      <a:endParaRPr lang="ko-KR" altLang="en-US" sz="1600" b="0" dirty="0">
+                        <a:solidFill>
+                          <a:schemeClr val="tx1"/>
+                        </a:solidFill>
+                      </a:endParaRPr>
+                    </a:p>
+                  </a:txBody>
+                  <a:tcPr>
+                    <a:lnL w="3175" cap="flat" cmpd="sng" algn="ctr">
+                      <a:solidFill>
+                        <a:schemeClr val="tx1"/>
+                      </a:solidFill>
+                      <a:prstDash val="solid"/>
+                      <a:round/>
+                      <a:headEnd type="none" w="med" len="med"/>
+                      <a:tailEnd type="none" w="med" len="med"/>
+                    </a:lnL>
+                    <a:lnR w="3175" cap="flat" cmpd="sng" algn="ctr">
+                      <a:solidFill>
+                        <a:schemeClr val="tx1"/>
+                      </a:solidFill>
+                      <a:prstDash val="solid"/>
+                      <a:round/>
+                      <a:headEnd type="none" w="med" len="med"/>
+                      <a:tailEnd type="none" w="med" len="med"/>
+                    </a:lnR>
+                    <a:lnT w="3175" cap="flat" cmpd="sng" algn="ctr">
+                      <a:solidFill>
+                        <a:schemeClr val="tx1"/>
+                      </a:solidFill>
+                      <a:prstDash val="solid"/>
+                      <a:round/>
+                      <a:headEnd type="none" w="med" len="med"/>
+                      <a:tailEnd type="none" w="med" len="med"/>
+                    </a:lnT>
+                    <a:lnB w="3175" cap="flat" cmpd="sng" algn="ctr">
+                      <a:solidFill>
+                        <a:schemeClr val="tx1"/>
+                      </a:solidFill>
+                      <a:prstDash val="solid"/>
+                      <a:round/>
+                      <a:headEnd type="none" w="med" len="med"/>
+                      <a:tailEnd type="none" w="med" len="med"/>
+                    </a:lnB>
+                    <a:noFill/>
+                  </a:tcPr>
+                </a:tc>
+                <a:tc>
+                  <a:txBody>
+                    <a:bodyPr/>
+                    <a:lstStyle/>
+                    <a:p>
+                      <a:pPr algn="ctr" latinLnBrk="1"/>
+                      <a:r>
+                        <a:rPr lang="ko-KR" altLang="en-US" sz="1600" b="0" dirty="0" smtClean="0">
+                          <a:solidFill>
+                            <a:schemeClr val="tx1"/>
+                          </a:solidFill>
+                        </a:rPr>
+                        <a:t>계</a:t>
+                      </a:r>
+                      <a:endParaRPr lang="ko-KR" altLang="en-US" sz="1600" b="0" dirty="0">
+                        <a:solidFill>
+                          <a:schemeClr val="tx1"/>
+                        </a:solidFill>
+                      </a:endParaRPr>
+                    </a:p>
+                  </a:txBody>
+                  <a:tcPr>
+                    <a:lnL w="3175" cap="flat" cmpd="sng" algn="ctr">
+                      <a:solidFill>
+                        <a:schemeClr val="tx1"/>
+                      </a:solidFill>
+                      <a:prstDash val="solid"/>
+                      <a:round/>
+                      <a:headEnd type="none" w="med" len="med"/>
+                      <a:tailEnd type="none" w="med" len="med"/>
+                    </a:lnL>
+                    <a:lnR w="3175" cap="flat" cmpd="sng" algn="ctr">
+                      <a:solidFill>
+                        <a:schemeClr val="tx1"/>
+                      </a:solidFill>
+                      <a:prstDash val="solid"/>
+                      <a:round/>
+                      <a:headEnd type="none" w="med" len="med"/>
+                      <a:tailEnd type="none" w="med" len="med"/>
+                    </a:lnR>
+                    <a:lnT w="3175" cap="flat" cmpd="sng" algn="ctr">
+                      <a:solidFill>
+                        <a:schemeClr val="tx1"/>
+                      </a:solidFill>
+                      <a:prstDash val="solid"/>
+                      <a:round/>
+                      <a:headEnd type="none" w="med" len="med"/>
+                      <a:tailEnd type="none" w="med" len="med"/>
+                    </a:lnT>
+                    <a:lnB w="3175" cap="flat" cmpd="sng" algn="ctr">
+                      <a:solidFill>
+                        <a:schemeClr val="tx1"/>
+                      </a:solidFill>
+                      <a:prstDash val="solid"/>
+                      <a:round/>
+                      <a:headEnd type="none" w="med" len="med"/>
+                      <a:tailEnd type="none" w="med" len="med"/>
+                    </a:lnB>
+                    <a:noFill/>
+                  </a:tcPr>
+                </a:tc>
+              </a:tr>
+              <a:tr h="370840">
+                <a:tc>
+                  <a:txBody>
+                    <a:bodyPr/>
+                    <a:lstStyle/>
+                    <a:p>
+                      <a:pPr algn="ctr" latinLnBrk="1"/>
+                      <a:r>
+                        <a:rPr lang="ko-KR" altLang="en-US" sz="1600" b="0" dirty="0" err="1" smtClean="0">
+                          <a:solidFill>
+                            <a:schemeClr val="tx1"/>
+                          </a:solidFill>
+                        </a:rPr>
+                        <a:t>반병</a:t>
+                      </a:r>
+                      <a:r>
+                        <a:rPr lang="ko-KR" altLang="en-US" sz="1600" b="0" dirty="0" smtClean="0">
+                          <a:solidFill>
+                            <a:schemeClr val="tx1"/>
+                          </a:solidFill>
+                        </a:rPr>
+                        <a:t> 이상</a:t>
+                      </a:r>
+                      <a:endParaRPr lang="ko-KR" altLang="en-US" sz="1600" b="0" dirty="0">
+                        <a:solidFill>
+                          <a:schemeClr val="tx1"/>
+                        </a:solidFill>
+                      </a:endParaRPr>
+                    </a:p>
+                  </a:txBody>
+                  <a:tcPr>
+                    <a:lnL w="3175" cap="flat" cmpd="sng" algn="ctr">
+                      <a:solidFill>
+                        <a:schemeClr val="tx1"/>
+                      </a:solidFill>
+                      <a:prstDash val="solid"/>
+                      <a:round/>
+                      <a:headEnd type="none" w="med" len="med"/>
+                      <a:tailEnd type="none" w="med" len="med"/>
+                    </a:lnL>
+                    <a:lnR w="3175" cap="flat" cmpd="sng" algn="ctr">
+                      <a:solidFill>
+                        <a:schemeClr val="tx1"/>
+                      </a:solidFill>
+                      <a:prstDash val="solid"/>
+                      <a:round/>
+                      <a:headEnd type="none" w="med" len="med"/>
+                      <a:tailEnd type="none" w="med" len="med"/>
+                    </a:lnR>
+                    <a:lnT w="3175" cap="flat" cmpd="sng" algn="ctr">
+                      <a:solidFill>
+                        <a:schemeClr val="tx1"/>
+                      </a:solidFill>
+                      <a:prstDash val="solid"/>
+                      <a:round/>
+                      <a:headEnd type="none" w="med" len="med"/>
+                      <a:tailEnd type="none" w="med" len="med"/>
+                    </a:lnT>
+                    <a:lnB w="3175" cap="flat" cmpd="sng" algn="ctr">
+                      <a:solidFill>
+                        <a:schemeClr val="tx1"/>
+                      </a:solidFill>
+                      <a:prstDash val="solid"/>
+                      <a:round/>
+                      <a:headEnd type="none" w="med" len="med"/>
+                      <a:tailEnd type="none" w="med" len="med"/>
+                    </a:lnB>
+                    <a:noFill/>
+                  </a:tcPr>
+                </a:tc>
+                <a:tc>
+                  <a:txBody>
+                    <a:bodyPr/>
+                    <a:lstStyle/>
+                    <a:p>
+                      <a:pPr algn="ctr" latinLnBrk="1"/>
+                      <a:r>
+                        <a:rPr lang="en-US" altLang="ko-KR" sz="1600" b="0" dirty="0" smtClean="0">
+                          <a:solidFill>
+                            <a:schemeClr val="tx1"/>
+                          </a:solidFill>
+                        </a:rPr>
+                        <a:t>23</a:t>
+                      </a:r>
+                      <a:endParaRPr lang="ko-KR" altLang="en-US" sz="1600" b="0" dirty="0">
+                        <a:solidFill>
+                          <a:schemeClr val="tx1"/>
+                        </a:solidFill>
+                      </a:endParaRPr>
+                    </a:p>
+                  </a:txBody>
+                  <a:tcPr>
+                    <a:lnL w="3175" cap="flat" cmpd="sng" algn="ctr">
+                      <a:solidFill>
+                        <a:schemeClr val="tx1"/>
+                      </a:solidFill>
+                      <a:prstDash val="solid"/>
+                      <a:round/>
+                      <a:headEnd type="none" w="med" len="med"/>
+                      <a:tailEnd type="none" w="med" len="med"/>
+                    </a:lnL>
+                    <a:lnR w="3175" cap="flat" cmpd="sng" algn="ctr">
+                      <a:solidFill>
+                        <a:schemeClr val="tx1"/>
+                      </a:solidFill>
+                      <a:prstDash val="solid"/>
+                      <a:round/>
+                      <a:headEnd type="none" w="med" len="med"/>
+                      <a:tailEnd type="none" w="med" len="med"/>
+                    </a:lnR>
+                    <a:lnT w="3175" cap="flat" cmpd="sng" algn="ctr">
+                      <a:solidFill>
+                        <a:schemeClr val="tx1"/>
+                      </a:solidFill>
+                      <a:prstDash val="solid"/>
+                      <a:round/>
+                      <a:headEnd type="none" w="med" len="med"/>
+                      <a:tailEnd type="none" w="med" len="med"/>
+                    </a:lnT>
+                    <a:lnB w="3175" cap="flat" cmpd="sng" algn="ctr">
+                      <a:solidFill>
+                        <a:schemeClr val="tx1"/>
+                      </a:solidFill>
+                      <a:prstDash val="solid"/>
+                      <a:round/>
+                      <a:headEnd type="none" w="med" len="med"/>
+                      <a:tailEnd type="none" w="med" len="med"/>
+                    </a:lnB>
+                    <a:noFill/>
+                  </a:tcPr>
+                </a:tc>
+                <a:tc>
+                  <a:txBody>
+                    <a:bodyPr/>
+                    <a:lstStyle/>
+                    <a:p>
+                      <a:pPr algn="ctr" latinLnBrk="1"/>
+                      <a:r>
+                        <a:rPr lang="en-US" altLang="ko-KR" sz="1600" b="0" dirty="0" smtClean="0">
+                          <a:solidFill>
+                            <a:schemeClr val="tx1"/>
+                          </a:solidFill>
+                        </a:rPr>
+                        <a:t>21</a:t>
+                      </a:r>
+                      <a:endParaRPr lang="ko-KR" altLang="en-US" sz="1600" b="0" dirty="0">
+                        <a:solidFill>
+                          <a:schemeClr val="tx1"/>
+                        </a:solidFill>
+                      </a:endParaRPr>
+                    </a:p>
+                  </a:txBody>
+                  <a:tcPr>
+                    <a:lnL w="3175" cap="flat" cmpd="sng" algn="ctr">
+                      <a:solidFill>
+                        <a:schemeClr val="tx1"/>
+                      </a:solidFill>
+                      <a:prstDash val="solid"/>
+                      <a:round/>
+                      <a:headEnd type="none" w="med" len="med"/>
+                      <a:tailEnd type="none" w="med" len="med"/>
+                    </a:lnL>
+                    <a:lnR w="3175" cap="flat" cmpd="sng" algn="ctr">
+                      <a:solidFill>
+                        <a:schemeClr val="tx1"/>
+                      </a:solidFill>
+                      <a:prstDash val="solid"/>
+                      <a:round/>
+                      <a:headEnd type="none" w="med" len="med"/>
+                      <a:tailEnd type="none" w="med" len="med"/>
+                    </a:lnR>
+                    <a:lnT w="3175" cap="flat" cmpd="sng" algn="ctr">
+                      <a:solidFill>
+                        <a:schemeClr val="tx1"/>
+                      </a:solidFill>
+                      <a:prstDash val="solid"/>
+                      <a:round/>
+                      <a:headEnd type="none" w="med" len="med"/>
+                      <a:tailEnd type="none" w="med" len="med"/>
+                    </a:lnT>
+                    <a:lnB w="3175" cap="flat" cmpd="sng" algn="ctr">
+                      <a:solidFill>
+                        <a:schemeClr val="tx1"/>
+                      </a:solidFill>
+                      <a:prstDash val="solid"/>
+                      <a:round/>
+                      <a:headEnd type="none" w="med" len="med"/>
+                      <a:tailEnd type="none" w="med" len="med"/>
+                    </a:lnB>
+                    <a:noFill/>
+                  </a:tcPr>
+                </a:tc>
+                <a:tc>
+                  <a:txBody>
+                    <a:bodyPr/>
+                    <a:lstStyle/>
+                    <a:p>
+                      <a:pPr algn="ctr" latinLnBrk="1"/>
+                      <a:r>
+                        <a:rPr lang="en-US" altLang="ko-KR" sz="1600" b="0" dirty="0" smtClean="0">
+                          <a:solidFill>
+                            <a:schemeClr val="tx1"/>
+                          </a:solidFill>
+                        </a:rPr>
+                        <a:t>63</a:t>
+                      </a:r>
+                      <a:endParaRPr lang="ko-KR" altLang="en-US" sz="1600" b="0" dirty="0">
+                        <a:solidFill>
+                          <a:schemeClr val="tx1"/>
+                        </a:solidFill>
+                      </a:endParaRPr>
+                    </a:p>
+                  </a:txBody>
+                  <a:tcPr>
+                    <a:lnL w="3175" cap="flat" cmpd="sng" algn="ctr">
+                      <a:solidFill>
+                        <a:schemeClr val="tx1"/>
+                      </a:solidFill>
+                      <a:prstDash val="solid"/>
+                      <a:round/>
+                      <a:headEnd type="none" w="med" len="med"/>
+                      <a:tailEnd type="none" w="med" len="med"/>
+                    </a:lnL>
+                    <a:lnR w="3175" cap="flat" cmpd="sng" algn="ctr">
+                      <a:solidFill>
+                        <a:schemeClr val="tx1"/>
+                      </a:solidFill>
+                      <a:prstDash val="solid"/>
+                      <a:round/>
+                      <a:headEnd type="none" w="med" len="med"/>
+                      <a:tailEnd type="none" w="med" len="med"/>
+                    </a:lnR>
+                    <a:lnT w="3175" cap="flat" cmpd="sng" algn="ctr">
+                      <a:solidFill>
+                        <a:schemeClr val="tx1"/>
+                      </a:solidFill>
+                      <a:prstDash val="solid"/>
+                      <a:round/>
+                      <a:headEnd type="none" w="med" len="med"/>
+                      <a:tailEnd type="none" w="med" len="med"/>
+                    </a:lnT>
+                    <a:lnB w="3175" cap="flat" cmpd="sng" algn="ctr">
+                      <a:solidFill>
+                        <a:schemeClr val="tx1"/>
+                      </a:solidFill>
+                      <a:prstDash val="solid"/>
+                      <a:round/>
+                      <a:headEnd type="none" w="med" len="med"/>
+                      <a:tailEnd type="none" w="med" len="med"/>
+                    </a:lnB>
+                    <a:noFill/>
+                  </a:tcPr>
+                </a:tc>
+                <a:tc>
+                  <a:txBody>
+                    <a:bodyPr/>
+                    <a:lstStyle/>
+                    <a:p>
+                      <a:pPr algn="ctr" latinLnBrk="1"/>
+                      <a:r>
+                        <a:rPr lang="en-US" altLang="ko-KR" sz="1600" b="0" dirty="0" smtClean="0">
+                          <a:solidFill>
+                            <a:schemeClr val="tx1"/>
+                          </a:solidFill>
+                        </a:rPr>
+                        <a:t>107</a:t>
+                      </a:r>
+                      <a:endParaRPr lang="ko-KR" altLang="en-US" sz="1600" b="0" dirty="0">
+                        <a:solidFill>
+                          <a:schemeClr val="tx1"/>
+                        </a:solidFill>
+                      </a:endParaRPr>
+                    </a:p>
+                  </a:txBody>
+                  <a:tcPr>
+                    <a:lnL w="3175" cap="flat" cmpd="sng" algn="ctr">
+                      <a:solidFill>
+                        <a:schemeClr val="tx1"/>
+                      </a:solidFill>
+                      <a:prstDash val="solid"/>
+                      <a:round/>
+                      <a:headEnd type="none" w="med" len="med"/>
+                      <a:tailEnd type="none" w="med" len="med"/>
+                    </a:lnL>
+                    <a:lnR w="3175" cap="flat" cmpd="sng" algn="ctr">
+                      <a:solidFill>
+                        <a:schemeClr val="tx1"/>
+                      </a:solidFill>
+                      <a:prstDash val="solid"/>
+                      <a:round/>
+                      <a:headEnd type="none" w="med" len="med"/>
+                      <a:tailEnd type="none" w="med" len="med"/>
+                    </a:lnR>
+                    <a:lnT w="3175" cap="flat" cmpd="sng" algn="ctr">
+                      <a:solidFill>
+                        <a:schemeClr val="tx1"/>
+                      </a:solidFill>
+                      <a:prstDash val="solid"/>
+                      <a:round/>
+                      <a:headEnd type="none" w="med" len="med"/>
+                      <a:tailEnd type="none" w="med" len="med"/>
+                    </a:lnT>
+                    <a:lnB w="3175" cap="flat" cmpd="sng" algn="ctr">
+                      <a:solidFill>
+                        <a:schemeClr val="tx1"/>
+                      </a:solidFill>
+                      <a:prstDash val="solid"/>
+                      <a:round/>
+                      <a:headEnd type="none" w="med" len="med"/>
+                      <a:tailEnd type="none" w="med" len="med"/>
+                    </a:lnB>
+                    <a:noFill/>
+                  </a:tcPr>
+                </a:tc>
+              </a:tr>
+              <a:tr h="370840">
+                <a:tc>
+                  <a:txBody>
+                    <a:bodyPr/>
+                    <a:lstStyle/>
+                    <a:p>
+                      <a:pPr algn="ctr" latinLnBrk="1"/>
+                      <a:r>
+                        <a:rPr lang="ko-KR" altLang="en-US" sz="1600" b="0" dirty="0" err="1" smtClean="0">
+                          <a:solidFill>
+                            <a:schemeClr val="tx1"/>
+                          </a:solidFill>
+                        </a:rPr>
+                        <a:t>반병</a:t>
+                      </a:r>
+                      <a:r>
+                        <a:rPr lang="ko-KR" altLang="en-US" sz="1600" b="0" dirty="0" smtClean="0">
+                          <a:solidFill>
+                            <a:schemeClr val="tx1"/>
+                          </a:solidFill>
+                        </a:rPr>
+                        <a:t> 이하</a:t>
+                      </a:r>
+                      <a:endParaRPr lang="ko-KR" altLang="en-US" sz="1600" b="0" dirty="0">
+                        <a:solidFill>
+                          <a:schemeClr val="tx1"/>
+                        </a:solidFill>
+                      </a:endParaRPr>
+                    </a:p>
+                  </a:txBody>
+                  <a:tcPr>
+                    <a:lnL w="3175" cap="flat" cmpd="sng" algn="ctr">
+                      <a:solidFill>
+                        <a:schemeClr val="tx1"/>
+                      </a:solidFill>
+                      <a:prstDash val="solid"/>
+                      <a:round/>
+                      <a:headEnd type="none" w="med" len="med"/>
+                      <a:tailEnd type="none" w="med" len="med"/>
+                    </a:lnL>
+                    <a:lnR w="3175" cap="flat" cmpd="sng" algn="ctr">
+                      <a:solidFill>
+                        <a:schemeClr val="tx1"/>
+                      </a:solidFill>
+                      <a:prstDash val="solid"/>
+                      <a:round/>
+                      <a:headEnd type="none" w="med" len="med"/>
+                      <a:tailEnd type="none" w="med" len="med"/>
+                    </a:lnR>
+                    <a:lnT w="3175" cap="flat" cmpd="sng" algn="ctr">
+                      <a:solidFill>
+                        <a:schemeClr val="tx1"/>
+                      </a:solidFill>
+                      <a:prstDash val="solid"/>
+                      <a:round/>
+                      <a:headEnd type="none" w="med" len="med"/>
+                      <a:tailEnd type="none" w="med" len="med"/>
+                    </a:lnT>
+                    <a:lnB w="3175" cap="flat" cmpd="sng" algn="ctr">
+                      <a:solidFill>
+                        <a:schemeClr val="tx1"/>
+                      </a:solidFill>
+                      <a:prstDash val="solid"/>
+                      <a:round/>
+                      <a:headEnd type="none" w="med" len="med"/>
+                      <a:tailEnd type="none" w="med" len="med"/>
+                    </a:lnB>
+                    <a:noFill/>
+                  </a:tcPr>
+                </a:tc>
+                <a:tc>
+                  <a:txBody>
+                    <a:bodyPr/>
+                    <a:lstStyle/>
+                    <a:p>
+                      <a:pPr algn="ctr" latinLnBrk="1"/>
+                      <a:r>
+                        <a:rPr lang="en-US" altLang="ko-KR" sz="1600" b="0" dirty="0" smtClean="0">
+                          <a:solidFill>
+                            <a:schemeClr val="tx1"/>
+                          </a:solidFill>
+                        </a:rPr>
+                        <a:t>31</a:t>
+                      </a:r>
+                      <a:endParaRPr lang="ko-KR" altLang="en-US" sz="1600" b="0" dirty="0">
+                        <a:solidFill>
+                          <a:schemeClr val="tx1"/>
+                        </a:solidFill>
+                      </a:endParaRPr>
+                    </a:p>
+                  </a:txBody>
+                  <a:tcPr>
+                    <a:lnL w="3175" cap="flat" cmpd="sng" algn="ctr">
+                      <a:solidFill>
+                        <a:schemeClr val="tx1"/>
+                      </a:solidFill>
+                      <a:prstDash val="solid"/>
+                      <a:round/>
+                      <a:headEnd type="none" w="med" len="med"/>
+                      <a:tailEnd type="none" w="med" len="med"/>
+                    </a:lnL>
+                    <a:lnR w="3175" cap="flat" cmpd="sng" algn="ctr">
+                      <a:solidFill>
+                        <a:schemeClr val="tx1"/>
+                      </a:solidFill>
+                      <a:prstDash val="solid"/>
+                      <a:round/>
+                      <a:headEnd type="none" w="med" len="med"/>
+                      <a:tailEnd type="none" w="med" len="med"/>
+                    </a:lnR>
+                    <a:lnT w="3175" cap="flat" cmpd="sng" algn="ctr">
+                      <a:solidFill>
+                        <a:schemeClr val="tx1"/>
+                      </a:solidFill>
+                      <a:prstDash val="solid"/>
+                      <a:round/>
+                      <a:headEnd type="none" w="med" len="med"/>
+                      <a:tailEnd type="none" w="med" len="med"/>
+                    </a:lnT>
+                    <a:lnB w="3175" cap="flat" cmpd="sng" algn="ctr">
+                      <a:solidFill>
+                        <a:schemeClr val="tx1"/>
+                      </a:solidFill>
+                      <a:prstDash val="solid"/>
+                      <a:round/>
+                      <a:headEnd type="none" w="med" len="med"/>
+                      <a:tailEnd type="none" w="med" len="med"/>
+                    </a:lnB>
+                    <a:noFill/>
+                  </a:tcPr>
+                </a:tc>
+                <a:tc>
+                  <a:txBody>
+                    <a:bodyPr/>
+                    <a:lstStyle/>
+                    <a:p>
+                      <a:pPr algn="ctr" latinLnBrk="1"/>
+                      <a:r>
+                        <a:rPr lang="en-US" altLang="ko-KR" sz="1600" b="0" dirty="0" smtClean="0">
+                          <a:solidFill>
+                            <a:schemeClr val="tx1"/>
+                          </a:solidFill>
+                        </a:rPr>
+                        <a:t>48</a:t>
+                      </a:r>
+                      <a:endParaRPr lang="ko-KR" altLang="en-US" sz="1600" b="0" dirty="0">
+                        <a:solidFill>
+                          <a:schemeClr val="tx1"/>
+                        </a:solidFill>
+                      </a:endParaRPr>
+                    </a:p>
+                  </a:txBody>
+                  <a:tcPr>
+                    <a:lnL w="3175" cap="flat" cmpd="sng" algn="ctr">
+                      <a:solidFill>
+                        <a:schemeClr val="tx1"/>
+                      </a:solidFill>
+                      <a:prstDash val="solid"/>
+                      <a:round/>
+                      <a:headEnd type="none" w="med" len="med"/>
+                      <a:tailEnd type="none" w="med" len="med"/>
+                    </a:lnL>
+                    <a:lnR w="3175" cap="flat" cmpd="sng" algn="ctr">
+                      <a:solidFill>
+                        <a:schemeClr val="tx1"/>
+                      </a:solidFill>
+                      <a:prstDash val="solid"/>
+                      <a:round/>
+                      <a:headEnd type="none" w="med" len="med"/>
+                      <a:tailEnd type="none" w="med" len="med"/>
+                    </a:lnR>
+                    <a:lnT w="3175" cap="flat" cmpd="sng" algn="ctr">
+                      <a:solidFill>
+                        <a:schemeClr val="tx1"/>
+                      </a:solidFill>
+                      <a:prstDash val="solid"/>
+                      <a:round/>
+                      <a:headEnd type="none" w="med" len="med"/>
+                      <a:tailEnd type="none" w="med" len="med"/>
+                    </a:lnT>
+                    <a:lnB w="3175" cap="flat" cmpd="sng" algn="ctr">
+                      <a:solidFill>
+                        <a:schemeClr val="tx1"/>
+                      </a:solidFill>
+                      <a:prstDash val="solid"/>
+                      <a:round/>
+                      <a:headEnd type="none" w="med" len="med"/>
+                      <a:tailEnd type="none" w="med" len="med"/>
+                    </a:lnB>
+                    <a:noFill/>
+                  </a:tcPr>
+                </a:tc>
+                <a:tc>
+                  <a:txBody>
+                    <a:bodyPr/>
+                    <a:lstStyle/>
+                    <a:p>
+                      <a:pPr algn="ctr" latinLnBrk="1"/>
+                      <a:r>
+                        <a:rPr lang="en-US" altLang="ko-KR" sz="1600" b="0" dirty="0" smtClean="0">
+                          <a:solidFill>
+                            <a:schemeClr val="tx1"/>
+                          </a:solidFill>
+                        </a:rPr>
+                        <a:t>159</a:t>
+                      </a:r>
+                      <a:endParaRPr lang="ko-KR" altLang="en-US" sz="1600" b="0" dirty="0">
+                        <a:solidFill>
+                          <a:schemeClr val="tx1"/>
+                        </a:solidFill>
+                      </a:endParaRPr>
+                    </a:p>
+                  </a:txBody>
+                  <a:tcPr>
+                    <a:lnL w="3175" cap="flat" cmpd="sng" algn="ctr">
+                      <a:solidFill>
+                        <a:schemeClr val="tx1"/>
+                      </a:solidFill>
+                      <a:prstDash val="solid"/>
+                      <a:round/>
+                      <a:headEnd type="none" w="med" len="med"/>
+                      <a:tailEnd type="none" w="med" len="med"/>
+                    </a:lnL>
+                    <a:lnR w="3175" cap="flat" cmpd="sng" algn="ctr">
+                      <a:solidFill>
+                        <a:schemeClr val="tx1"/>
+                      </a:solidFill>
+                      <a:prstDash val="solid"/>
+                      <a:round/>
+                      <a:headEnd type="none" w="med" len="med"/>
+                      <a:tailEnd type="none" w="med" len="med"/>
+                    </a:lnR>
+                    <a:lnT w="3175" cap="flat" cmpd="sng" algn="ctr">
+                      <a:solidFill>
+                        <a:schemeClr val="tx1"/>
+                      </a:solidFill>
+                      <a:prstDash val="solid"/>
+                      <a:round/>
+                      <a:headEnd type="none" w="med" len="med"/>
+                      <a:tailEnd type="none" w="med" len="med"/>
+                    </a:lnT>
+                    <a:lnB w="3175" cap="flat" cmpd="sng" algn="ctr">
+                      <a:solidFill>
+                        <a:schemeClr val="tx1"/>
+                      </a:solidFill>
+                      <a:prstDash val="solid"/>
+                      <a:round/>
+                      <a:headEnd type="none" w="med" len="med"/>
+                      <a:tailEnd type="none" w="med" len="med"/>
+                    </a:lnB>
+                    <a:noFill/>
+                  </a:tcPr>
+                </a:tc>
+                <a:tc>
+                  <a:txBody>
+                    <a:bodyPr/>
+                    <a:lstStyle/>
+                    <a:p>
+                      <a:pPr algn="ctr" latinLnBrk="1"/>
+                      <a:r>
+                        <a:rPr lang="en-US" altLang="ko-KR" sz="1600" b="0" dirty="0" smtClean="0">
+                          <a:solidFill>
+                            <a:schemeClr val="tx1"/>
+                          </a:solidFill>
+                        </a:rPr>
+                        <a:t>238</a:t>
+                      </a:r>
+                      <a:endParaRPr lang="ko-KR" altLang="en-US" sz="1600" b="0" dirty="0">
+                        <a:solidFill>
+                          <a:schemeClr val="tx1"/>
+                        </a:solidFill>
+                      </a:endParaRPr>
+                    </a:p>
+                  </a:txBody>
+                  <a:tcPr>
+                    <a:lnL w="3175" cap="flat" cmpd="sng" algn="ctr">
+                      <a:solidFill>
+                        <a:schemeClr val="tx1"/>
+                      </a:solidFill>
+                      <a:prstDash val="solid"/>
+                      <a:round/>
+                      <a:headEnd type="none" w="med" len="med"/>
+                      <a:tailEnd type="none" w="med" len="med"/>
+                    </a:lnL>
+                    <a:lnR w="3175" cap="flat" cmpd="sng" algn="ctr">
+                      <a:solidFill>
+                        <a:schemeClr val="tx1"/>
+                      </a:solidFill>
+                      <a:prstDash val="solid"/>
+                      <a:round/>
+                      <a:headEnd type="none" w="med" len="med"/>
+                      <a:tailEnd type="none" w="med" len="med"/>
+                    </a:lnR>
+                    <a:lnT w="3175" cap="flat" cmpd="sng" algn="ctr">
+                      <a:solidFill>
+                        <a:schemeClr val="tx1"/>
+                      </a:solidFill>
+                      <a:prstDash val="solid"/>
+                      <a:round/>
+                      <a:headEnd type="none" w="med" len="med"/>
+                      <a:tailEnd type="none" w="med" len="med"/>
+                    </a:lnT>
+                    <a:lnB w="3175" cap="flat" cmpd="sng" algn="ctr">
+                      <a:solidFill>
+                        <a:schemeClr val="tx1"/>
+                      </a:solidFill>
+                      <a:prstDash val="solid"/>
+                      <a:round/>
+                      <a:headEnd type="none" w="med" len="med"/>
+                      <a:tailEnd type="none" w="med" len="med"/>
+                    </a:lnB>
+                    <a:noFill/>
+                  </a:tcPr>
+                </a:tc>
+              </a:tr>
+              <a:tr h="370840">
+                <a:tc>
+                  <a:txBody>
+                    <a:bodyPr/>
+                    <a:lstStyle/>
+                    <a:p>
+                      <a:pPr algn="ctr" latinLnBrk="1"/>
+                      <a:r>
+                        <a:rPr lang="ko-KR" altLang="en-US" sz="1600" b="0" dirty="0" err="1" smtClean="0">
+                          <a:solidFill>
+                            <a:schemeClr val="tx1"/>
+                          </a:solidFill>
+                        </a:rPr>
+                        <a:t>못마심</a:t>
+                      </a:r>
+                      <a:endParaRPr lang="ko-KR" altLang="en-US" sz="1600" b="0" dirty="0">
+                        <a:solidFill>
+                          <a:schemeClr val="tx1"/>
+                        </a:solidFill>
+                      </a:endParaRPr>
+                    </a:p>
+                  </a:txBody>
+                  <a:tcPr>
+                    <a:lnL w="3175" cap="flat" cmpd="sng" algn="ctr">
+                      <a:solidFill>
+                        <a:schemeClr val="tx1"/>
+                      </a:solidFill>
+                      <a:prstDash val="solid"/>
+                      <a:round/>
+                      <a:headEnd type="none" w="med" len="med"/>
+                      <a:tailEnd type="none" w="med" len="med"/>
+                    </a:lnL>
+                    <a:lnR w="3175" cap="flat" cmpd="sng" algn="ctr">
+                      <a:solidFill>
+                        <a:schemeClr val="tx1"/>
+                      </a:solidFill>
+                      <a:prstDash val="solid"/>
+                      <a:round/>
+                      <a:headEnd type="none" w="med" len="med"/>
+                      <a:tailEnd type="none" w="med" len="med"/>
+                    </a:lnR>
+                    <a:lnT w="3175" cap="flat" cmpd="sng" algn="ctr">
+                      <a:solidFill>
+                        <a:schemeClr val="tx1"/>
+                      </a:solidFill>
+                      <a:prstDash val="solid"/>
+                      <a:round/>
+                      <a:headEnd type="none" w="med" len="med"/>
+                      <a:tailEnd type="none" w="med" len="med"/>
+                    </a:lnT>
+                    <a:lnB w="3175" cap="flat" cmpd="sng" algn="ctr">
+                      <a:solidFill>
+                        <a:schemeClr val="tx1"/>
+                      </a:solidFill>
+                      <a:prstDash val="solid"/>
+                      <a:round/>
+                      <a:headEnd type="none" w="med" len="med"/>
+                      <a:tailEnd type="none" w="med" len="med"/>
+                    </a:lnB>
+                    <a:noFill/>
+                  </a:tcPr>
+                </a:tc>
+                <a:tc>
+                  <a:txBody>
+                    <a:bodyPr/>
+                    <a:lstStyle/>
+                    <a:p>
+                      <a:pPr algn="ctr" latinLnBrk="1"/>
+                      <a:r>
+                        <a:rPr lang="en-US" altLang="ko-KR" sz="1600" b="0" dirty="0" smtClean="0">
+                          <a:solidFill>
+                            <a:schemeClr val="tx1"/>
+                          </a:solidFill>
+                        </a:rPr>
+                        <a:t>13</a:t>
+                      </a:r>
+                      <a:endParaRPr lang="ko-KR" altLang="en-US" sz="1600" b="0" dirty="0">
+                        <a:solidFill>
+                          <a:schemeClr val="tx1"/>
+                        </a:solidFill>
+                      </a:endParaRPr>
+                    </a:p>
+                  </a:txBody>
+                  <a:tcPr>
+                    <a:lnL w="3175" cap="flat" cmpd="sng" algn="ctr">
+                      <a:solidFill>
+                        <a:schemeClr val="tx1"/>
+                      </a:solidFill>
+                      <a:prstDash val="solid"/>
+                      <a:round/>
+                      <a:headEnd type="none" w="med" len="med"/>
+                      <a:tailEnd type="none" w="med" len="med"/>
+                    </a:lnL>
+                    <a:lnR w="3175" cap="flat" cmpd="sng" algn="ctr">
+                      <a:solidFill>
+                        <a:schemeClr val="tx1"/>
+                      </a:solidFill>
+                      <a:prstDash val="solid"/>
+                      <a:round/>
+                      <a:headEnd type="none" w="med" len="med"/>
+                      <a:tailEnd type="none" w="med" len="med"/>
+                    </a:lnR>
+                    <a:lnT w="3175" cap="flat" cmpd="sng" algn="ctr">
+                      <a:solidFill>
+                        <a:schemeClr val="tx1"/>
+                      </a:solidFill>
+                      <a:prstDash val="solid"/>
+                      <a:round/>
+                      <a:headEnd type="none" w="med" len="med"/>
+                      <a:tailEnd type="none" w="med" len="med"/>
+                    </a:lnT>
+                    <a:lnB w="3175" cap="flat" cmpd="sng" algn="ctr">
+                      <a:solidFill>
+                        <a:schemeClr val="tx1"/>
+                      </a:solidFill>
+                      <a:prstDash val="solid"/>
+                      <a:round/>
+                      <a:headEnd type="none" w="med" len="med"/>
+                      <a:tailEnd type="none" w="med" len="med"/>
+                    </a:lnB>
+                    <a:noFill/>
+                  </a:tcPr>
+                </a:tc>
+                <a:tc>
+                  <a:txBody>
+                    <a:bodyPr/>
+                    <a:lstStyle/>
+                    <a:p>
+                      <a:pPr algn="ctr" latinLnBrk="1"/>
+                      <a:r>
+                        <a:rPr lang="en-US" altLang="ko-KR" sz="1600" b="0" dirty="0" smtClean="0">
+                          <a:solidFill>
+                            <a:schemeClr val="tx1"/>
+                          </a:solidFill>
+                        </a:rPr>
+                        <a:t>23</a:t>
+                      </a:r>
+                      <a:endParaRPr lang="ko-KR" altLang="en-US" sz="1600" b="0" dirty="0">
+                        <a:solidFill>
+                          <a:schemeClr val="tx1"/>
+                        </a:solidFill>
+                      </a:endParaRPr>
+                    </a:p>
+                  </a:txBody>
+                  <a:tcPr>
+                    <a:lnL w="3175" cap="flat" cmpd="sng" algn="ctr">
+                      <a:solidFill>
+                        <a:schemeClr val="tx1"/>
+                      </a:solidFill>
+                      <a:prstDash val="solid"/>
+                      <a:round/>
+                      <a:headEnd type="none" w="med" len="med"/>
+                      <a:tailEnd type="none" w="med" len="med"/>
+                    </a:lnL>
+                    <a:lnR w="3175" cap="flat" cmpd="sng" algn="ctr">
+                      <a:solidFill>
+                        <a:schemeClr val="tx1"/>
+                      </a:solidFill>
+                      <a:prstDash val="solid"/>
+                      <a:round/>
+                      <a:headEnd type="none" w="med" len="med"/>
+                      <a:tailEnd type="none" w="med" len="med"/>
+                    </a:lnR>
+                    <a:lnT w="3175" cap="flat" cmpd="sng" algn="ctr">
+                      <a:solidFill>
+                        <a:schemeClr val="tx1"/>
+                      </a:solidFill>
+                      <a:prstDash val="solid"/>
+                      <a:round/>
+                      <a:headEnd type="none" w="med" len="med"/>
+                      <a:tailEnd type="none" w="med" len="med"/>
+                    </a:lnT>
+                    <a:lnB w="3175" cap="flat" cmpd="sng" algn="ctr">
+                      <a:solidFill>
+                        <a:schemeClr val="tx1"/>
+                      </a:solidFill>
+                      <a:prstDash val="solid"/>
+                      <a:round/>
+                      <a:headEnd type="none" w="med" len="med"/>
+                      <a:tailEnd type="none" w="med" len="med"/>
+                    </a:lnB>
+                    <a:noFill/>
+                  </a:tcPr>
+                </a:tc>
+                <a:tc>
+                  <a:txBody>
+                    <a:bodyPr/>
+                    <a:lstStyle/>
+                    <a:p>
+                      <a:pPr algn="ctr" latinLnBrk="1"/>
+                      <a:r>
+                        <a:rPr lang="en-US" altLang="ko-KR" sz="1600" b="0" dirty="0" smtClean="0">
+                          <a:solidFill>
+                            <a:schemeClr val="tx1"/>
+                          </a:solidFill>
+                        </a:rPr>
+                        <a:t>119</a:t>
+                      </a:r>
+                      <a:endParaRPr lang="ko-KR" altLang="en-US" sz="1600" b="0" dirty="0">
+                        <a:solidFill>
+                          <a:schemeClr val="tx1"/>
+                        </a:solidFill>
+                      </a:endParaRPr>
+                    </a:p>
+                  </a:txBody>
+                  <a:tcPr>
+                    <a:lnL w="3175" cap="flat" cmpd="sng" algn="ctr">
+                      <a:solidFill>
+                        <a:schemeClr val="tx1"/>
+                      </a:solidFill>
+                      <a:prstDash val="solid"/>
+                      <a:round/>
+                      <a:headEnd type="none" w="med" len="med"/>
+                      <a:tailEnd type="none" w="med" len="med"/>
+                    </a:lnL>
+                    <a:lnR w="3175" cap="flat" cmpd="sng" algn="ctr">
+                      <a:solidFill>
+                        <a:schemeClr val="tx1"/>
+                      </a:solidFill>
+                      <a:prstDash val="solid"/>
+                      <a:round/>
+                      <a:headEnd type="none" w="med" len="med"/>
+                      <a:tailEnd type="none" w="med" len="med"/>
+                    </a:lnR>
+                    <a:lnT w="3175" cap="flat" cmpd="sng" algn="ctr">
+                      <a:solidFill>
+                        <a:schemeClr val="tx1"/>
+                      </a:solidFill>
+                      <a:prstDash val="solid"/>
+                      <a:round/>
+                      <a:headEnd type="none" w="med" len="med"/>
+                      <a:tailEnd type="none" w="med" len="med"/>
+                    </a:lnT>
+                    <a:lnB w="3175" cap="flat" cmpd="sng" algn="ctr">
+                      <a:solidFill>
+                        <a:schemeClr val="tx1"/>
+                      </a:solidFill>
+                      <a:prstDash val="solid"/>
+                      <a:round/>
+                      <a:headEnd type="none" w="med" len="med"/>
+                      <a:tailEnd type="none" w="med" len="med"/>
+                    </a:lnB>
+                    <a:noFill/>
+                  </a:tcPr>
+                </a:tc>
+                <a:tc>
+                  <a:txBody>
+                    <a:bodyPr/>
+                    <a:lstStyle/>
+                    <a:p>
+                      <a:pPr algn="ctr" latinLnBrk="1"/>
+                      <a:r>
+                        <a:rPr lang="en-US" altLang="ko-KR" sz="1600" b="0" dirty="0" smtClean="0">
+                          <a:solidFill>
+                            <a:schemeClr val="tx1"/>
+                          </a:solidFill>
+                        </a:rPr>
+                        <a:t>155</a:t>
+                      </a:r>
+                      <a:endParaRPr lang="ko-KR" altLang="en-US" sz="1600" b="0" dirty="0">
+                        <a:solidFill>
+                          <a:schemeClr val="tx1"/>
+                        </a:solidFill>
+                      </a:endParaRPr>
+                    </a:p>
+                  </a:txBody>
+                  <a:tcPr>
+                    <a:lnL w="3175" cap="flat" cmpd="sng" algn="ctr">
+                      <a:solidFill>
+                        <a:schemeClr val="tx1"/>
+                      </a:solidFill>
+                      <a:prstDash val="solid"/>
+                      <a:round/>
+                      <a:headEnd type="none" w="med" len="med"/>
+                      <a:tailEnd type="none" w="med" len="med"/>
+                    </a:lnL>
+                    <a:lnR w="3175" cap="flat" cmpd="sng" algn="ctr">
+                      <a:solidFill>
+                        <a:schemeClr val="tx1"/>
+                      </a:solidFill>
+                      <a:prstDash val="solid"/>
+                      <a:round/>
+                      <a:headEnd type="none" w="med" len="med"/>
+                      <a:tailEnd type="none" w="med" len="med"/>
+                    </a:lnR>
+                    <a:lnT w="3175" cap="flat" cmpd="sng" algn="ctr">
+                      <a:solidFill>
+                        <a:schemeClr val="tx1"/>
+                      </a:solidFill>
+                      <a:prstDash val="solid"/>
+                      <a:round/>
+                      <a:headEnd type="none" w="med" len="med"/>
+                      <a:tailEnd type="none" w="med" len="med"/>
+                    </a:lnT>
+                    <a:lnB w="3175" cap="flat" cmpd="sng" algn="ctr">
+                      <a:solidFill>
+                        <a:schemeClr val="tx1"/>
+                      </a:solidFill>
+                      <a:prstDash val="solid"/>
+                      <a:round/>
+                      <a:headEnd type="none" w="med" len="med"/>
+                      <a:tailEnd type="none" w="med" len="med"/>
+                    </a:lnB>
+                    <a:noFill/>
+                  </a:tcPr>
+                </a:tc>
+              </a:tr>
+              <a:tr h="370840">
+                <a:tc>
+                  <a:txBody>
+                    <a:bodyPr/>
+                    <a:lstStyle/>
+                    <a:p>
+                      <a:pPr algn="ctr" latinLnBrk="1"/>
+                      <a:r>
+                        <a:rPr lang="ko-KR" altLang="en-US" sz="1600" b="0" dirty="0" smtClean="0">
+                          <a:solidFill>
+                            <a:schemeClr val="tx1"/>
+                          </a:solidFill>
+                        </a:rPr>
+                        <a:t>계</a:t>
+                      </a:r>
+                      <a:endParaRPr lang="ko-KR" altLang="en-US" sz="1600" b="0" dirty="0">
+                        <a:solidFill>
+                          <a:schemeClr val="tx1"/>
+                        </a:solidFill>
+                      </a:endParaRPr>
+                    </a:p>
+                  </a:txBody>
+                  <a:tcPr>
+                    <a:lnL w="3175" cap="flat" cmpd="sng" algn="ctr">
+                      <a:solidFill>
+                        <a:schemeClr val="tx1"/>
+                      </a:solidFill>
+                      <a:prstDash val="solid"/>
+                      <a:round/>
+                      <a:headEnd type="none" w="med" len="med"/>
+                      <a:tailEnd type="none" w="med" len="med"/>
+                    </a:lnL>
+                    <a:lnR w="3175" cap="flat" cmpd="sng" algn="ctr">
+                      <a:solidFill>
+                        <a:schemeClr val="tx1"/>
+                      </a:solidFill>
+                      <a:prstDash val="solid"/>
+                      <a:round/>
+                      <a:headEnd type="none" w="med" len="med"/>
+                      <a:tailEnd type="none" w="med" len="med"/>
+                    </a:lnR>
+                    <a:lnT w="3175" cap="flat" cmpd="sng" algn="ctr">
+                      <a:solidFill>
+                        <a:schemeClr val="tx1"/>
+                      </a:solidFill>
+                      <a:prstDash val="solid"/>
+                      <a:round/>
+                      <a:headEnd type="none" w="med" len="med"/>
+                      <a:tailEnd type="none" w="med" len="med"/>
+                    </a:lnT>
+                    <a:lnB w="3175" cap="flat" cmpd="sng" algn="ctr">
+                      <a:solidFill>
+                        <a:schemeClr val="tx1"/>
+                      </a:solidFill>
+                      <a:prstDash val="solid"/>
+                      <a:round/>
+                      <a:headEnd type="none" w="med" len="med"/>
+                      <a:tailEnd type="none" w="med" len="med"/>
+                    </a:lnB>
+                    <a:noFill/>
+                  </a:tcPr>
+                </a:tc>
+                <a:tc>
+                  <a:txBody>
+                    <a:bodyPr/>
+                    <a:lstStyle/>
+                    <a:p>
+                      <a:pPr algn="ctr" latinLnBrk="1"/>
+                      <a:r>
+                        <a:rPr lang="en-US" altLang="ko-KR" sz="1600" b="0" dirty="0" smtClean="0">
+                          <a:solidFill>
+                            <a:schemeClr val="tx1"/>
+                          </a:solidFill>
+                        </a:rPr>
+                        <a:t>67</a:t>
+                      </a:r>
+                      <a:endParaRPr lang="ko-KR" altLang="en-US" sz="1600" b="0" dirty="0">
+                        <a:solidFill>
+                          <a:schemeClr val="tx1"/>
+                        </a:solidFill>
+                      </a:endParaRPr>
+                    </a:p>
+                  </a:txBody>
+                  <a:tcPr>
+                    <a:lnL w="3175" cap="flat" cmpd="sng" algn="ctr">
+                      <a:solidFill>
+                        <a:schemeClr val="tx1"/>
+                      </a:solidFill>
+                      <a:prstDash val="solid"/>
+                      <a:round/>
+                      <a:headEnd type="none" w="med" len="med"/>
+                      <a:tailEnd type="none" w="med" len="med"/>
+                    </a:lnL>
+                    <a:lnR w="3175" cap="flat" cmpd="sng" algn="ctr">
+                      <a:solidFill>
+                        <a:schemeClr val="tx1"/>
+                      </a:solidFill>
+                      <a:prstDash val="solid"/>
+                      <a:round/>
+                      <a:headEnd type="none" w="med" len="med"/>
+                      <a:tailEnd type="none" w="med" len="med"/>
+                    </a:lnR>
+                    <a:lnT w="3175" cap="flat" cmpd="sng" algn="ctr">
+                      <a:solidFill>
+                        <a:schemeClr val="tx1"/>
+                      </a:solidFill>
+                      <a:prstDash val="solid"/>
+                      <a:round/>
+                      <a:headEnd type="none" w="med" len="med"/>
+                      <a:tailEnd type="none" w="med" len="med"/>
+                    </a:lnT>
+                    <a:lnB w="3175" cap="flat" cmpd="sng" algn="ctr">
+                      <a:solidFill>
+                        <a:schemeClr val="tx1"/>
+                      </a:solidFill>
+                      <a:prstDash val="solid"/>
+                      <a:round/>
+                      <a:headEnd type="none" w="med" len="med"/>
+                      <a:tailEnd type="none" w="med" len="med"/>
+                    </a:lnB>
+                    <a:noFill/>
+                  </a:tcPr>
+                </a:tc>
+                <a:tc>
+                  <a:txBody>
+                    <a:bodyPr/>
+                    <a:lstStyle/>
+                    <a:p>
+                      <a:pPr algn="ctr" latinLnBrk="1"/>
+                      <a:r>
+                        <a:rPr lang="en-US" altLang="ko-KR" sz="1600" b="0" dirty="0" smtClean="0">
+                          <a:solidFill>
+                            <a:schemeClr val="tx1"/>
+                          </a:solidFill>
+                        </a:rPr>
+                        <a:t>92</a:t>
+                      </a:r>
+                      <a:endParaRPr lang="ko-KR" altLang="en-US" sz="1600" b="0" dirty="0">
+                        <a:solidFill>
+                          <a:schemeClr val="tx1"/>
+                        </a:solidFill>
+                      </a:endParaRPr>
+                    </a:p>
+                  </a:txBody>
+                  <a:tcPr>
+                    <a:lnL w="3175" cap="flat" cmpd="sng" algn="ctr">
+                      <a:solidFill>
+                        <a:schemeClr val="tx1"/>
+                      </a:solidFill>
+                      <a:prstDash val="solid"/>
+                      <a:round/>
+                      <a:headEnd type="none" w="med" len="med"/>
+                      <a:tailEnd type="none" w="med" len="med"/>
+                    </a:lnL>
+                    <a:lnR w="3175" cap="flat" cmpd="sng" algn="ctr">
+                      <a:solidFill>
+                        <a:schemeClr val="tx1"/>
+                      </a:solidFill>
+                      <a:prstDash val="solid"/>
+                      <a:round/>
+                      <a:headEnd type="none" w="med" len="med"/>
+                      <a:tailEnd type="none" w="med" len="med"/>
+                    </a:lnR>
+                    <a:lnT w="3175" cap="flat" cmpd="sng" algn="ctr">
+                      <a:solidFill>
+                        <a:schemeClr val="tx1"/>
+                      </a:solidFill>
+                      <a:prstDash val="solid"/>
+                      <a:round/>
+                      <a:headEnd type="none" w="med" len="med"/>
+                      <a:tailEnd type="none" w="med" len="med"/>
+                    </a:lnT>
+                    <a:lnB w="3175" cap="flat" cmpd="sng" algn="ctr">
+                      <a:solidFill>
+                        <a:schemeClr val="tx1"/>
+                      </a:solidFill>
+                      <a:prstDash val="solid"/>
+                      <a:round/>
+                      <a:headEnd type="none" w="med" len="med"/>
+                      <a:tailEnd type="none" w="med" len="med"/>
+                    </a:lnB>
+                    <a:noFill/>
+                  </a:tcPr>
+                </a:tc>
+                <a:tc>
+                  <a:txBody>
+                    <a:bodyPr/>
+                    <a:lstStyle/>
+                    <a:p>
+                      <a:pPr algn="ctr" latinLnBrk="1"/>
+                      <a:r>
+                        <a:rPr lang="en-US" altLang="ko-KR" sz="1600" b="0" dirty="0" smtClean="0">
+                          <a:solidFill>
+                            <a:schemeClr val="tx1"/>
+                          </a:solidFill>
+                        </a:rPr>
+                        <a:t>341</a:t>
+                      </a:r>
+                      <a:endParaRPr lang="ko-KR" altLang="en-US" sz="1600" b="0" dirty="0">
+                        <a:solidFill>
+                          <a:schemeClr val="tx1"/>
+                        </a:solidFill>
+                      </a:endParaRPr>
+                    </a:p>
+                  </a:txBody>
+                  <a:tcPr>
+                    <a:lnL w="3175" cap="flat" cmpd="sng" algn="ctr">
+                      <a:solidFill>
+                        <a:schemeClr val="tx1"/>
+                      </a:solidFill>
+                      <a:prstDash val="solid"/>
+                      <a:round/>
+                      <a:headEnd type="none" w="med" len="med"/>
+                      <a:tailEnd type="none" w="med" len="med"/>
+                    </a:lnL>
+                    <a:lnR w="3175" cap="flat" cmpd="sng" algn="ctr">
+                      <a:solidFill>
+                        <a:schemeClr val="tx1"/>
+                      </a:solidFill>
+                      <a:prstDash val="solid"/>
+                      <a:round/>
+                      <a:headEnd type="none" w="med" len="med"/>
+                      <a:tailEnd type="none" w="med" len="med"/>
+                    </a:lnR>
+                    <a:lnT w="3175" cap="flat" cmpd="sng" algn="ctr">
+                      <a:solidFill>
+                        <a:schemeClr val="tx1"/>
+                      </a:solidFill>
+                      <a:prstDash val="solid"/>
+                      <a:round/>
+                      <a:headEnd type="none" w="med" len="med"/>
+                      <a:tailEnd type="none" w="med" len="med"/>
+                    </a:lnT>
+                    <a:lnB w="3175" cap="flat" cmpd="sng" algn="ctr">
+                      <a:solidFill>
+                        <a:schemeClr val="tx1"/>
+                      </a:solidFill>
+                      <a:prstDash val="solid"/>
+                      <a:round/>
+                      <a:headEnd type="none" w="med" len="med"/>
+                      <a:tailEnd type="none" w="med" len="med"/>
+                    </a:lnB>
+                    <a:noFill/>
+                  </a:tcPr>
+                </a:tc>
+                <a:tc>
+                  <a:txBody>
+                    <a:bodyPr/>
+                    <a:lstStyle/>
+                    <a:p>
+                      <a:pPr algn="ctr" latinLnBrk="1"/>
+                      <a:r>
+                        <a:rPr lang="en-US" altLang="ko-KR" sz="1600" b="0" dirty="0" smtClean="0">
+                          <a:solidFill>
+                            <a:schemeClr val="tx1"/>
+                          </a:solidFill>
+                        </a:rPr>
+                        <a:t>500</a:t>
+                      </a:r>
+                      <a:endParaRPr lang="ko-KR" altLang="en-US" sz="1600" b="0" dirty="0">
+                        <a:solidFill>
+                          <a:schemeClr val="tx1"/>
+                        </a:solidFill>
+                      </a:endParaRPr>
+                    </a:p>
+                  </a:txBody>
+                  <a:tcPr>
+                    <a:lnL w="3175" cap="flat" cmpd="sng" algn="ctr">
+                      <a:solidFill>
+                        <a:schemeClr val="tx1"/>
+                      </a:solidFill>
+                      <a:prstDash val="solid"/>
+                      <a:round/>
+                      <a:headEnd type="none" w="med" len="med"/>
+                      <a:tailEnd type="none" w="med" len="med"/>
+                    </a:lnL>
+                    <a:lnR w="3175" cap="flat" cmpd="sng" algn="ctr">
+                      <a:solidFill>
+                        <a:schemeClr val="tx1"/>
+                      </a:solidFill>
+                      <a:prstDash val="solid"/>
+                      <a:round/>
+                      <a:headEnd type="none" w="med" len="med"/>
+                      <a:tailEnd type="none" w="med" len="med"/>
+                    </a:lnR>
+                    <a:lnT w="3175" cap="flat" cmpd="sng" algn="ctr">
+                      <a:solidFill>
+                        <a:schemeClr val="tx1"/>
+                      </a:solidFill>
+                      <a:prstDash val="solid"/>
+                      <a:round/>
+                      <a:headEnd type="none" w="med" len="med"/>
+                      <a:tailEnd type="none" w="med" len="med"/>
+                    </a:lnT>
+                    <a:lnB w="3175" cap="flat" cmpd="sng" algn="ctr">
+                      <a:solidFill>
+                        <a:schemeClr val="tx1"/>
+                      </a:solidFill>
+                      <a:prstDash val="solid"/>
+                      <a:round/>
+                      <a:headEnd type="none" w="med" len="med"/>
+                      <a:tailEnd type="none" w="med" len="med"/>
+                    </a:lnB>
+                    <a:noFill/>
+                  </a:tcPr>
+                </a:tc>
+              </a:tr>
+            </a:tbl>
+          </a:graphicData>
+        </a:graphic>
+      </p:graphicFrame>
+    </p:spTree>
+    <p:extLst>
+      <p:ext uri="{BB962C8B-B14F-4D97-AF65-F5344CB8AC3E}">
+        <p14:creationId xmlns:p14="http://schemas.microsoft.com/office/powerpoint/2010/main" val="1747440852"/>
       </p:ext>
     </p:extLst>
   </p:cSld>

--- a/Practice/연습문제 data/R 연습문제.pptx
+++ b/Practice/연습문제 data/R 연습문제.pptx
@@ -5,7 +5,7 @@
     <p:sldMasterId id="2147483648" r:id="rId1"/>
   </p:sldMasterIdLst>
   <p:notesMasterIdLst>
-    <p:notesMasterId r:id="rId18"/>
+    <p:notesMasterId r:id="rId19"/>
   </p:notesMasterIdLst>
   <p:sldIdLst>
     <p:sldId id="259" r:id="rId2"/>
@@ -24,6 +24,7 @@
     <p:sldId id="271" r:id="rId15"/>
     <p:sldId id="272" r:id="rId16"/>
     <p:sldId id="273" r:id="rId17"/>
+    <p:sldId id="274" r:id="rId18"/>
   </p:sldIdLst>
   <p:sldSz cx="9144000" cy="6858000" type="screen4x3"/>
   <p:notesSz cx="6858000" cy="9144000"/>
@@ -207,7 +208,7 @@
           <a:p>
             <a:fld id="{F8EE9BE4-BA73-4D39-86BF-4ECBF107F1A2}" type="datetimeFigureOut">
               <a:rPr lang="ko-KR" altLang="en-US" smtClean="0"/>
-              <a:t>2019-06-26</a:t>
+              <a:t>2019-06-27</a:t>
             </a:fld>
             <a:endParaRPr lang="ko-KR" altLang="en-US"/>
           </a:p>
@@ -621,7 +622,7 @@
           <a:p>
             <a:fld id="{21845987-2C55-46C3-B831-AE09533DBD3E}" type="datetime1">
               <a:rPr lang="ko-KR" altLang="en-US" smtClean="0"/>
-              <a:t>2019-06-26</a:t>
+              <a:t>2019-06-27</a:t>
             </a:fld>
             <a:endParaRPr lang="ko-KR" altLang="en-US"/>
           </a:p>
@@ -749,7 +750,7 @@
           <a:p>
             <a:fld id="{BFC15BBE-F44D-4F1F-A330-F82D13529371}" type="datetime1">
               <a:rPr lang="ko-KR" altLang="en-US" smtClean="0"/>
-              <a:t>2019-06-26</a:t>
+              <a:t>2019-06-27</a:t>
             </a:fld>
             <a:endParaRPr lang="ko-KR" altLang="en-US"/>
           </a:p>
@@ -929,7 +930,7 @@
           <a:p>
             <a:fld id="{AF55841B-9C56-4B13-96CD-0F02E1FA3938}" type="datetime1">
               <a:rPr lang="ko-KR" altLang="en-US" smtClean="0"/>
-              <a:t>2019-06-26</a:t>
+              <a:t>2019-06-27</a:t>
             </a:fld>
             <a:endParaRPr lang="ko-KR" altLang="en-US"/>
           </a:p>
@@ -1099,7 +1100,7 @@
           <a:p>
             <a:fld id="{2ABF20A8-D685-4CF2-B639-02FF1506B0EE}" type="datetime1">
               <a:rPr lang="ko-KR" altLang="en-US" smtClean="0"/>
-              <a:t>2019-06-26</a:t>
+              <a:t>2019-06-27</a:t>
             </a:fld>
             <a:endParaRPr lang="ko-KR" altLang="en-US"/>
           </a:p>
@@ -1345,7 +1346,7 @@
           <a:p>
             <a:fld id="{2811EE05-8720-4A70-86E4-81F89E9A0E97}" type="datetime1">
               <a:rPr lang="ko-KR" altLang="en-US" smtClean="0"/>
-              <a:t>2019-06-26</a:t>
+              <a:t>2019-06-27</a:t>
             </a:fld>
             <a:endParaRPr lang="ko-KR" altLang="en-US"/>
           </a:p>
@@ -1633,7 +1634,7 @@
           <a:p>
             <a:fld id="{4A1C758F-DBB4-457E-A726-1AAB5F25B981}" type="datetime1">
               <a:rPr lang="ko-KR" altLang="en-US" smtClean="0"/>
-              <a:t>2019-06-26</a:t>
+              <a:t>2019-06-27</a:t>
             </a:fld>
             <a:endParaRPr lang="ko-KR" altLang="en-US"/>
           </a:p>
@@ -2055,7 +2056,7 @@
           <a:p>
             <a:fld id="{7B601672-9529-4A60-880B-20248A654710}" type="datetime1">
               <a:rPr lang="ko-KR" altLang="en-US" smtClean="0"/>
-              <a:t>2019-06-26</a:t>
+              <a:t>2019-06-27</a:t>
             </a:fld>
             <a:endParaRPr lang="ko-KR" altLang="en-US"/>
           </a:p>
@@ -2173,7 +2174,7 @@
           <a:p>
             <a:fld id="{C95B78CF-F6D9-4B1C-9763-19B11B300263}" type="datetime1">
               <a:rPr lang="ko-KR" altLang="en-US" smtClean="0"/>
-              <a:t>2019-06-26</a:t>
+              <a:t>2019-06-27</a:t>
             </a:fld>
             <a:endParaRPr lang="ko-KR" altLang="en-US"/>
           </a:p>
@@ -2268,7 +2269,7 @@
           <a:p>
             <a:fld id="{5922D0F6-4AA9-49FC-859A-85F46D10708C}" type="datetime1">
               <a:rPr lang="ko-KR" altLang="en-US" smtClean="0"/>
-              <a:t>2019-06-26</a:t>
+              <a:t>2019-06-27</a:t>
             </a:fld>
             <a:endParaRPr lang="ko-KR" altLang="en-US"/>
           </a:p>
@@ -2545,7 +2546,7 @@
           <a:p>
             <a:fld id="{CEDA55FF-F5DC-4391-BDEA-D69D740997F9}" type="datetime1">
               <a:rPr lang="ko-KR" altLang="en-US" smtClean="0"/>
-              <a:t>2019-06-26</a:t>
+              <a:t>2019-06-27</a:t>
             </a:fld>
             <a:endParaRPr lang="ko-KR" altLang="en-US"/>
           </a:p>
@@ -2798,7 +2799,7 @@
           <a:p>
             <a:fld id="{D2D6606D-0E2F-4E15-83D6-FE608293D64D}" type="datetime1">
               <a:rPr lang="ko-KR" altLang="en-US" smtClean="0"/>
-              <a:t>2019-06-26</a:t>
+              <a:t>2019-06-27</a:t>
             </a:fld>
             <a:endParaRPr lang="ko-KR" altLang="en-US"/>
           </a:p>
@@ -3011,7 +3012,7 @@
           <a:p>
             <a:fld id="{7F3773C4-A1CC-40B4-8E1B-E8B2DF0E5786}" type="datetime1">
               <a:rPr lang="ko-KR" altLang="en-US" smtClean="0"/>
-              <a:t>2019-06-26</a:t>
+              <a:t>2019-06-27</a:t>
             </a:fld>
             <a:endParaRPr lang="ko-KR" altLang="en-US"/>
           </a:p>
@@ -9355,6 +9356,664 @@
     <p:extLst>
       <p:ext uri="{BB962C8B-B14F-4D97-AF65-F5344CB8AC3E}">
         <p14:creationId xmlns:p14="http://schemas.microsoft.com/office/powerpoint/2010/main" val="1747440852"/>
+      </p:ext>
+    </p:extLst>
+  </p:cSld>
+  <p:clrMapOvr>
+    <a:masterClrMapping/>
+  </p:clrMapOvr>
+  <p:timing>
+    <p:tnLst>
+      <p:par>
+        <p:cTn id="1" dur="indefinite" restart="never" nodeType="tmRoot"/>
+      </p:par>
+    </p:tnLst>
+  </p:timing>
+</p:sld>
+</file>
+
+<file path=ppt/slides/slide17.xml><?xml version="1.0" encoding="utf-8"?>
+<p:sld xmlns:a="http://schemas.openxmlformats.org/drawingml/2006/main" xmlns:r="http://schemas.openxmlformats.org/officeDocument/2006/relationships" xmlns:p="http://schemas.openxmlformats.org/presentationml/2006/main">
+  <p:cSld>
+    <p:spTree>
+      <p:nvGrpSpPr>
+        <p:cNvPr id="1" name=""/>
+        <p:cNvGrpSpPr/>
+        <p:nvPr/>
+      </p:nvGrpSpPr>
+      <p:grpSpPr>
+        <a:xfrm>
+          <a:off x="0" y="0"/>
+          <a:ext cx="0" cy="0"/>
+          <a:chOff x="0" y="0"/>
+          <a:chExt cx="0" cy="0"/>
+        </a:xfrm>
+      </p:grpSpPr>
+      <p:sp>
+        <p:nvSpPr>
+          <p:cNvPr id="4" name="TextBox 3"/>
+          <p:cNvSpPr txBox="1"/>
+          <p:nvPr/>
+        </p:nvSpPr>
+        <p:spPr>
+          <a:xfrm>
+            <a:off x="353672" y="620688"/>
+            <a:ext cx="8693405" cy="6001643"/>
+          </a:xfrm>
+          <a:prstGeom prst="rect">
+            <a:avLst/>
+          </a:prstGeom>
+          <a:noFill/>
+        </p:spPr>
+        <p:txBody>
+          <a:bodyPr wrap="none" rtlCol="0">
+            <a:spAutoFit/>
+          </a:bodyPr>
+          <a:lstStyle/>
+          <a:p>
+            <a:pPr marL="342900" indent="-342900">
+              <a:lnSpc>
+                <a:spcPct val="150000"/>
+              </a:lnSpc>
+              <a:buFont typeface="+mj-lt"/>
+              <a:buAutoNum type="arabicPeriod"/>
+            </a:pPr>
+            <a:r>
+              <a:rPr lang="ko-KR" altLang="en-US" sz="1600" b="1" dirty="0" smtClean="0">
+                <a:latin typeface="+mn-ea"/>
+              </a:rPr>
+              <a:t>부모의 키가 클수록 자식의 키도 상대적으로 크다고 하는데</a:t>
+            </a:r>
+            <a:r>
+              <a:rPr lang="en-US" altLang="ko-KR" sz="1600" b="1" dirty="0" smtClean="0">
+                <a:latin typeface="+mn-ea"/>
+              </a:rPr>
+              <a:t>, </a:t>
+            </a:r>
+            <a:r>
+              <a:rPr lang="ko-KR" altLang="en-US" sz="1600" b="1" dirty="0" smtClean="0">
+                <a:latin typeface="+mn-ea"/>
+              </a:rPr>
+              <a:t>아버지의 키와 아들의 키를</a:t>
+            </a:r>
+            <a:r>
+              <a:rPr lang="en-US" altLang="ko-KR" sz="1600" b="1" dirty="0" smtClean="0">
+                <a:latin typeface="+mn-ea"/>
+              </a:rPr>
+              <a:t/>
+            </a:r>
+            <a:br>
+              <a:rPr lang="en-US" altLang="ko-KR" sz="1600" b="1" dirty="0" smtClean="0">
+                <a:latin typeface="+mn-ea"/>
+              </a:rPr>
+            </a:br>
+            <a:r>
+              <a:rPr lang="ko-KR" altLang="en-US" sz="1600" b="1" dirty="0" smtClean="0">
+                <a:latin typeface="+mn-ea"/>
+              </a:rPr>
+              <a:t>조사하였더니 아래와 같이 나왔다고 한다</a:t>
+            </a:r>
+            <a:r>
+              <a:rPr lang="en-US" altLang="ko-KR" sz="1600" b="1" dirty="0" smtClean="0">
+                <a:latin typeface="+mn-ea"/>
+              </a:rPr>
+              <a:t>. </a:t>
+            </a:r>
+            <a:r>
+              <a:rPr lang="ko-KR" altLang="en-US" sz="1600" b="1" dirty="0" smtClean="0">
+                <a:latin typeface="+mn-ea"/>
+              </a:rPr>
+              <a:t>이 자료를 바탕으로 해서 </a:t>
+            </a:r>
+            <a:r>
+              <a:rPr lang="ko-KR" altLang="en-US" sz="1600" b="1" dirty="0" err="1" smtClean="0">
+                <a:latin typeface="+mn-ea"/>
+              </a:rPr>
+              <a:t>회귀식을</a:t>
+            </a:r>
+            <a:r>
+              <a:rPr lang="ko-KR" altLang="en-US" sz="1600" b="1" dirty="0" smtClean="0">
+                <a:latin typeface="+mn-ea"/>
+              </a:rPr>
+              <a:t> 구하고</a:t>
+            </a:r>
+            <a:r>
+              <a:rPr lang="en-US" altLang="ko-KR" sz="1600" b="1" dirty="0" smtClean="0">
+                <a:latin typeface="+mn-ea"/>
+              </a:rPr>
+              <a:t/>
+            </a:r>
+            <a:br>
+              <a:rPr lang="en-US" altLang="ko-KR" sz="1600" b="1" dirty="0" smtClean="0">
+                <a:latin typeface="+mn-ea"/>
+              </a:rPr>
+            </a:br>
+            <a:r>
+              <a:rPr lang="ko-KR" altLang="en-US" sz="1600" b="1" dirty="0" smtClean="0">
+                <a:latin typeface="+mn-ea"/>
+              </a:rPr>
+              <a:t>아버지의 키가 </a:t>
+            </a:r>
+            <a:r>
+              <a:rPr lang="en-US" altLang="ko-KR" sz="1600" b="1" dirty="0" smtClean="0">
+                <a:latin typeface="+mn-ea"/>
+              </a:rPr>
+              <a:t>165cm</a:t>
+            </a:r>
+            <a:r>
+              <a:rPr lang="ko-KR" altLang="en-US" sz="1600" b="1" dirty="0" smtClean="0">
+                <a:latin typeface="+mn-ea"/>
+              </a:rPr>
+              <a:t>일 때</a:t>
+            </a:r>
+            <a:r>
+              <a:rPr lang="en-US" altLang="ko-KR" sz="1600" b="1" dirty="0" smtClean="0">
+                <a:latin typeface="+mn-ea"/>
+              </a:rPr>
+              <a:t> </a:t>
+            </a:r>
+            <a:r>
+              <a:rPr lang="ko-KR" altLang="en-US" sz="1600" b="1" dirty="0" smtClean="0">
+                <a:latin typeface="+mn-ea"/>
+              </a:rPr>
+              <a:t>아들의 키는 얼마인지 예측하시오</a:t>
+            </a:r>
+            <a:r>
+              <a:rPr lang="en-US" altLang="ko-KR" sz="1600" b="1" dirty="0" smtClean="0">
+                <a:latin typeface="+mn-ea"/>
+              </a:rPr>
+              <a:t>.</a:t>
+            </a:r>
+            <a:br>
+              <a:rPr lang="en-US" altLang="ko-KR" sz="1600" b="1" dirty="0" smtClean="0">
+                <a:latin typeface="+mn-ea"/>
+              </a:rPr>
+            </a:br>
+            <a:r>
+              <a:rPr lang="en-US" altLang="ko-KR" sz="1600" b="1" dirty="0" smtClean="0">
+                <a:latin typeface="+mn-ea"/>
+              </a:rPr>
+              <a:t>	</a:t>
+            </a:r>
+            <a:r>
+              <a:rPr lang="ko-KR" altLang="en-US" sz="1600" b="1" dirty="0" smtClean="0">
+                <a:latin typeface="+mn-ea"/>
+              </a:rPr>
+              <a:t>아버지의 키</a:t>
+            </a:r>
+            <a:r>
+              <a:rPr lang="en-US" altLang="ko-KR" sz="1600" b="1" dirty="0" smtClean="0">
+                <a:latin typeface="+mn-ea"/>
+              </a:rPr>
+              <a:t>(x):	150  160  170  180  190</a:t>
+            </a:r>
+            <a:br>
+              <a:rPr lang="en-US" altLang="ko-KR" sz="1600" b="1" dirty="0" smtClean="0">
+                <a:latin typeface="+mn-ea"/>
+              </a:rPr>
+            </a:br>
+            <a:r>
+              <a:rPr lang="en-US" altLang="ko-KR" sz="1600" b="1" dirty="0" smtClean="0">
+                <a:latin typeface="+mn-ea"/>
+              </a:rPr>
+              <a:t>	</a:t>
+            </a:r>
+            <a:r>
+              <a:rPr lang="ko-KR" altLang="en-US" sz="1600" b="1" dirty="0" smtClean="0">
+                <a:latin typeface="+mn-ea"/>
+              </a:rPr>
+              <a:t>아들의 키</a:t>
+            </a:r>
+            <a:r>
+              <a:rPr lang="en-US" altLang="ko-KR" sz="1600" b="1" dirty="0" smtClean="0">
+                <a:latin typeface="+mn-ea"/>
+              </a:rPr>
+              <a:t>(y):	176  179  182  181  185</a:t>
+            </a:r>
+          </a:p>
+          <a:p>
+            <a:pPr marL="342900" indent="-342900">
+              <a:lnSpc>
+                <a:spcPct val="150000"/>
+              </a:lnSpc>
+              <a:buFont typeface="+mj-lt"/>
+              <a:buAutoNum type="arabicPeriod"/>
+            </a:pPr>
+            <a:endParaRPr lang="en-US" altLang="ko-KR" sz="1600" b="1" dirty="0">
+              <a:latin typeface="+mn-ea"/>
+            </a:endParaRPr>
+          </a:p>
+          <a:p>
+            <a:pPr marL="342900" indent="-342900">
+              <a:lnSpc>
+                <a:spcPct val="150000"/>
+              </a:lnSpc>
+              <a:buFont typeface="+mj-lt"/>
+              <a:buAutoNum type="arabicPeriod"/>
+            </a:pPr>
+            <a:r>
+              <a:rPr lang="ko-KR" altLang="en-US" sz="1600" b="1" dirty="0" smtClean="0">
+                <a:latin typeface="+mn-ea"/>
+              </a:rPr>
+              <a:t>소득이 높을수록 신용카드 사용량이 많아진다고 하는데</a:t>
+            </a:r>
+            <a:r>
+              <a:rPr lang="en-US" altLang="ko-KR" sz="1600" b="1" dirty="0" smtClean="0">
+                <a:latin typeface="+mn-ea"/>
+              </a:rPr>
+              <a:t>, </a:t>
+            </a:r>
+            <a:r>
+              <a:rPr lang="ko-KR" altLang="en-US" sz="1600" b="1" dirty="0" smtClean="0">
+                <a:latin typeface="+mn-ea"/>
+              </a:rPr>
+              <a:t>월 소득 대비 신용카드 사용량을</a:t>
+            </a:r>
+            <a:r>
+              <a:rPr lang="en-US" altLang="ko-KR" sz="1600" b="1" dirty="0" smtClean="0">
+                <a:latin typeface="+mn-ea"/>
+              </a:rPr>
+              <a:t/>
+            </a:r>
+            <a:br>
+              <a:rPr lang="en-US" altLang="ko-KR" sz="1600" b="1" dirty="0" smtClean="0">
+                <a:latin typeface="+mn-ea"/>
+              </a:rPr>
+            </a:br>
+            <a:r>
+              <a:rPr lang="ko-KR" altLang="en-US" sz="1600" b="1" dirty="0" smtClean="0">
+                <a:latin typeface="+mn-ea"/>
+              </a:rPr>
+              <a:t>조사하였더니 아래와 같이 나왔다고 한다</a:t>
+            </a:r>
+            <a:r>
+              <a:rPr lang="en-US" altLang="ko-KR" sz="1600" b="1" dirty="0" smtClean="0">
+                <a:latin typeface="+mn-ea"/>
+              </a:rPr>
+              <a:t>. </a:t>
+            </a:r>
+            <a:r>
+              <a:rPr lang="ko-KR" altLang="en-US" sz="1600" b="1" dirty="0" smtClean="0">
+                <a:latin typeface="+mn-ea"/>
+              </a:rPr>
+              <a:t>이 자료를 바탕으로 해서 </a:t>
+            </a:r>
+            <a:r>
+              <a:rPr lang="ko-KR" altLang="en-US" sz="1600" b="1" dirty="0" err="1" smtClean="0">
+                <a:latin typeface="+mn-ea"/>
+              </a:rPr>
+              <a:t>회귀식을</a:t>
+            </a:r>
+            <a:r>
+              <a:rPr lang="ko-KR" altLang="en-US" sz="1600" b="1" dirty="0" smtClean="0">
+                <a:latin typeface="+mn-ea"/>
+              </a:rPr>
+              <a:t> 구하고</a:t>
+            </a:r>
+            <a:r>
+              <a:rPr lang="en-US" altLang="ko-KR" sz="1600" b="1" dirty="0" smtClean="0">
+                <a:latin typeface="+mn-ea"/>
+              </a:rPr>
+              <a:t>,</a:t>
+            </a:r>
+            <a:br>
+              <a:rPr lang="en-US" altLang="ko-KR" sz="1600" b="1" dirty="0" smtClean="0">
+                <a:latin typeface="+mn-ea"/>
+              </a:rPr>
+            </a:br>
+            <a:r>
+              <a:rPr lang="ko-KR" altLang="en-US" sz="1600" b="1" dirty="0" smtClean="0">
+                <a:latin typeface="+mn-ea"/>
+              </a:rPr>
+              <a:t>월 소득이 </a:t>
+            </a:r>
+            <a:r>
+              <a:rPr lang="en-US" altLang="ko-KR" sz="1600" b="1" dirty="0" smtClean="0">
+                <a:latin typeface="+mn-ea"/>
+              </a:rPr>
+              <a:t>250</a:t>
+            </a:r>
+            <a:r>
+              <a:rPr lang="ko-KR" altLang="en-US" sz="1600" b="1" dirty="0" smtClean="0">
+                <a:latin typeface="+mn-ea"/>
+              </a:rPr>
+              <a:t>만원일 </a:t>
+            </a:r>
+            <a:r>
+              <a:rPr lang="ko-KR" altLang="en-US" sz="1600" b="1" dirty="0">
+                <a:latin typeface="+mn-ea"/>
+              </a:rPr>
+              <a:t>때</a:t>
+            </a:r>
+            <a:r>
+              <a:rPr lang="ko-KR" altLang="en-US" sz="1600" b="1" dirty="0" smtClean="0">
+                <a:latin typeface="+mn-ea"/>
+              </a:rPr>
+              <a:t> 신용카드 사용량을 예측하시오</a:t>
+            </a:r>
+            <a:r>
+              <a:rPr lang="en-US" altLang="ko-KR" sz="1600" b="1" dirty="0" smtClean="0">
+                <a:latin typeface="+mn-ea"/>
+              </a:rPr>
+              <a:t>. (</a:t>
+            </a:r>
+            <a:r>
+              <a:rPr lang="ko-KR" altLang="en-US" sz="1600" b="1" dirty="0" smtClean="0">
+                <a:latin typeface="+mn-ea"/>
+              </a:rPr>
+              <a:t>단위</a:t>
+            </a:r>
+            <a:r>
+              <a:rPr lang="en-US" altLang="ko-KR" sz="1600" b="1" dirty="0" smtClean="0">
+                <a:latin typeface="+mn-ea"/>
+              </a:rPr>
+              <a:t>: </a:t>
+            </a:r>
+            <a:r>
+              <a:rPr lang="ko-KR" altLang="en-US" sz="1600" b="1" dirty="0" smtClean="0">
+                <a:latin typeface="+mn-ea"/>
+              </a:rPr>
+              <a:t>만원</a:t>
+            </a:r>
+            <a:r>
+              <a:rPr lang="en-US" altLang="ko-KR" sz="1600" b="1" dirty="0" smtClean="0">
+                <a:latin typeface="+mn-ea"/>
+              </a:rPr>
+              <a:t>)</a:t>
+            </a:r>
+            <a:br>
+              <a:rPr lang="en-US" altLang="ko-KR" sz="1600" b="1" dirty="0" smtClean="0">
+                <a:latin typeface="+mn-ea"/>
+              </a:rPr>
+            </a:br>
+            <a:r>
+              <a:rPr lang="en-US" altLang="ko-KR" sz="1600" b="1" dirty="0" smtClean="0">
+                <a:latin typeface="+mn-ea"/>
+              </a:rPr>
+              <a:t>	</a:t>
+            </a:r>
+            <a:r>
+              <a:rPr lang="ko-KR" altLang="en-US" sz="1600" b="1" dirty="0" smtClean="0">
+                <a:latin typeface="+mn-ea"/>
+              </a:rPr>
+              <a:t>월 소득</a:t>
+            </a:r>
+            <a:r>
+              <a:rPr lang="en-US" altLang="ko-KR" sz="1600" b="1" dirty="0" smtClean="0">
+                <a:latin typeface="+mn-ea"/>
+              </a:rPr>
+              <a:t>(x):	100  200  300  400  500</a:t>
+            </a:r>
+            <a:br>
+              <a:rPr lang="en-US" altLang="ko-KR" sz="1600" b="1" dirty="0" smtClean="0">
+                <a:latin typeface="+mn-ea"/>
+              </a:rPr>
+            </a:br>
+            <a:r>
+              <a:rPr lang="en-US" altLang="ko-KR" sz="1600" b="1" dirty="0" smtClean="0">
+                <a:latin typeface="+mn-ea"/>
+              </a:rPr>
+              <a:t>	</a:t>
+            </a:r>
+            <a:r>
+              <a:rPr lang="ko-KR" altLang="en-US" sz="1600" b="1" dirty="0" smtClean="0">
+                <a:latin typeface="+mn-ea"/>
+              </a:rPr>
+              <a:t>카드 사용량</a:t>
+            </a:r>
+            <a:r>
+              <a:rPr lang="en-US" altLang="ko-KR" sz="1600" b="1" dirty="0" smtClean="0">
+                <a:latin typeface="+mn-ea"/>
+              </a:rPr>
+              <a:t>(y):	 30    70    85  140  197</a:t>
+            </a:r>
+          </a:p>
+          <a:p>
+            <a:pPr marL="342900" indent="-342900">
+              <a:lnSpc>
+                <a:spcPct val="150000"/>
+              </a:lnSpc>
+              <a:buFont typeface="+mj-lt"/>
+              <a:buAutoNum type="arabicPeriod"/>
+            </a:pPr>
+            <a:endParaRPr lang="en-US" altLang="ko-KR" sz="1600" b="1" dirty="0">
+              <a:latin typeface="+mn-ea"/>
+            </a:endParaRPr>
+          </a:p>
+          <a:p>
+            <a:pPr marL="342900" indent="-342900">
+              <a:lnSpc>
+                <a:spcPct val="150000"/>
+              </a:lnSpc>
+              <a:buFont typeface="+mj-lt"/>
+              <a:buAutoNum type="arabicPeriod"/>
+            </a:pPr>
+            <a:r>
+              <a:rPr lang="en-US" altLang="ko-KR" sz="1600" b="1" dirty="0" err="1">
+                <a:latin typeface="+mn-ea"/>
+              </a:rPr>
+              <a:t>mtcars</a:t>
+            </a:r>
+            <a:r>
+              <a:rPr lang="en-US" altLang="ko-KR" sz="1600" b="1" dirty="0">
+                <a:latin typeface="+mn-ea"/>
+              </a:rPr>
+              <a:t> </a:t>
+            </a:r>
+            <a:r>
+              <a:rPr lang="ko-KR" altLang="en-US" sz="1600" b="1" dirty="0" err="1" smtClean="0">
+                <a:latin typeface="+mn-ea"/>
+              </a:rPr>
+              <a:t>데이터셋에서</a:t>
+            </a:r>
+            <a:r>
+              <a:rPr lang="ko-KR" altLang="en-US" sz="1600" b="1" dirty="0" smtClean="0">
+                <a:latin typeface="+mn-ea"/>
+              </a:rPr>
+              <a:t> 배기량</a:t>
+            </a:r>
+            <a:r>
+              <a:rPr lang="en-US" altLang="ko-KR" sz="1600" b="1" dirty="0" smtClean="0">
+                <a:latin typeface="+mn-ea"/>
+              </a:rPr>
+              <a:t>(</a:t>
+            </a:r>
+            <a:r>
+              <a:rPr lang="en-US" altLang="ko-KR" sz="1600" b="1" dirty="0" err="1" smtClean="0">
+                <a:latin typeface="+mn-ea"/>
+              </a:rPr>
+              <a:t>disp</a:t>
+            </a:r>
+            <a:r>
+              <a:rPr lang="en-US" altLang="ko-KR" sz="1600" b="1" dirty="0" smtClean="0">
+                <a:latin typeface="+mn-ea"/>
+              </a:rPr>
+              <a:t>)</a:t>
+            </a:r>
+            <a:r>
+              <a:rPr lang="ko-KR" altLang="en-US" sz="1600" b="1" dirty="0" smtClean="0">
+                <a:latin typeface="+mn-ea"/>
+              </a:rPr>
+              <a:t>에 따른 마력</a:t>
+            </a:r>
+            <a:r>
+              <a:rPr lang="en-US" altLang="ko-KR" sz="1600" b="1" dirty="0" smtClean="0">
+                <a:latin typeface="+mn-ea"/>
+              </a:rPr>
+              <a:t>(</a:t>
+            </a:r>
+            <a:r>
+              <a:rPr lang="en-US" altLang="ko-KR" sz="1600" b="1" dirty="0" err="1" smtClean="0">
+                <a:latin typeface="+mn-ea"/>
+              </a:rPr>
+              <a:t>hp</a:t>
+            </a:r>
+            <a:r>
+              <a:rPr lang="en-US" altLang="ko-KR" sz="1600" b="1" dirty="0" smtClean="0">
+                <a:latin typeface="+mn-ea"/>
+              </a:rPr>
+              <a:t>)</a:t>
+            </a:r>
+            <a:r>
+              <a:rPr lang="ko-KR" altLang="en-US" sz="1600" b="1" dirty="0" smtClean="0">
+                <a:latin typeface="+mn-ea"/>
+              </a:rPr>
+              <a:t>의 </a:t>
+            </a:r>
+            <a:r>
+              <a:rPr lang="ko-KR" altLang="en-US" sz="1600" b="1" dirty="0" err="1" smtClean="0">
+                <a:latin typeface="+mn-ea"/>
+              </a:rPr>
+              <a:t>회귀식을</a:t>
+            </a:r>
+            <a:r>
+              <a:rPr lang="ko-KR" altLang="en-US" sz="1600" b="1" dirty="0" smtClean="0">
+                <a:latin typeface="+mn-ea"/>
+              </a:rPr>
+              <a:t> 구하시오</a:t>
+            </a:r>
+            <a:r>
+              <a:rPr lang="en-US" altLang="ko-KR" sz="1600" b="1" dirty="0" smtClean="0">
+                <a:latin typeface="+mn-ea"/>
+              </a:rPr>
+              <a:t>.</a:t>
+            </a:r>
+          </a:p>
+          <a:p>
+            <a:pPr marL="342900" indent="-342900">
+              <a:lnSpc>
+                <a:spcPct val="150000"/>
+              </a:lnSpc>
+              <a:buFont typeface="+mj-lt"/>
+              <a:buAutoNum type="arabicPeriod"/>
+            </a:pPr>
+            <a:endParaRPr lang="en-US" altLang="ko-KR" sz="1600" b="1" dirty="0">
+              <a:latin typeface="+mn-ea"/>
+            </a:endParaRPr>
+          </a:p>
+          <a:p>
+            <a:pPr marL="342900" indent="-342900">
+              <a:lnSpc>
+                <a:spcPct val="150000"/>
+              </a:lnSpc>
+              <a:buFont typeface="+mj-lt"/>
+              <a:buAutoNum type="arabicPeriod"/>
+            </a:pPr>
+            <a:r>
+              <a:rPr lang="en-US" altLang="ko-KR" sz="1600" b="1" dirty="0" smtClean="0">
+                <a:latin typeface="+mn-ea"/>
+              </a:rPr>
+              <a:t>MASS </a:t>
+            </a:r>
+            <a:r>
+              <a:rPr lang="ko-KR" altLang="en-US" sz="1600" b="1" dirty="0" smtClean="0">
+                <a:latin typeface="+mn-ea"/>
+              </a:rPr>
+              <a:t>패키지를 설치하고</a:t>
+            </a:r>
+            <a:r>
+              <a:rPr lang="en-US" altLang="ko-KR" sz="1600" b="1" dirty="0" smtClean="0">
+                <a:latin typeface="+mn-ea"/>
+              </a:rPr>
+              <a:t>, </a:t>
+            </a:r>
+            <a:r>
+              <a:rPr lang="ko-KR" altLang="en-US" sz="1600" b="1" dirty="0" smtClean="0">
+                <a:latin typeface="+mn-ea"/>
+              </a:rPr>
+              <a:t>이 패키지 안에 있는 </a:t>
+            </a:r>
+            <a:r>
+              <a:rPr lang="en-US" altLang="ko-KR" sz="1600" b="1" dirty="0" smtClean="0">
+                <a:latin typeface="+mn-ea"/>
+              </a:rPr>
+              <a:t>Boston </a:t>
+            </a:r>
+            <a:r>
+              <a:rPr lang="ko-KR" altLang="en-US" sz="1600" b="1" dirty="0" err="1" smtClean="0">
+                <a:latin typeface="+mn-ea"/>
+              </a:rPr>
+              <a:t>데이터셋을</a:t>
+            </a:r>
+            <a:r>
+              <a:rPr lang="ko-KR" altLang="en-US" sz="1600" b="1" dirty="0" smtClean="0">
+                <a:latin typeface="+mn-ea"/>
+              </a:rPr>
+              <a:t> 이용하여</a:t>
+            </a:r>
+            <a:r>
+              <a:rPr lang="en-US" altLang="ko-KR" sz="1600" b="1" dirty="0">
+                <a:latin typeface="+mn-ea"/>
+              </a:rPr>
+              <a:t/>
+            </a:r>
+            <a:br>
+              <a:rPr lang="en-US" altLang="ko-KR" sz="1600" b="1" dirty="0">
+                <a:latin typeface="+mn-ea"/>
+              </a:rPr>
+            </a:br>
+            <a:r>
+              <a:rPr lang="en-US" altLang="ko-KR" sz="1600" b="1" dirty="0" smtClean="0">
+                <a:latin typeface="+mn-ea"/>
+              </a:rPr>
+              <a:t>Boston </a:t>
+            </a:r>
+            <a:r>
+              <a:rPr lang="ko-KR" altLang="en-US" sz="1600" b="1" dirty="0" smtClean="0">
+                <a:latin typeface="+mn-ea"/>
+              </a:rPr>
+              <a:t>인근의 집값을 결정하는 다중회귀 모델을 만드시오</a:t>
+            </a:r>
+            <a:r>
+              <a:rPr lang="en-US" altLang="ko-KR" sz="1600" b="1" dirty="0" smtClean="0">
+                <a:latin typeface="+mn-ea"/>
+              </a:rPr>
+              <a:t>.</a:t>
+            </a:r>
+            <a:endParaRPr lang="en-US" altLang="ko-KR" sz="1600" b="1" dirty="0" smtClean="0">
+              <a:latin typeface="+mn-ea"/>
+            </a:endParaRPr>
+          </a:p>
+        </p:txBody>
+      </p:sp>
+      <p:sp>
+        <p:nvSpPr>
+          <p:cNvPr id="5" name="TextBox 4"/>
+          <p:cNvSpPr txBox="1"/>
+          <p:nvPr/>
+        </p:nvSpPr>
+        <p:spPr>
+          <a:xfrm>
+            <a:off x="333515" y="136110"/>
+            <a:ext cx="1598515" cy="369332"/>
+          </a:xfrm>
+          <a:prstGeom prst="rect">
+            <a:avLst/>
+          </a:prstGeom>
+          <a:noFill/>
+        </p:spPr>
+        <p:txBody>
+          <a:bodyPr wrap="none" rtlCol="0">
+            <a:spAutoFit/>
+          </a:bodyPr>
+          <a:lstStyle/>
+          <a:p>
+            <a:r>
+              <a:rPr lang="en-US" altLang="ko-KR" b="1" dirty="0" smtClean="0"/>
+              <a:t>12. </a:t>
+            </a:r>
+            <a:r>
+              <a:rPr lang="ko-KR" altLang="en-US" b="1" dirty="0" smtClean="0"/>
+              <a:t>회귀 분석</a:t>
+            </a:r>
+            <a:endParaRPr lang="ko-KR" altLang="en-US" b="1" dirty="0"/>
+          </a:p>
+        </p:txBody>
+      </p:sp>
+    </p:spTree>
+    <p:extLst>
+      <p:ext uri="{BB962C8B-B14F-4D97-AF65-F5344CB8AC3E}">
+        <p14:creationId xmlns:p14="http://schemas.microsoft.com/office/powerpoint/2010/main" val="4262913429"/>
       </p:ext>
     </p:extLst>
   </p:cSld>
